--- a/ch03_figures.pptx
+++ b/ch03_figures.pptx
@@ -9,6 +9,10 @@
     <p:sldId id="260" r:id="rId3"/>
     <p:sldId id="258" r:id="rId4"/>
     <p:sldId id="261" r:id="rId5"/>
+    <p:sldId id="264" r:id="rId6"/>
+    <p:sldId id="265" r:id="rId7"/>
+    <p:sldId id="262" r:id="rId8"/>
+    <p:sldId id="263" r:id="rId9"/>
   </p:sldIdLst>
   <p:sldSz cx="12192000" cy="6858000"/>
   <p:notesSz cx="6858000" cy="9144000"/>
@@ -107,6 +111,11 @@
       </a:defRPr>
     </a:lvl9pPr>
   </p:defaultTextStyle>
+  <p:extLst>
+    <p:ext uri="{EFAFB233-063F-42B5-8137-9DF3F51BA10A}">
+      <p15:sldGuideLst xmlns:p15="http://schemas.microsoft.com/office/powerpoint/2012/main"/>
+    </p:ext>
+  </p:extLst>
 </p:presentation>
 </file>
 
@@ -257,7 +266,7 @@
           <a:p>
             <a:fld id="{EA21E173-349B-46BE-ACD9-2A8914A45325}" type="datetimeFigureOut">
               <a:rPr lang="ko-KR" altLang="en-US" smtClean="0"/>
-              <a:t>2019-09-23</a:t>
+              <a:t>2019-09-25</a:t>
             </a:fld>
             <a:endParaRPr lang="ko-KR" altLang="en-US"/>
           </a:p>
@@ -455,7 +464,7 @@
           <a:p>
             <a:fld id="{EA21E173-349B-46BE-ACD9-2A8914A45325}" type="datetimeFigureOut">
               <a:rPr lang="ko-KR" altLang="en-US" smtClean="0"/>
-              <a:t>2019-09-23</a:t>
+              <a:t>2019-09-25</a:t>
             </a:fld>
             <a:endParaRPr lang="ko-KR" altLang="en-US"/>
           </a:p>
@@ -663,7 +672,7 @@
           <a:p>
             <a:fld id="{EA21E173-349B-46BE-ACD9-2A8914A45325}" type="datetimeFigureOut">
               <a:rPr lang="ko-KR" altLang="en-US" smtClean="0"/>
-              <a:t>2019-09-23</a:t>
+              <a:t>2019-09-25</a:t>
             </a:fld>
             <a:endParaRPr lang="ko-KR" altLang="en-US"/>
           </a:p>
@@ -861,7 +870,7 @@
           <a:p>
             <a:fld id="{EA21E173-349B-46BE-ACD9-2A8914A45325}" type="datetimeFigureOut">
               <a:rPr lang="ko-KR" altLang="en-US" smtClean="0"/>
-              <a:t>2019-09-23</a:t>
+              <a:t>2019-09-25</a:t>
             </a:fld>
             <a:endParaRPr lang="ko-KR" altLang="en-US"/>
           </a:p>
@@ -1136,7 +1145,7 @@
           <a:p>
             <a:fld id="{EA21E173-349B-46BE-ACD9-2A8914A45325}" type="datetimeFigureOut">
               <a:rPr lang="ko-KR" altLang="en-US" smtClean="0"/>
-              <a:t>2019-09-23</a:t>
+              <a:t>2019-09-25</a:t>
             </a:fld>
             <a:endParaRPr lang="ko-KR" altLang="en-US"/>
           </a:p>
@@ -1401,7 +1410,7 @@
           <a:p>
             <a:fld id="{EA21E173-349B-46BE-ACD9-2A8914A45325}" type="datetimeFigureOut">
               <a:rPr lang="ko-KR" altLang="en-US" smtClean="0"/>
-              <a:t>2019-09-23</a:t>
+              <a:t>2019-09-25</a:t>
             </a:fld>
             <a:endParaRPr lang="ko-KR" altLang="en-US"/>
           </a:p>
@@ -1813,7 +1822,7 @@
           <a:p>
             <a:fld id="{EA21E173-349B-46BE-ACD9-2A8914A45325}" type="datetimeFigureOut">
               <a:rPr lang="ko-KR" altLang="en-US" smtClean="0"/>
-              <a:t>2019-09-23</a:t>
+              <a:t>2019-09-25</a:t>
             </a:fld>
             <a:endParaRPr lang="ko-KR" altLang="en-US"/>
           </a:p>
@@ -1954,7 +1963,7 @@
           <a:p>
             <a:fld id="{EA21E173-349B-46BE-ACD9-2A8914A45325}" type="datetimeFigureOut">
               <a:rPr lang="ko-KR" altLang="en-US" smtClean="0"/>
-              <a:t>2019-09-23</a:t>
+              <a:t>2019-09-25</a:t>
             </a:fld>
             <a:endParaRPr lang="ko-KR" altLang="en-US"/>
           </a:p>
@@ -2067,7 +2076,7 @@
           <a:p>
             <a:fld id="{EA21E173-349B-46BE-ACD9-2A8914A45325}" type="datetimeFigureOut">
               <a:rPr lang="ko-KR" altLang="en-US" smtClean="0"/>
-              <a:t>2019-09-23</a:t>
+              <a:t>2019-09-25</a:t>
             </a:fld>
             <a:endParaRPr lang="ko-KR" altLang="en-US"/>
           </a:p>
@@ -2378,7 +2387,7 @@
           <a:p>
             <a:fld id="{EA21E173-349B-46BE-ACD9-2A8914A45325}" type="datetimeFigureOut">
               <a:rPr lang="ko-KR" altLang="en-US" smtClean="0"/>
-              <a:t>2019-09-23</a:t>
+              <a:t>2019-09-25</a:t>
             </a:fld>
             <a:endParaRPr lang="ko-KR" altLang="en-US"/>
           </a:p>
@@ -2666,7 +2675,7 @@
           <a:p>
             <a:fld id="{EA21E173-349B-46BE-ACD9-2A8914A45325}" type="datetimeFigureOut">
               <a:rPr lang="ko-KR" altLang="en-US" smtClean="0"/>
-              <a:t>2019-09-23</a:t>
+              <a:t>2019-09-25</a:t>
             </a:fld>
             <a:endParaRPr lang="ko-KR" altLang="en-US"/>
           </a:p>
@@ -2907,7 +2916,7 @@
           <a:p>
             <a:fld id="{EA21E173-349B-46BE-ACD9-2A8914A45325}" type="datetimeFigureOut">
               <a:rPr lang="ko-KR" altLang="en-US" smtClean="0"/>
-              <a:t>2019-09-23</a:t>
+              <a:t>2019-09-25</a:t>
             </a:fld>
             <a:endParaRPr lang="ko-KR" altLang="en-US"/>
           </a:p>
@@ -13693,6 +13702,8595 @@
 </p:sld>
 </file>
 
+<file path=ppt/slides/slide5.xml><?xml version="1.0" encoding="utf-8"?>
+<p:sld xmlns:a="http://schemas.openxmlformats.org/drawingml/2006/main" xmlns:r="http://schemas.openxmlformats.org/officeDocument/2006/relationships" xmlns:p="http://schemas.openxmlformats.org/presentationml/2006/main">
+  <p:cSld>
+    <p:spTree>
+      <p:nvGrpSpPr>
+        <p:cNvPr id="1" name=""/>
+        <p:cNvGrpSpPr/>
+        <p:nvPr/>
+      </p:nvGrpSpPr>
+      <p:grpSpPr>
+        <a:xfrm>
+          <a:off x="0" y="0"/>
+          <a:ext cx="0" cy="0"/>
+          <a:chOff x="0" y="0"/>
+          <a:chExt cx="0" cy="0"/>
+        </a:xfrm>
+      </p:grpSpPr>
+      <p:sp>
+        <p:nvSpPr>
+          <p:cNvPr id="2" name="직사각형 1">
+            <a:extLst>
+              <a:ext uri="{FF2B5EF4-FFF2-40B4-BE49-F238E27FC236}">
+                <a16:creationId xmlns:a16="http://schemas.microsoft.com/office/drawing/2014/main" id="{B554F2C3-4EA4-4CC8-BC31-861BF2F66BA0}"/>
+              </a:ext>
+            </a:extLst>
+          </p:cNvPr>
+          <p:cNvSpPr/>
+          <p:nvPr/>
+        </p:nvSpPr>
+        <p:spPr>
+          <a:xfrm>
+            <a:off x="1058667" y="885105"/>
+            <a:ext cx="399494" cy="452761"/>
+          </a:xfrm>
+          <a:prstGeom prst="rect">
+            <a:avLst/>
+          </a:prstGeom>
+          <a:noFill/>
+        </p:spPr>
+        <p:style>
+          <a:lnRef idx="2">
+            <a:schemeClr val="accent1">
+              <a:shade val="50000"/>
+            </a:schemeClr>
+          </a:lnRef>
+          <a:fillRef idx="1">
+            <a:schemeClr val="accent1"/>
+          </a:fillRef>
+          <a:effectRef idx="0">
+            <a:schemeClr val="accent1"/>
+          </a:effectRef>
+          <a:fontRef idx="minor">
+            <a:schemeClr val="lt1"/>
+          </a:fontRef>
+        </p:style>
+        <p:txBody>
+          <a:bodyPr rtlCol="0" anchor="ctr"/>
+          <a:lstStyle/>
+          <a:p>
+            <a:pPr algn="ctr"/>
+            <a:r>
+              <a:rPr lang="en-US" altLang="ko-KR" dirty="0">
+                <a:solidFill>
+                  <a:schemeClr val="tx1"/>
+                </a:solidFill>
+              </a:rPr>
+              <a:t>3</a:t>
+            </a:r>
+            <a:endParaRPr lang="ko-KR" altLang="en-US" dirty="0">
+              <a:solidFill>
+                <a:schemeClr val="tx1"/>
+              </a:solidFill>
+            </a:endParaRPr>
+          </a:p>
+        </p:txBody>
+      </p:sp>
+      <p:sp>
+        <p:nvSpPr>
+          <p:cNvPr id="3" name="직사각형 2">
+            <a:extLst>
+              <a:ext uri="{FF2B5EF4-FFF2-40B4-BE49-F238E27FC236}">
+                <a16:creationId xmlns:a16="http://schemas.microsoft.com/office/drawing/2014/main" id="{83835137-E218-4889-91D3-358E00BA0667}"/>
+              </a:ext>
+            </a:extLst>
+          </p:cNvPr>
+          <p:cNvSpPr/>
+          <p:nvPr/>
+        </p:nvSpPr>
+        <p:spPr>
+          <a:xfrm>
+            <a:off x="1529184" y="885105"/>
+            <a:ext cx="399494" cy="452761"/>
+          </a:xfrm>
+          <a:prstGeom prst="rect">
+            <a:avLst/>
+          </a:prstGeom>
+          <a:noFill/>
+        </p:spPr>
+        <p:style>
+          <a:lnRef idx="2">
+            <a:schemeClr val="accent1">
+              <a:shade val="50000"/>
+            </a:schemeClr>
+          </a:lnRef>
+          <a:fillRef idx="1">
+            <a:schemeClr val="accent1"/>
+          </a:fillRef>
+          <a:effectRef idx="0">
+            <a:schemeClr val="accent1"/>
+          </a:effectRef>
+          <a:fontRef idx="minor">
+            <a:schemeClr val="lt1"/>
+          </a:fontRef>
+        </p:style>
+        <p:txBody>
+          <a:bodyPr rtlCol="0" anchor="ctr"/>
+          <a:lstStyle/>
+          <a:p>
+            <a:pPr algn="ctr"/>
+            <a:r>
+              <a:rPr lang="en-US" altLang="ko-KR" dirty="0">
+                <a:solidFill>
+                  <a:schemeClr val="tx1"/>
+                </a:solidFill>
+              </a:rPr>
+              <a:t>2</a:t>
+            </a:r>
+            <a:endParaRPr lang="ko-KR" altLang="en-US" dirty="0">
+              <a:solidFill>
+                <a:schemeClr val="tx1"/>
+              </a:solidFill>
+            </a:endParaRPr>
+          </a:p>
+        </p:txBody>
+      </p:sp>
+      <p:sp>
+        <p:nvSpPr>
+          <p:cNvPr id="4" name="직사각형 3">
+            <a:extLst>
+              <a:ext uri="{FF2B5EF4-FFF2-40B4-BE49-F238E27FC236}">
+                <a16:creationId xmlns:a16="http://schemas.microsoft.com/office/drawing/2014/main" id="{E8498A31-812A-4F09-93EB-1126896E5AFD}"/>
+              </a:ext>
+            </a:extLst>
+          </p:cNvPr>
+          <p:cNvSpPr/>
+          <p:nvPr/>
+        </p:nvSpPr>
+        <p:spPr>
+          <a:xfrm>
+            <a:off x="2013018" y="885105"/>
+            <a:ext cx="399494" cy="452761"/>
+          </a:xfrm>
+          <a:prstGeom prst="rect">
+            <a:avLst/>
+          </a:prstGeom>
+          <a:noFill/>
+        </p:spPr>
+        <p:style>
+          <a:lnRef idx="2">
+            <a:schemeClr val="accent1">
+              <a:shade val="50000"/>
+            </a:schemeClr>
+          </a:lnRef>
+          <a:fillRef idx="1">
+            <a:schemeClr val="accent1"/>
+          </a:fillRef>
+          <a:effectRef idx="0">
+            <a:schemeClr val="accent1"/>
+          </a:effectRef>
+          <a:fontRef idx="minor">
+            <a:schemeClr val="lt1"/>
+          </a:fontRef>
+        </p:style>
+        <p:txBody>
+          <a:bodyPr rtlCol="0" anchor="ctr"/>
+          <a:lstStyle/>
+          <a:p>
+            <a:pPr algn="ctr"/>
+            <a:r>
+              <a:rPr lang="en-US" altLang="ko-KR" dirty="0">
+                <a:solidFill>
+                  <a:schemeClr val="bg2"/>
+                </a:solidFill>
+              </a:rPr>
+              <a:t>1</a:t>
+            </a:r>
+            <a:endParaRPr lang="ko-KR" altLang="en-US" dirty="0">
+              <a:solidFill>
+                <a:schemeClr val="bg2"/>
+              </a:solidFill>
+            </a:endParaRPr>
+          </a:p>
+        </p:txBody>
+      </p:sp>
+      <p:sp>
+        <p:nvSpPr>
+          <p:cNvPr id="5" name="직사각형 4">
+            <a:extLst>
+              <a:ext uri="{FF2B5EF4-FFF2-40B4-BE49-F238E27FC236}">
+                <a16:creationId xmlns:a16="http://schemas.microsoft.com/office/drawing/2014/main" id="{D2BCC873-2F32-4B41-BEEE-C29A9806E912}"/>
+              </a:ext>
+            </a:extLst>
+          </p:cNvPr>
+          <p:cNvSpPr/>
+          <p:nvPr/>
+        </p:nvSpPr>
+        <p:spPr>
+          <a:xfrm>
+            <a:off x="2496852" y="885105"/>
+            <a:ext cx="399494" cy="452761"/>
+          </a:xfrm>
+          <a:prstGeom prst="rect">
+            <a:avLst/>
+          </a:prstGeom>
+          <a:noFill/>
+        </p:spPr>
+        <p:style>
+          <a:lnRef idx="2">
+            <a:schemeClr val="accent1">
+              <a:shade val="50000"/>
+            </a:schemeClr>
+          </a:lnRef>
+          <a:fillRef idx="1">
+            <a:schemeClr val="accent1"/>
+          </a:fillRef>
+          <a:effectRef idx="0">
+            <a:schemeClr val="accent1"/>
+          </a:effectRef>
+          <a:fontRef idx="minor">
+            <a:schemeClr val="lt1"/>
+          </a:fontRef>
+        </p:style>
+        <p:txBody>
+          <a:bodyPr rtlCol="0" anchor="ctr"/>
+          <a:lstStyle/>
+          <a:p>
+            <a:pPr algn="ctr"/>
+            <a:r>
+              <a:rPr lang="en-US" altLang="ko-KR" dirty="0">
+                <a:solidFill>
+                  <a:schemeClr val="bg2"/>
+                </a:solidFill>
+              </a:rPr>
+              <a:t>5</a:t>
+            </a:r>
+            <a:endParaRPr lang="ko-KR" altLang="en-US" dirty="0">
+              <a:solidFill>
+                <a:schemeClr val="bg2"/>
+              </a:solidFill>
+            </a:endParaRPr>
+          </a:p>
+        </p:txBody>
+      </p:sp>
+      <p:sp>
+        <p:nvSpPr>
+          <p:cNvPr id="6" name="직사각형 5">
+            <a:extLst>
+              <a:ext uri="{FF2B5EF4-FFF2-40B4-BE49-F238E27FC236}">
+                <a16:creationId xmlns:a16="http://schemas.microsoft.com/office/drawing/2014/main" id="{D59F59F0-001F-4F0D-8FF9-F0F1DAB05D5A}"/>
+              </a:ext>
+            </a:extLst>
+          </p:cNvPr>
+          <p:cNvSpPr/>
+          <p:nvPr/>
+        </p:nvSpPr>
+        <p:spPr>
+          <a:xfrm>
+            <a:off x="2980686" y="885105"/>
+            <a:ext cx="399494" cy="452761"/>
+          </a:xfrm>
+          <a:prstGeom prst="rect">
+            <a:avLst/>
+          </a:prstGeom>
+          <a:noFill/>
+        </p:spPr>
+        <p:style>
+          <a:lnRef idx="2">
+            <a:schemeClr val="accent1">
+              <a:shade val="50000"/>
+            </a:schemeClr>
+          </a:lnRef>
+          <a:fillRef idx="1">
+            <a:schemeClr val="accent1"/>
+          </a:fillRef>
+          <a:effectRef idx="0">
+            <a:schemeClr val="accent1"/>
+          </a:effectRef>
+          <a:fontRef idx="minor">
+            <a:schemeClr val="lt1"/>
+          </a:fontRef>
+        </p:style>
+        <p:txBody>
+          <a:bodyPr rtlCol="0" anchor="ctr"/>
+          <a:lstStyle/>
+          <a:p>
+            <a:pPr algn="ctr"/>
+            <a:r>
+              <a:rPr lang="en-US" altLang="ko-KR" dirty="0">
+                <a:solidFill>
+                  <a:schemeClr val="bg2"/>
+                </a:solidFill>
+              </a:rPr>
+              <a:t>6</a:t>
+            </a:r>
+            <a:endParaRPr lang="ko-KR" altLang="en-US" dirty="0">
+              <a:solidFill>
+                <a:schemeClr val="bg2"/>
+              </a:solidFill>
+            </a:endParaRPr>
+          </a:p>
+        </p:txBody>
+      </p:sp>
+      <p:sp>
+        <p:nvSpPr>
+          <p:cNvPr id="7" name="직사각형 6">
+            <a:extLst>
+              <a:ext uri="{FF2B5EF4-FFF2-40B4-BE49-F238E27FC236}">
+                <a16:creationId xmlns:a16="http://schemas.microsoft.com/office/drawing/2014/main" id="{EC11B405-AB2D-4513-88FB-41EA5EADA7AA}"/>
+              </a:ext>
+            </a:extLst>
+          </p:cNvPr>
+          <p:cNvSpPr/>
+          <p:nvPr/>
+        </p:nvSpPr>
+        <p:spPr>
+          <a:xfrm>
+            <a:off x="574312" y="859822"/>
+            <a:ext cx="399494" cy="452761"/>
+          </a:xfrm>
+          <a:prstGeom prst="rect">
+            <a:avLst/>
+          </a:prstGeom>
+          <a:noFill/>
+          <a:ln>
+            <a:noFill/>
+          </a:ln>
+        </p:spPr>
+        <p:style>
+          <a:lnRef idx="2">
+            <a:schemeClr val="accent1">
+              <a:shade val="50000"/>
+            </a:schemeClr>
+          </a:lnRef>
+          <a:fillRef idx="1">
+            <a:schemeClr val="accent1"/>
+          </a:fillRef>
+          <a:effectRef idx="0">
+            <a:schemeClr val="accent1"/>
+          </a:effectRef>
+          <a:fontRef idx="minor">
+            <a:schemeClr val="lt1"/>
+          </a:fontRef>
+        </p:style>
+        <p:txBody>
+          <a:bodyPr rtlCol="0" anchor="ctr"/>
+          <a:lstStyle/>
+          <a:p>
+            <a:pPr algn="r"/>
+            <a:r>
+              <a:rPr lang="en-US" altLang="ko-KR" dirty="0">
+                <a:solidFill>
+                  <a:schemeClr val="tx1"/>
+                </a:solidFill>
+              </a:rPr>
+              <a:t>A</a:t>
+            </a:r>
+            <a:endParaRPr lang="ko-KR" altLang="en-US" dirty="0">
+              <a:solidFill>
+                <a:schemeClr val="tx1"/>
+              </a:solidFill>
+            </a:endParaRPr>
+          </a:p>
+        </p:txBody>
+      </p:sp>
+      <p:sp>
+        <p:nvSpPr>
+          <p:cNvPr id="8" name="직사각형 7">
+            <a:extLst>
+              <a:ext uri="{FF2B5EF4-FFF2-40B4-BE49-F238E27FC236}">
+                <a16:creationId xmlns:a16="http://schemas.microsoft.com/office/drawing/2014/main" id="{5ABBF571-D4C6-45F1-8643-D7B956C79383}"/>
+              </a:ext>
+            </a:extLst>
+          </p:cNvPr>
+          <p:cNvSpPr/>
+          <p:nvPr/>
+        </p:nvSpPr>
+        <p:spPr>
+          <a:xfrm>
+            <a:off x="1058667" y="601020"/>
+            <a:ext cx="399494" cy="258802"/>
+          </a:xfrm>
+          <a:prstGeom prst="rect">
+            <a:avLst/>
+          </a:prstGeom>
+          <a:noFill/>
+          <a:ln>
+            <a:noFill/>
+          </a:ln>
+        </p:spPr>
+        <p:style>
+          <a:lnRef idx="2">
+            <a:schemeClr val="accent1">
+              <a:shade val="50000"/>
+            </a:schemeClr>
+          </a:lnRef>
+          <a:fillRef idx="1">
+            <a:schemeClr val="accent1"/>
+          </a:fillRef>
+          <a:effectRef idx="0">
+            <a:schemeClr val="accent1"/>
+          </a:effectRef>
+          <a:fontRef idx="minor">
+            <a:schemeClr val="lt1"/>
+          </a:fontRef>
+        </p:style>
+        <p:txBody>
+          <a:bodyPr rtlCol="0" anchor="ctr"/>
+          <a:lstStyle/>
+          <a:p>
+            <a:pPr algn="ctr"/>
+            <a:r>
+              <a:rPr lang="en-US" altLang="ko-KR" dirty="0">
+                <a:solidFill>
+                  <a:schemeClr val="tx1"/>
+                </a:solidFill>
+              </a:rPr>
+              <a:t>0</a:t>
+            </a:r>
+            <a:endParaRPr lang="ko-KR" altLang="en-US" dirty="0">
+              <a:solidFill>
+                <a:schemeClr val="tx1"/>
+              </a:solidFill>
+            </a:endParaRPr>
+          </a:p>
+        </p:txBody>
+      </p:sp>
+      <p:sp>
+        <p:nvSpPr>
+          <p:cNvPr id="9" name="직사각형 8">
+            <a:extLst>
+              <a:ext uri="{FF2B5EF4-FFF2-40B4-BE49-F238E27FC236}">
+                <a16:creationId xmlns:a16="http://schemas.microsoft.com/office/drawing/2014/main" id="{5AAF886B-CFF2-4D7B-B7BE-722C6B0E37BA}"/>
+              </a:ext>
+            </a:extLst>
+          </p:cNvPr>
+          <p:cNvSpPr/>
+          <p:nvPr/>
+        </p:nvSpPr>
+        <p:spPr>
+          <a:xfrm>
+            <a:off x="1529184" y="601020"/>
+            <a:ext cx="399494" cy="258802"/>
+          </a:xfrm>
+          <a:prstGeom prst="rect">
+            <a:avLst/>
+          </a:prstGeom>
+          <a:noFill/>
+          <a:ln>
+            <a:noFill/>
+          </a:ln>
+        </p:spPr>
+        <p:style>
+          <a:lnRef idx="2">
+            <a:schemeClr val="accent1">
+              <a:shade val="50000"/>
+            </a:schemeClr>
+          </a:lnRef>
+          <a:fillRef idx="1">
+            <a:schemeClr val="accent1"/>
+          </a:fillRef>
+          <a:effectRef idx="0">
+            <a:schemeClr val="accent1"/>
+          </a:effectRef>
+          <a:fontRef idx="minor">
+            <a:schemeClr val="lt1"/>
+          </a:fontRef>
+        </p:style>
+        <p:txBody>
+          <a:bodyPr rtlCol="0" anchor="ctr"/>
+          <a:lstStyle/>
+          <a:p>
+            <a:pPr algn="ctr"/>
+            <a:r>
+              <a:rPr lang="en-US" altLang="ko-KR" dirty="0">
+                <a:solidFill>
+                  <a:schemeClr val="tx1"/>
+                </a:solidFill>
+              </a:rPr>
+              <a:t>1</a:t>
+            </a:r>
+            <a:endParaRPr lang="ko-KR" altLang="en-US" dirty="0">
+              <a:solidFill>
+                <a:schemeClr val="tx1"/>
+              </a:solidFill>
+            </a:endParaRPr>
+          </a:p>
+        </p:txBody>
+      </p:sp>
+      <p:sp>
+        <p:nvSpPr>
+          <p:cNvPr id="10" name="직사각형 9">
+            <a:extLst>
+              <a:ext uri="{FF2B5EF4-FFF2-40B4-BE49-F238E27FC236}">
+                <a16:creationId xmlns:a16="http://schemas.microsoft.com/office/drawing/2014/main" id="{678126B3-5132-4111-A980-A3F0A6F39965}"/>
+              </a:ext>
+            </a:extLst>
+          </p:cNvPr>
+          <p:cNvSpPr/>
+          <p:nvPr/>
+        </p:nvSpPr>
+        <p:spPr>
+          <a:xfrm>
+            <a:off x="2013018" y="601020"/>
+            <a:ext cx="399494" cy="258802"/>
+          </a:xfrm>
+          <a:prstGeom prst="rect">
+            <a:avLst/>
+          </a:prstGeom>
+          <a:noFill/>
+          <a:ln>
+            <a:noFill/>
+          </a:ln>
+        </p:spPr>
+        <p:style>
+          <a:lnRef idx="2">
+            <a:schemeClr val="accent1">
+              <a:shade val="50000"/>
+            </a:schemeClr>
+          </a:lnRef>
+          <a:fillRef idx="1">
+            <a:schemeClr val="accent1"/>
+          </a:fillRef>
+          <a:effectRef idx="0">
+            <a:schemeClr val="accent1"/>
+          </a:effectRef>
+          <a:fontRef idx="minor">
+            <a:schemeClr val="lt1"/>
+          </a:fontRef>
+        </p:style>
+        <p:txBody>
+          <a:bodyPr rtlCol="0" anchor="ctr"/>
+          <a:lstStyle/>
+          <a:p>
+            <a:pPr algn="ctr"/>
+            <a:r>
+              <a:rPr lang="en-US" altLang="ko-KR" dirty="0">
+                <a:solidFill>
+                  <a:schemeClr val="tx1"/>
+                </a:solidFill>
+              </a:rPr>
+              <a:t>2</a:t>
+            </a:r>
+            <a:endParaRPr lang="ko-KR" altLang="en-US" dirty="0">
+              <a:solidFill>
+                <a:schemeClr val="tx1"/>
+              </a:solidFill>
+            </a:endParaRPr>
+          </a:p>
+        </p:txBody>
+      </p:sp>
+      <p:sp>
+        <p:nvSpPr>
+          <p:cNvPr id="11" name="직사각형 10">
+            <a:extLst>
+              <a:ext uri="{FF2B5EF4-FFF2-40B4-BE49-F238E27FC236}">
+                <a16:creationId xmlns:a16="http://schemas.microsoft.com/office/drawing/2014/main" id="{0F14EA2C-E9B9-4DDA-9F0F-3D3001B3B5A6}"/>
+              </a:ext>
+            </a:extLst>
+          </p:cNvPr>
+          <p:cNvSpPr/>
+          <p:nvPr/>
+        </p:nvSpPr>
+        <p:spPr>
+          <a:xfrm>
+            <a:off x="2496852" y="601020"/>
+            <a:ext cx="399494" cy="258802"/>
+          </a:xfrm>
+          <a:prstGeom prst="rect">
+            <a:avLst/>
+          </a:prstGeom>
+          <a:noFill/>
+          <a:ln>
+            <a:noFill/>
+          </a:ln>
+        </p:spPr>
+        <p:style>
+          <a:lnRef idx="2">
+            <a:schemeClr val="accent1">
+              <a:shade val="50000"/>
+            </a:schemeClr>
+          </a:lnRef>
+          <a:fillRef idx="1">
+            <a:schemeClr val="accent1"/>
+          </a:fillRef>
+          <a:effectRef idx="0">
+            <a:schemeClr val="accent1"/>
+          </a:effectRef>
+          <a:fontRef idx="minor">
+            <a:schemeClr val="lt1"/>
+          </a:fontRef>
+        </p:style>
+        <p:txBody>
+          <a:bodyPr rtlCol="0" anchor="ctr"/>
+          <a:lstStyle/>
+          <a:p>
+            <a:pPr algn="ctr"/>
+            <a:r>
+              <a:rPr lang="en-US" altLang="ko-KR" dirty="0">
+                <a:solidFill>
+                  <a:schemeClr val="tx1"/>
+                </a:solidFill>
+              </a:rPr>
+              <a:t>3</a:t>
+            </a:r>
+            <a:endParaRPr lang="ko-KR" altLang="en-US" dirty="0">
+              <a:solidFill>
+                <a:schemeClr val="tx1"/>
+              </a:solidFill>
+            </a:endParaRPr>
+          </a:p>
+        </p:txBody>
+      </p:sp>
+      <p:sp>
+        <p:nvSpPr>
+          <p:cNvPr id="12" name="직사각형 11">
+            <a:extLst>
+              <a:ext uri="{FF2B5EF4-FFF2-40B4-BE49-F238E27FC236}">
+                <a16:creationId xmlns:a16="http://schemas.microsoft.com/office/drawing/2014/main" id="{A9E5206E-5F56-438A-837F-E10AB9B877D2}"/>
+              </a:ext>
+            </a:extLst>
+          </p:cNvPr>
+          <p:cNvSpPr/>
+          <p:nvPr/>
+        </p:nvSpPr>
+        <p:spPr>
+          <a:xfrm>
+            <a:off x="2980686" y="601020"/>
+            <a:ext cx="399494" cy="258802"/>
+          </a:xfrm>
+          <a:prstGeom prst="rect">
+            <a:avLst/>
+          </a:prstGeom>
+          <a:noFill/>
+          <a:ln>
+            <a:noFill/>
+          </a:ln>
+        </p:spPr>
+        <p:style>
+          <a:lnRef idx="2">
+            <a:schemeClr val="accent1">
+              <a:shade val="50000"/>
+            </a:schemeClr>
+          </a:lnRef>
+          <a:fillRef idx="1">
+            <a:schemeClr val="accent1"/>
+          </a:fillRef>
+          <a:effectRef idx="0">
+            <a:schemeClr val="accent1"/>
+          </a:effectRef>
+          <a:fontRef idx="minor">
+            <a:schemeClr val="lt1"/>
+          </a:fontRef>
+        </p:style>
+        <p:txBody>
+          <a:bodyPr rtlCol="0" anchor="ctr"/>
+          <a:lstStyle/>
+          <a:p>
+            <a:pPr algn="ctr"/>
+            <a:r>
+              <a:rPr lang="en-US" altLang="ko-KR" dirty="0">
+                <a:solidFill>
+                  <a:schemeClr val="tx1"/>
+                </a:solidFill>
+              </a:rPr>
+              <a:t>4</a:t>
+            </a:r>
+            <a:endParaRPr lang="ko-KR" altLang="en-US" dirty="0">
+              <a:solidFill>
+                <a:schemeClr val="tx1"/>
+              </a:solidFill>
+            </a:endParaRPr>
+          </a:p>
+        </p:txBody>
+      </p:sp>
+      <p:sp>
+        <p:nvSpPr>
+          <p:cNvPr id="13" name="직사각형 12">
+            <a:extLst>
+              <a:ext uri="{FF2B5EF4-FFF2-40B4-BE49-F238E27FC236}">
+                <a16:creationId xmlns:a16="http://schemas.microsoft.com/office/drawing/2014/main" id="{1D37409D-B01F-436D-9C87-84E215DC50E8}"/>
+              </a:ext>
+            </a:extLst>
+          </p:cNvPr>
+          <p:cNvSpPr/>
+          <p:nvPr/>
+        </p:nvSpPr>
+        <p:spPr>
+          <a:xfrm>
+            <a:off x="1058667" y="1388432"/>
+            <a:ext cx="399494" cy="452761"/>
+          </a:xfrm>
+          <a:prstGeom prst="rect">
+            <a:avLst/>
+          </a:prstGeom>
+          <a:noFill/>
+        </p:spPr>
+        <p:style>
+          <a:lnRef idx="2">
+            <a:schemeClr val="accent1">
+              <a:shade val="50000"/>
+            </a:schemeClr>
+          </a:lnRef>
+          <a:fillRef idx="1">
+            <a:schemeClr val="accent1"/>
+          </a:fillRef>
+          <a:effectRef idx="0">
+            <a:schemeClr val="accent1"/>
+          </a:effectRef>
+          <a:fontRef idx="minor">
+            <a:schemeClr val="lt1"/>
+          </a:fontRef>
+        </p:style>
+        <p:txBody>
+          <a:bodyPr rtlCol="0" anchor="ctr"/>
+          <a:lstStyle/>
+          <a:p>
+            <a:pPr algn="ctr"/>
+            <a:r>
+              <a:rPr lang="en-US" altLang="ko-KR">
+                <a:solidFill>
+                  <a:schemeClr val="bg2"/>
+                </a:solidFill>
+              </a:rPr>
+              <a:t>2</a:t>
+            </a:r>
+            <a:endParaRPr lang="ko-KR" altLang="en-US" dirty="0">
+              <a:solidFill>
+                <a:schemeClr val="bg2"/>
+              </a:solidFill>
+            </a:endParaRPr>
+          </a:p>
+        </p:txBody>
+      </p:sp>
+      <p:sp>
+        <p:nvSpPr>
+          <p:cNvPr id="14" name="직사각형 13">
+            <a:extLst>
+              <a:ext uri="{FF2B5EF4-FFF2-40B4-BE49-F238E27FC236}">
+                <a16:creationId xmlns:a16="http://schemas.microsoft.com/office/drawing/2014/main" id="{5CA13B82-9599-4ADB-9B9C-0383871CCF51}"/>
+              </a:ext>
+            </a:extLst>
+          </p:cNvPr>
+          <p:cNvSpPr/>
+          <p:nvPr/>
+        </p:nvSpPr>
+        <p:spPr>
+          <a:xfrm>
+            <a:off x="1529184" y="1388432"/>
+            <a:ext cx="399494" cy="452761"/>
+          </a:xfrm>
+          <a:prstGeom prst="rect">
+            <a:avLst/>
+          </a:prstGeom>
+          <a:noFill/>
+        </p:spPr>
+        <p:style>
+          <a:lnRef idx="2">
+            <a:schemeClr val="accent1">
+              <a:shade val="50000"/>
+            </a:schemeClr>
+          </a:lnRef>
+          <a:fillRef idx="1">
+            <a:schemeClr val="accent1"/>
+          </a:fillRef>
+          <a:effectRef idx="0">
+            <a:schemeClr val="accent1"/>
+          </a:effectRef>
+          <a:fontRef idx="minor">
+            <a:schemeClr val="lt1"/>
+          </a:fontRef>
+        </p:style>
+        <p:txBody>
+          <a:bodyPr rtlCol="0" anchor="ctr"/>
+          <a:lstStyle/>
+          <a:p>
+            <a:pPr algn="ctr"/>
+            <a:r>
+              <a:rPr lang="en-US" altLang="ko-KR">
+                <a:solidFill>
+                  <a:schemeClr val="tx1"/>
+                </a:solidFill>
+              </a:rPr>
+              <a:t>3</a:t>
+            </a:r>
+            <a:endParaRPr lang="ko-KR" altLang="en-US" dirty="0">
+              <a:solidFill>
+                <a:schemeClr val="tx1"/>
+              </a:solidFill>
+            </a:endParaRPr>
+          </a:p>
+        </p:txBody>
+      </p:sp>
+      <p:sp>
+        <p:nvSpPr>
+          <p:cNvPr id="15" name="직사각형 14">
+            <a:extLst>
+              <a:ext uri="{FF2B5EF4-FFF2-40B4-BE49-F238E27FC236}">
+                <a16:creationId xmlns:a16="http://schemas.microsoft.com/office/drawing/2014/main" id="{10D69A9F-E84B-4666-B3CA-376AA2DDEEC4}"/>
+              </a:ext>
+            </a:extLst>
+          </p:cNvPr>
+          <p:cNvSpPr/>
+          <p:nvPr/>
+        </p:nvSpPr>
+        <p:spPr>
+          <a:xfrm>
+            <a:off x="2013018" y="1388432"/>
+            <a:ext cx="399494" cy="452761"/>
+          </a:xfrm>
+          <a:prstGeom prst="rect">
+            <a:avLst/>
+          </a:prstGeom>
+          <a:noFill/>
+        </p:spPr>
+        <p:style>
+          <a:lnRef idx="2">
+            <a:schemeClr val="accent1">
+              <a:shade val="50000"/>
+            </a:schemeClr>
+          </a:lnRef>
+          <a:fillRef idx="1">
+            <a:schemeClr val="accent1"/>
+          </a:fillRef>
+          <a:effectRef idx="0">
+            <a:schemeClr val="accent1"/>
+          </a:effectRef>
+          <a:fontRef idx="minor">
+            <a:schemeClr val="lt1"/>
+          </a:fontRef>
+        </p:style>
+        <p:txBody>
+          <a:bodyPr rtlCol="0" anchor="ctr"/>
+          <a:lstStyle/>
+          <a:p>
+            <a:pPr algn="ctr"/>
+            <a:r>
+              <a:rPr lang="en-US" altLang="ko-KR" dirty="0">
+                <a:solidFill>
+                  <a:schemeClr val="tx1"/>
+                </a:solidFill>
+              </a:rPr>
+              <a:t>1</a:t>
+            </a:r>
+            <a:endParaRPr lang="ko-KR" altLang="en-US" dirty="0">
+              <a:solidFill>
+                <a:schemeClr val="tx1"/>
+              </a:solidFill>
+            </a:endParaRPr>
+          </a:p>
+        </p:txBody>
+      </p:sp>
+      <p:sp>
+        <p:nvSpPr>
+          <p:cNvPr id="16" name="직사각형 15">
+            <a:extLst>
+              <a:ext uri="{FF2B5EF4-FFF2-40B4-BE49-F238E27FC236}">
+                <a16:creationId xmlns:a16="http://schemas.microsoft.com/office/drawing/2014/main" id="{9AA80A88-138C-40A0-B434-8A53CAA3661E}"/>
+              </a:ext>
+            </a:extLst>
+          </p:cNvPr>
+          <p:cNvSpPr/>
+          <p:nvPr/>
+        </p:nvSpPr>
+        <p:spPr>
+          <a:xfrm>
+            <a:off x="2496852" y="1388432"/>
+            <a:ext cx="399494" cy="452761"/>
+          </a:xfrm>
+          <a:prstGeom prst="rect">
+            <a:avLst/>
+          </a:prstGeom>
+          <a:noFill/>
+        </p:spPr>
+        <p:style>
+          <a:lnRef idx="2">
+            <a:schemeClr val="accent1">
+              <a:shade val="50000"/>
+            </a:schemeClr>
+          </a:lnRef>
+          <a:fillRef idx="1">
+            <a:schemeClr val="accent1"/>
+          </a:fillRef>
+          <a:effectRef idx="0">
+            <a:schemeClr val="accent1"/>
+          </a:effectRef>
+          <a:fontRef idx="minor">
+            <a:schemeClr val="lt1"/>
+          </a:fontRef>
+        </p:style>
+        <p:txBody>
+          <a:bodyPr rtlCol="0" anchor="ctr"/>
+          <a:lstStyle/>
+          <a:p>
+            <a:pPr algn="ctr"/>
+            <a:r>
+              <a:rPr lang="en-US" altLang="ko-KR" dirty="0">
+                <a:solidFill>
+                  <a:schemeClr val="bg2"/>
+                </a:solidFill>
+              </a:rPr>
+              <a:t>5</a:t>
+            </a:r>
+            <a:endParaRPr lang="ko-KR" altLang="en-US" dirty="0">
+              <a:solidFill>
+                <a:schemeClr val="bg2"/>
+              </a:solidFill>
+            </a:endParaRPr>
+          </a:p>
+        </p:txBody>
+      </p:sp>
+      <p:sp>
+        <p:nvSpPr>
+          <p:cNvPr id="17" name="직사각형 16">
+            <a:extLst>
+              <a:ext uri="{FF2B5EF4-FFF2-40B4-BE49-F238E27FC236}">
+                <a16:creationId xmlns:a16="http://schemas.microsoft.com/office/drawing/2014/main" id="{7D3AAB12-F432-422C-A551-2DA6C71C8308}"/>
+              </a:ext>
+            </a:extLst>
+          </p:cNvPr>
+          <p:cNvSpPr/>
+          <p:nvPr/>
+        </p:nvSpPr>
+        <p:spPr>
+          <a:xfrm>
+            <a:off x="2980686" y="1388432"/>
+            <a:ext cx="399494" cy="452761"/>
+          </a:xfrm>
+          <a:prstGeom prst="rect">
+            <a:avLst/>
+          </a:prstGeom>
+          <a:noFill/>
+        </p:spPr>
+        <p:style>
+          <a:lnRef idx="2">
+            <a:schemeClr val="accent1">
+              <a:shade val="50000"/>
+            </a:schemeClr>
+          </a:lnRef>
+          <a:fillRef idx="1">
+            <a:schemeClr val="accent1"/>
+          </a:fillRef>
+          <a:effectRef idx="0">
+            <a:schemeClr val="accent1"/>
+          </a:effectRef>
+          <a:fontRef idx="minor">
+            <a:schemeClr val="lt1"/>
+          </a:fontRef>
+        </p:style>
+        <p:txBody>
+          <a:bodyPr rtlCol="0" anchor="ctr"/>
+          <a:lstStyle/>
+          <a:p>
+            <a:pPr algn="ctr"/>
+            <a:r>
+              <a:rPr lang="en-US" altLang="ko-KR" dirty="0">
+                <a:solidFill>
+                  <a:schemeClr val="bg2"/>
+                </a:solidFill>
+              </a:rPr>
+              <a:t>6</a:t>
+            </a:r>
+            <a:endParaRPr lang="ko-KR" altLang="en-US" dirty="0">
+              <a:solidFill>
+                <a:schemeClr val="bg2"/>
+              </a:solidFill>
+            </a:endParaRPr>
+          </a:p>
+        </p:txBody>
+      </p:sp>
+      <p:sp>
+        <p:nvSpPr>
+          <p:cNvPr id="18" name="직사각형 17">
+            <a:extLst>
+              <a:ext uri="{FF2B5EF4-FFF2-40B4-BE49-F238E27FC236}">
+                <a16:creationId xmlns:a16="http://schemas.microsoft.com/office/drawing/2014/main" id="{6B4C997D-83F8-4BB9-99F0-96F5ED643D55}"/>
+              </a:ext>
+            </a:extLst>
+          </p:cNvPr>
+          <p:cNvSpPr/>
+          <p:nvPr/>
+        </p:nvSpPr>
+        <p:spPr>
+          <a:xfrm>
+            <a:off x="574312" y="1363149"/>
+            <a:ext cx="399494" cy="452761"/>
+          </a:xfrm>
+          <a:prstGeom prst="rect">
+            <a:avLst/>
+          </a:prstGeom>
+          <a:noFill/>
+          <a:ln>
+            <a:noFill/>
+          </a:ln>
+        </p:spPr>
+        <p:style>
+          <a:lnRef idx="2">
+            <a:schemeClr val="accent1">
+              <a:shade val="50000"/>
+            </a:schemeClr>
+          </a:lnRef>
+          <a:fillRef idx="1">
+            <a:schemeClr val="accent1"/>
+          </a:fillRef>
+          <a:effectRef idx="0">
+            <a:schemeClr val="accent1"/>
+          </a:effectRef>
+          <a:fontRef idx="minor">
+            <a:schemeClr val="lt1"/>
+          </a:fontRef>
+        </p:style>
+        <p:txBody>
+          <a:bodyPr rtlCol="0" anchor="ctr"/>
+          <a:lstStyle/>
+          <a:p>
+            <a:pPr algn="r"/>
+            <a:r>
+              <a:rPr lang="en-US" altLang="ko-KR" dirty="0">
+                <a:solidFill>
+                  <a:schemeClr val="tx1"/>
+                </a:solidFill>
+              </a:rPr>
+              <a:t>A</a:t>
+            </a:r>
+            <a:endParaRPr lang="ko-KR" altLang="en-US" dirty="0">
+              <a:solidFill>
+                <a:schemeClr val="tx1"/>
+              </a:solidFill>
+            </a:endParaRPr>
+          </a:p>
+        </p:txBody>
+      </p:sp>
+      <p:sp>
+        <p:nvSpPr>
+          <p:cNvPr id="19" name="직사각형 18">
+            <a:extLst>
+              <a:ext uri="{FF2B5EF4-FFF2-40B4-BE49-F238E27FC236}">
+                <a16:creationId xmlns:a16="http://schemas.microsoft.com/office/drawing/2014/main" id="{6422B768-BDB2-4CCD-A1B0-37C5408D3B5D}"/>
+              </a:ext>
+            </a:extLst>
+          </p:cNvPr>
+          <p:cNvSpPr/>
+          <p:nvPr/>
+        </p:nvSpPr>
+        <p:spPr>
+          <a:xfrm>
+            <a:off x="1058667" y="1917701"/>
+            <a:ext cx="399494" cy="452761"/>
+          </a:xfrm>
+          <a:prstGeom prst="rect">
+            <a:avLst/>
+          </a:prstGeom>
+          <a:noFill/>
+        </p:spPr>
+        <p:style>
+          <a:lnRef idx="2">
+            <a:schemeClr val="accent1">
+              <a:shade val="50000"/>
+            </a:schemeClr>
+          </a:lnRef>
+          <a:fillRef idx="1">
+            <a:schemeClr val="accent1"/>
+          </a:fillRef>
+          <a:effectRef idx="0">
+            <a:schemeClr val="accent1"/>
+          </a:effectRef>
+          <a:fontRef idx="minor">
+            <a:schemeClr val="lt1"/>
+          </a:fontRef>
+        </p:style>
+        <p:txBody>
+          <a:bodyPr rtlCol="0" anchor="ctr"/>
+          <a:lstStyle/>
+          <a:p>
+            <a:pPr algn="ctr"/>
+            <a:r>
+              <a:rPr lang="en-US" altLang="ko-KR">
+                <a:solidFill>
+                  <a:schemeClr val="bg2"/>
+                </a:solidFill>
+              </a:rPr>
+              <a:t>2</a:t>
+            </a:r>
+            <a:endParaRPr lang="ko-KR" altLang="en-US" dirty="0">
+              <a:solidFill>
+                <a:schemeClr val="bg2"/>
+              </a:solidFill>
+            </a:endParaRPr>
+          </a:p>
+        </p:txBody>
+      </p:sp>
+      <p:sp>
+        <p:nvSpPr>
+          <p:cNvPr id="20" name="직사각형 19">
+            <a:extLst>
+              <a:ext uri="{FF2B5EF4-FFF2-40B4-BE49-F238E27FC236}">
+                <a16:creationId xmlns:a16="http://schemas.microsoft.com/office/drawing/2014/main" id="{5AFA46E8-9E78-4A39-9CC2-44163B3B7F63}"/>
+              </a:ext>
+            </a:extLst>
+          </p:cNvPr>
+          <p:cNvSpPr/>
+          <p:nvPr/>
+        </p:nvSpPr>
+        <p:spPr>
+          <a:xfrm>
+            <a:off x="1529184" y="1917701"/>
+            <a:ext cx="399494" cy="452761"/>
+          </a:xfrm>
+          <a:prstGeom prst="rect">
+            <a:avLst/>
+          </a:prstGeom>
+          <a:noFill/>
+        </p:spPr>
+        <p:style>
+          <a:lnRef idx="2">
+            <a:schemeClr val="accent1">
+              <a:shade val="50000"/>
+            </a:schemeClr>
+          </a:lnRef>
+          <a:fillRef idx="1">
+            <a:schemeClr val="accent1"/>
+          </a:fillRef>
+          <a:effectRef idx="0">
+            <a:schemeClr val="accent1"/>
+          </a:effectRef>
+          <a:fontRef idx="minor">
+            <a:schemeClr val="lt1"/>
+          </a:fontRef>
+        </p:style>
+        <p:txBody>
+          <a:bodyPr rtlCol="0" anchor="ctr"/>
+          <a:lstStyle/>
+          <a:p>
+            <a:pPr algn="ctr"/>
+            <a:r>
+              <a:rPr lang="en-US" altLang="ko-KR">
+                <a:solidFill>
+                  <a:schemeClr val="bg2"/>
+                </a:solidFill>
+              </a:rPr>
+              <a:t>1</a:t>
+            </a:r>
+            <a:endParaRPr lang="ko-KR" altLang="en-US" dirty="0">
+              <a:solidFill>
+                <a:schemeClr val="bg2"/>
+              </a:solidFill>
+            </a:endParaRPr>
+          </a:p>
+        </p:txBody>
+      </p:sp>
+      <p:sp>
+        <p:nvSpPr>
+          <p:cNvPr id="21" name="직사각형 20">
+            <a:extLst>
+              <a:ext uri="{FF2B5EF4-FFF2-40B4-BE49-F238E27FC236}">
+                <a16:creationId xmlns:a16="http://schemas.microsoft.com/office/drawing/2014/main" id="{7FB23E09-34BB-4F90-A111-1BE650E6F379}"/>
+              </a:ext>
+            </a:extLst>
+          </p:cNvPr>
+          <p:cNvSpPr/>
+          <p:nvPr/>
+        </p:nvSpPr>
+        <p:spPr>
+          <a:xfrm>
+            <a:off x="2013018" y="1917701"/>
+            <a:ext cx="399494" cy="452761"/>
+          </a:xfrm>
+          <a:prstGeom prst="rect">
+            <a:avLst/>
+          </a:prstGeom>
+          <a:noFill/>
+        </p:spPr>
+        <p:style>
+          <a:lnRef idx="2">
+            <a:schemeClr val="accent1">
+              <a:shade val="50000"/>
+            </a:schemeClr>
+          </a:lnRef>
+          <a:fillRef idx="1">
+            <a:schemeClr val="accent1"/>
+          </a:fillRef>
+          <a:effectRef idx="0">
+            <a:schemeClr val="accent1"/>
+          </a:effectRef>
+          <a:fontRef idx="minor">
+            <a:schemeClr val="lt1"/>
+          </a:fontRef>
+        </p:style>
+        <p:txBody>
+          <a:bodyPr rtlCol="0" anchor="ctr"/>
+          <a:lstStyle/>
+          <a:p>
+            <a:pPr algn="ctr"/>
+            <a:r>
+              <a:rPr lang="en-US" altLang="ko-KR">
+                <a:solidFill>
+                  <a:schemeClr val="tx1"/>
+                </a:solidFill>
+              </a:rPr>
+              <a:t>3</a:t>
+            </a:r>
+            <a:endParaRPr lang="ko-KR" altLang="en-US" dirty="0">
+              <a:solidFill>
+                <a:schemeClr val="tx1"/>
+              </a:solidFill>
+            </a:endParaRPr>
+          </a:p>
+        </p:txBody>
+      </p:sp>
+      <p:sp>
+        <p:nvSpPr>
+          <p:cNvPr id="22" name="직사각형 21">
+            <a:extLst>
+              <a:ext uri="{FF2B5EF4-FFF2-40B4-BE49-F238E27FC236}">
+                <a16:creationId xmlns:a16="http://schemas.microsoft.com/office/drawing/2014/main" id="{A004FF07-8418-4037-8604-AD30B13A400B}"/>
+              </a:ext>
+            </a:extLst>
+          </p:cNvPr>
+          <p:cNvSpPr/>
+          <p:nvPr/>
+        </p:nvSpPr>
+        <p:spPr>
+          <a:xfrm>
+            <a:off x="2496852" y="1917701"/>
+            <a:ext cx="399494" cy="452761"/>
+          </a:xfrm>
+          <a:prstGeom prst="rect">
+            <a:avLst/>
+          </a:prstGeom>
+          <a:noFill/>
+        </p:spPr>
+        <p:style>
+          <a:lnRef idx="2">
+            <a:schemeClr val="accent1">
+              <a:shade val="50000"/>
+            </a:schemeClr>
+          </a:lnRef>
+          <a:fillRef idx="1">
+            <a:schemeClr val="accent1"/>
+          </a:fillRef>
+          <a:effectRef idx="0">
+            <a:schemeClr val="accent1"/>
+          </a:effectRef>
+          <a:fontRef idx="minor">
+            <a:schemeClr val="lt1"/>
+          </a:fontRef>
+        </p:style>
+        <p:txBody>
+          <a:bodyPr rtlCol="0" anchor="ctr"/>
+          <a:lstStyle/>
+          <a:p>
+            <a:pPr algn="ctr"/>
+            <a:r>
+              <a:rPr lang="en-US" altLang="ko-KR" dirty="0">
+                <a:solidFill>
+                  <a:schemeClr val="tx1"/>
+                </a:solidFill>
+              </a:rPr>
+              <a:t>5</a:t>
+            </a:r>
+            <a:endParaRPr lang="ko-KR" altLang="en-US" dirty="0">
+              <a:solidFill>
+                <a:schemeClr val="tx1"/>
+              </a:solidFill>
+            </a:endParaRPr>
+          </a:p>
+        </p:txBody>
+      </p:sp>
+      <p:sp>
+        <p:nvSpPr>
+          <p:cNvPr id="23" name="직사각형 22">
+            <a:extLst>
+              <a:ext uri="{FF2B5EF4-FFF2-40B4-BE49-F238E27FC236}">
+                <a16:creationId xmlns:a16="http://schemas.microsoft.com/office/drawing/2014/main" id="{C49699ED-1880-40CA-B230-534D7900CFF2}"/>
+              </a:ext>
+            </a:extLst>
+          </p:cNvPr>
+          <p:cNvSpPr/>
+          <p:nvPr/>
+        </p:nvSpPr>
+        <p:spPr>
+          <a:xfrm>
+            <a:off x="2980686" y="1917701"/>
+            <a:ext cx="399494" cy="452761"/>
+          </a:xfrm>
+          <a:prstGeom prst="rect">
+            <a:avLst/>
+          </a:prstGeom>
+          <a:noFill/>
+        </p:spPr>
+        <p:style>
+          <a:lnRef idx="2">
+            <a:schemeClr val="accent1">
+              <a:shade val="50000"/>
+            </a:schemeClr>
+          </a:lnRef>
+          <a:fillRef idx="1">
+            <a:schemeClr val="accent1"/>
+          </a:fillRef>
+          <a:effectRef idx="0">
+            <a:schemeClr val="accent1"/>
+          </a:effectRef>
+          <a:fontRef idx="minor">
+            <a:schemeClr val="lt1"/>
+          </a:fontRef>
+        </p:style>
+        <p:txBody>
+          <a:bodyPr rtlCol="0" anchor="ctr"/>
+          <a:lstStyle/>
+          <a:p>
+            <a:pPr algn="ctr"/>
+            <a:r>
+              <a:rPr lang="en-US" altLang="ko-KR" dirty="0">
+                <a:solidFill>
+                  <a:schemeClr val="bg2"/>
+                </a:solidFill>
+              </a:rPr>
+              <a:t>6</a:t>
+            </a:r>
+            <a:endParaRPr lang="ko-KR" altLang="en-US" dirty="0">
+              <a:solidFill>
+                <a:schemeClr val="bg2"/>
+              </a:solidFill>
+            </a:endParaRPr>
+          </a:p>
+        </p:txBody>
+      </p:sp>
+      <p:sp>
+        <p:nvSpPr>
+          <p:cNvPr id="24" name="직사각형 23">
+            <a:extLst>
+              <a:ext uri="{FF2B5EF4-FFF2-40B4-BE49-F238E27FC236}">
+                <a16:creationId xmlns:a16="http://schemas.microsoft.com/office/drawing/2014/main" id="{9EC598C1-8B3A-4FD8-8F21-48E8E8320E20}"/>
+              </a:ext>
+            </a:extLst>
+          </p:cNvPr>
+          <p:cNvSpPr/>
+          <p:nvPr/>
+        </p:nvSpPr>
+        <p:spPr>
+          <a:xfrm>
+            <a:off x="574312" y="1892418"/>
+            <a:ext cx="399494" cy="452761"/>
+          </a:xfrm>
+          <a:prstGeom prst="rect">
+            <a:avLst/>
+          </a:prstGeom>
+          <a:noFill/>
+          <a:ln>
+            <a:noFill/>
+          </a:ln>
+        </p:spPr>
+        <p:style>
+          <a:lnRef idx="2">
+            <a:schemeClr val="accent1">
+              <a:shade val="50000"/>
+            </a:schemeClr>
+          </a:lnRef>
+          <a:fillRef idx="1">
+            <a:schemeClr val="accent1"/>
+          </a:fillRef>
+          <a:effectRef idx="0">
+            <a:schemeClr val="accent1"/>
+          </a:effectRef>
+          <a:fontRef idx="minor">
+            <a:schemeClr val="lt1"/>
+          </a:fontRef>
+        </p:style>
+        <p:txBody>
+          <a:bodyPr rtlCol="0" anchor="ctr"/>
+          <a:lstStyle/>
+          <a:p>
+            <a:pPr algn="r"/>
+            <a:r>
+              <a:rPr lang="en-US" altLang="ko-KR" dirty="0">
+                <a:solidFill>
+                  <a:schemeClr val="tx1"/>
+                </a:solidFill>
+              </a:rPr>
+              <a:t>A</a:t>
+            </a:r>
+            <a:endParaRPr lang="ko-KR" altLang="en-US" dirty="0">
+              <a:solidFill>
+                <a:schemeClr val="tx1"/>
+              </a:solidFill>
+            </a:endParaRPr>
+          </a:p>
+        </p:txBody>
+      </p:sp>
+      <p:sp>
+        <p:nvSpPr>
+          <p:cNvPr id="25" name="직사각형 24">
+            <a:extLst>
+              <a:ext uri="{FF2B5EF4-FFF2-40B4-BE49-F238E27FC236}">
+                <a16:creationId xmlns:a16="http://schemas.microsoft.com/office/drawing/2014/main" id="{E3ED07ED-4A4E-41CF-B226-4C014BEE7C6E}"/>
+              </a:ext>
+            </a:extLst>
+          </p:cNvPr>
+          <p:cNvSpPr/>
+          <p:nvPr/>
+        </p:nvSpPr>
+        <p:spPr>
+          <a:xfrm>
+            <a:off x="1058667" y="2446970"/>
+            <a:ext cx="399494" cy="452761"/>
+          </a:xfrm>
+          <a:prstGeom prst="rect">
+            <a:avLst/>
+          </a:prstGeom>
+          <a:noFill/>
+        </p:spPr>
+        <p:style>
+          <a:lnRef idx="2">
+            <a:schemeClr val="accent1">
+              <a:shade val="50000"/>
+            </a:schemeClr>
+          </a:lnRef>
+          <a:fillRef idx="1">
+            <a:schemeClr val="accent1"/>
+          </a:fillRef>
+          <a:effectRef idx="0">
+            <a:schemeClr val="accent1"/>
+          </a:effectRef>
+          <a:fontRef idx="minor">
+            <a:schemeClr val="lt1"/>
+          </a:fontRef>
+        </p:style>
+        <p:txBody>
+          <a:bodyPr rtlCol="0" anchor="ctr"/>
+          <a:lstStyle/>
+          <a:p>
+            <a:pPr algn="ctr"/>
+            <a:r>
+              <a:rPr lang="en-US" altLang="ko-KR">
+                <a:solidFill>
+                  <a:schemeClr val="bg2"/>
+                </a:solidFill>
+              </a:rPr>
+              <a:t>2</a:t>
+            </a:r>
+            <a:endParaRPr lang="ko-KR" altLang="en-US" dirty="0">
+              <a:solidFill>
+                <a:schemeClr val="bg2"/>
+              </a:solidFill>
+            </a:endParaRPr>
+          </a:p>
+        </p:txBody>
+      </p:sp>
+      <p:sp>
+        <p:nvSpPr>
+          <p:cNvPr id="26" name="직사각형 25">
+            <a:extLst>
+              <a:ext uri="{FF2B5EF4-FFF2-40B4-BE49-F238E27FC236}">
+                <a16:creationId xmlns:a16="http://schemas.microsoft.com/office/drawing/2014/main" id="{56ECA6C3-A940-4F53-9668-E6653893190F}"/>
+              </a:ext>
+            </a:extLst>
+          </p:cNvPr>
+          <p:cNvSpPr/>
+          <p:nvPr/>
+        </p:nvSpPr>
+        <p:spPr>
+          <a:xfrm>
+            <a:off x="1529184" y="2446970"/>
+            <a:ext cx="399494" cy="452761"/>
+          </a:xfrm>
+          <a:prstGeom prst="rect">
+            <a:avLst/>
+          </a:prstGeom>
+          <a:noFill/>
+        </p:spPr>
+        <p:style>
+          <a:lnRef idx="2">
+            <a:schemeClr val="accent1">
+              <a:shade val="50000"/>
+            </a:schemeClr>
+          </a:lnRef>
+          <a:fillRef idx="1">
+            <a:schemeClr val="accent1"/>
+          </a:fillRef>
+          <a:effectRef idx="0">
+            <a:schemeClr val="accent1"/>
+          </a:effectRef>
+          <a:fontRef idx="minor">
+            <a:schemeClr val="lt1"/>
+          </a:fontRef>
+        </p:style>
+        <p:txBody>
+          <a:bodyPr rtlCol="0" anchor="ctr"/>
+          <a:lstStyle/>
+          <a:p>
+            <a:pPr algn="ctr"/>
+            <a:r>
+              <a:rPr lang="en-US" altLang="ko-KR">
+                <a:solidFill>
+                  <a:schemeClr val="bg2"/>
+                </a:solidFill>
+              </a:rPr>
+              <a:t>1</a:t>
+            </a:r>
+            <a:endParaRPr lang="ko-KR" altLang="en-US" dirty="0">
+              <a:solidFill>
+                <a:schemeClr val="bg2"/>
+              </a:solidFill>
+            </a:endParaRPr>
+          </a:p>
+        </p:txBody>
+      </p:sp>
+      <p:sp>
+        <p:nvSpPr>
+          <p:cNvPr id="27" name="직사각형 26">
+            <a:extLst>
+              <a:ext uri="{FF2B5EF4-FFF2-40B4-BE49-F238E27FC236}">
+                <a16:creationId xmlns:a16="http://schemas.microsoft.com/office/drawing/2014/main" id="{8D4761F3-F87E-4D02-A0DC-88DC4E056F38}"/>
+              </a:ext>
+            </a:extLst>
+          </p:cNvPr>
+          <p:cNvSpPr/>
+          <p:nvPr/>
+        </p:nvSpPr>
+        <p:spPr>
+          <a:xfrm>
+            <a:off x="2013018" y="2446970"/>
+            <a:ext cx="399494" cy="452761"/>
+          </a:xfrm>
+          <a:prstGeom prst="rect">
+            <a:avLst/>
+          </a:prstGeom>
+          <a:noFill/>
+        </p:spPr>
+        <p:style>
+          <a:lnRef idx="2">
+            <a:schemeClr val="accent1">
+              <a:shade val="50000"/>
+            </a:schemeClr>
+          </a:lnRef>
+          <a:fillRef idx="1">
+            <a:schemeClr val="accent1"/>
+          </a:fillRef>
+          <a:effectRef idx="0">
+            <a:schemeClr val="accent1"/>
+          </a:effectRef>
+          <a:fontRef idx="minor">
+            <a:schemeClr val="lt1"/>
+          </a:fontRef>
+        </p:style>
+        <p:txBody>
+          <a:bodyPr rtlCol="0" anchor="ctr"/>
+          <a:lstStyle/>
+          <a:p>
+            <a:pPr algn="ctr"/>
+            <a:r>
+              <a:rPr lang="en-US" altLang="ko-KR">
+                <a:solidFill>
+                  <a:schemeClr val="bg2"/>
+                </a:solidFill>
+              </a:rPr>
+              <a:t>3</a:t>
+            </a:r>
+            <a:endParaRPr lang="ko-KR" altLang="en-US" dirty="0">
+              <a:solidFill>
+                <a:schemeClr val="bg2"/>
+              </a:solidFill>
+            </a:endParaRPr>
+          </a:p>
+        </p:txBody>
+      </p:sp>
+      <p:sp>
+        <p:nvSpPr>
+          <p:cNvPr id="28" name="직사각형 27">
+            <a:extLst>
+              <a:ext uri="{FF2B5EF4-FFF2-40B4-BE49-F238E27FC236}">
+                <a16:creationId xmlns:a16="http://schemas.microsoft.com/office/drawing/2014/main" id="{C079F0C0-7BE4-47E6-8014-2C78AFDC5B91}"/>
+              </a:ext>
+            </a:extLst>
+          </p:cNvPr>
+          <p:cNvSpPr/>
+          <p:nvPr/>
+        </p:nvSpPr>
+        <p:spPr>
+          <a:xfrm>
+            <a:off x="2496852" y="2446970"/>
+            <a:ext cx="399494" cy="452761"/>
+          </a:xfrm>
+          <a:prstGeom prst="rect">
+            <a:avLst/>
+          </a:prstGeom>
+          <a:noFill/>
+        </p:spPr>
+        <p:style>
+          <a:lnRef idx="2">
+            <a:schemeClr val="accent1">
+              <a:shade val="50000"/>
+            </a:schemeClr>
+          </a:lnRef>
+          <a:fillRef idx="1">
+            <a:schemeClr val="accent1"/>
+          </a:fillRef>
+          <a:effectRef idx="0">
+            <a:schemeClr val="accent1"/>
+          </a:effectRef>
+          <a:fontRef idx="minor">
+            <a:schemeClr val="lt1"/>
+          </a:fontRef>
+        </p:style>
+        <p:txBody>
+          <a:bodyPr rtlCol="0" anchor="ctr"/>
+          <a:lstStyle/>
+          <a:p>
+            <a:pPr algn="ctr"/>
+            <a:r>
+              <a:rPr lang="en-US" altLang="ko-KR" dirty="0">
+                <a:solidFill>
+                  <a:schemeClr val="tx1"/>
+                </a:solidFill>
+              </a:rPr>
+              <a:t>5</a:t>
+            </a:r>
+            <a:endParaRPr lang="ko-KR" altLang="en-US" dirty="0">
+              <a:solidFill>
+                <a:schemeClr val="tx1"/>
+              </a:solidFill>
+            </a:endParaRPr>
+          </a:p>
+        </p:txBody>
+      </p:sp>
+      <p:sp>
+        <p:nvSpPr>
+          <p:cNvPr id="29" name="직사각형 28">
+            <a:extLst>
+              <a:ext uri="{FF2B5EF4-FFF2-40B4-BE49-F238E27FC236}">
+                <a16:creationId xmlns:a16="http://schemas.microsoft.com/office/drawing/2014/main" id="{26635910-DF5C-4A24-BFAA-5C36BDAC5E7B}"/>
+              </a:ext>
+            </a:extLst>
+          </p:cNvPr>
+          <p:cNvSpPr/>
+          <p:nvPr/>
+        </p:nvSpPr>
+        <p:spPr>
+          <a:xfrm>
+            <a:off x="2980686" y="2446970"/>
+            <a:ext cx="399494" cy="452761"/>
+          </a:xfrm>
+          <a:prstGeom prst="rect">
+            <a:avLst/>
+          </a:prstGeom>
+          <a:noFill/>
+        </p:spPr>
+        <p:style>
+          <a:lnRef idx="2">
+            <a:schemeClr val="accent1">
+              <a:shade val="50000"/>
+            </a:schemeClr>
+          </a:lnRef>
+          <a:fillRef idx="1">
+            <a:schemeClr val="accent1"/>
+          </a:fillRef>
+          <a:effectRef idx="0">
+            <a:schemeClr val="accent1"/>
+          </a:effectRef>
+          <a:fontRef idx="minor">
+            <a:schemeClr val="lt1"/>
+          </a:fontRef>
+        </p:style>
+        <p:txBody>
+          <a:bodyPr rtlCol="0" anchor="ctr"/>
+          <a:lstStyle/>
+          <a:p>
+            <a:pPr algn="ctr"/>
+            <a:r>
+              <a:rPr lang="en-US" altLang="ko-KR" dirty="0">
+                <a:solidFill>
+                  <a:schemeClr val="tx1"/>
+                </a:solidFill>
+              </a:rPr>
+              <a:t>6</a:t>
+            </a:r>
+            <a:endParaRPr lang="ko-KR" altLang="en-US" dirty="0">
+              <a:solidFill>
+                <a:schemeClr val="tx1"/>
+              </a:solidFill>
+            </a:endParaRPr>
+          </a:p>
+        </p:txBody>
+      </p:sp>
+      <p:sp>
+        <p:nvSpPr>
+          <p:cNvPr id="30" name="직사각형 29">
+            <a:extLst>
+              <a:ext uri="{FF2B5EF4-FFF2-40B4-BE49-F238E27FC236}">
+                <a16:creationId xmlns:a16="http://schemas.microsoft.com/office/drawing/2014/main" id="{E17134EC-E220-4F01-A0E0-56DBE5DC0F40}"/>
+              </a:ext>
+            </a:extLst>
+          </p:cNvPr>
+          <p:cNvSpPr/>
+          <p:nvPr/>
+        </p:nvSpPr>
+        <p:spPr>
+          <a:xfrm>
+            <a:off x="574312" y="2421687"/>
+            <a:ext cx="399494" cy="452761"/>
+          </a:xfrm>
+          <a:prstGeom prst="rect">
+            <a:avLst/>
+          </a:prstGeom>
+          <a:noFill/>
+          <a:ln>
+            <a:noFill/>
+          </a:ln>
+        </p:spPr>
+        <p:style>
+          <a:lnRef idx="2">
+            <a:schemeClr val="accent1">
+              <a:shade val="50000"/>
+            </a:schemeClr>
+          </a:lnRef>
+          <a:fillRef idx="1">
+            <a:schemeClr val="accent1"/>
+          </a:fillRef>
+          <a:effectRef idx="0">
+            <a:schemeClr val="accent1"/>
+          </a:effectRef>
+          <a:fontRef idx="minor">
+            <a:schemeClr val="lt1"/>
+          </a:fontRef>
+        </p:style>
+        <p:txBody>
+          <a:bodyPr rtlCol="0" anchor="ctr"/>
+          <a:lstStyle/>
+          <a:p>
+            <a:pPr algn="r"/>
+            <a:r>
+              <a:rPr lang="en-US" altLang="ko-KR" dirty="0">
+                <a:solidFill>
+                  <a:schemeClr val="tx1"/>
+                </a:solidFill>
+              </a:rPr>
+              <a:t>A</a:t>
+            </a:r>
+            <a:endParaRPr lang="ko-KR" altLang="en-US" dirty="0">
+              <a:solidFill>
+                <a:schemeClr val="tx1"/>
+              </a:solidFill>
+            </a:endParaRPr>
+          </a:p>
+        </p:txBody>
+      </p:sp>
+      <p:sp>
+        <p:nvSpPr>
+          <p:cNvPr id="31" name="직사각형 30">
+            <a:extLst>
+              <a:ext uri="{FF2B5EF4-FFF2-40B4-BE49-F238E27FC236}">
+                <a16:creationId xmlns:a16="http://schemas.microsoft.com/office/drawing/2014/main" id="{0D60D501-DCCA-40E9-A46B-113CBD5CF815}"/>
+              </a:ext>
+            </a:extLst>
+          </p:cNvPr>
+          <p:cNvSpPr/>
+          <p:nvPr/>
+        </p:nvSpPr>
+        <p:spPr>
+          <a:xfrm>
+            <a:off x="1058667" y="2976239"/>
+            <a:ext cx="399494" cy="452761"/>
+          </a:xfrm>
+          <a:prstGeom prst="rect">
+            <a:avLst/>
+          </a:prstGeom>
+          <a:noFill/>
+        </p:spPr>
+        <p:style>
+          <a:lnRef idx="2">
+            <a:schemeClr val="accent1">
+              <a:shade val="50000"/>
+            </a:schemeClr>
+          </a:lnRef>
+          <a:fillRef idx="1">
+            <a:schemeClr val="accent1"/>
+          </a:fillRef>
+          <a:effectRef idx="0">
+            <a:schemeClr val="accent1"/>
+          </a:effectRef>
+          <a:fontRef idx="minor">
+            <a:schemeClr val="lt1"/>
+          </a:fontRef>
+        </p:style>
+        <p:txBody>
+          <a:bodyPr rtlCol="0" anchor="ctr"/>
+          <a:lstStyle/>
+          <a:p>
+            <a:pPr algn="ctr"/>
+            <a:r>
+              <a:rPr lang="en-US" altLang="ko-KR">
+                <a:solidFill>
+                  <a:schemeClr val="tx1"/>
+                </a:solidFill>
+              </a:rPr>
+              <a:t>2</a:t>
+            </a:r>
+            <a:endParaRPr lang="ko-KR" altLang="en-US" dirty="0">
+              <a:solidFill>
+                <a:schemeClr val="tx1"/>
+              </a:solidFill>
+            </a:endParaRPr>
+          </a:p>
+        </p:txBody>
+      </p:sp>
+      <p:sp>
+        <p:nvSpPr>
+          <p:cNvPr id="32" name="직사각형 31">
+            <a:extLst>
+              <a:ext uri="{FF2B5EF4-FFF2-40B4-BE49-F238E27FC236}">
+                <a16:creationId xmlns:a16="http://schemas.microsoft.com/office/drawing/2014/main" id="{64FCFD03-6F69-4BBE-9A5A-05D66E010B21}"/>
+              </a:ext>
+            </a:extLst>
+          </p:cNvPr>
+          <p:cNvSpPr/>
+          <p:nvPr/>
+        </p:nvSpPr>
+        <p:spPr>
+          <a:xfrm>
+            <a:off x="1529184" y="2976239"/>
+            <a:ext cx="399494" cy="452761"/>
+          </a:xfrm>
+          <a:prstGeom prst="rect">
+            <a:avLst/>
+          </a:prstGeom>
+          <a:noFill/>
+        </p:spPr>
+        <p:style>
+          <a:lnRef idx="2">
+            <a:schemeClr val="accent1">
+              <a:shade val="50000"/>
+            </a:schemeClr>
+          </a:lnRef>
+          <a:fillRef idx="1">
+            <a:schemeClr val="accent1"/>
+          </a:fillRef>
+          <a:effectRef idx="0">
+            <a:schemeClr val="accent1"/>
+          </a:effectRef>
+          <a:fontRef idx="minor">
+            <a:schemeClr val="lt1"/>
+          </a:fontRef>
+        </p:style>
+        <p:txBody>
+          <a:bodyPr rtlCol="0" anchor="ctr"/>
+          <a:lstStyle/>
+          <a:p>
+            <a:pPr algn="ctr"/>
+            <a:r>
+              <a:rPr lang="en-US" altLang="ko-KR">
+                <a:solidFill>
+                  <a:schemeClr val="tx1"/>
+                </a:solidFill>
+              </a:rPr>
+              <a:t>1</a:t>
+            </a:r>
+            <a:endParaRPr lang="ko-KR" altLang="en-US" dirty="0">
+              <a:solidFill>
+                <a:schemeClr val="tx1"/>
+              </a:solidFill>
+            </a:endParaRPr>
+          </a:p>
+        </p:txBody>
+      </p:sp>
+      <p:sp>
+        <p:nvSpPr>
+          <p:cNvPr id="33" name="직사각형 32">
+            <a:extLst>
+              <a:ext uri="{FF2B5EF4-FFF2-40B4-BE49-F238E27FC236}">
+                <a16:creationId xmlns:a16="http://schemas.microsoft.com/office/drawing/2014/main" id="{55466336-921B-4976-BF10-735E6702F0C6}"/>
+              </a:ext>
+            </a:extLst>
+          </p:cNvPr>
+          <p:cNvSpPr/>
+          <p:nvPr/>
+        </p:nvSpPr>
+        <p:spPr>
+          <a:xfrm>
+            <a:off x="2013018" y="2976239"/>
+            <a:ext cx="399494" cy="452761"/>
+          </a:xfrm>
+          <a:prstGeom prst="rect">
+            <a:avLst/>
+          </a:prstGeom>
+          <a:noFill/>
+        </p:spPr>
+        <p:style>
+          <a:lnRef idx="2">
+            <a:schemeClr val="accent1">
+              <a:shade val="50000"/>
+            </a:schemeClr>
+          </a:lnRef>
+          <a:fillRef idx="1">
+            <a:schemeClr val="accent1"/>
+          </a:fillRef>
+          <a:effectRef idx="0">
+            <a:schemeClr val="accent1"/>
+          </a:effectRef>
+          <a:fontRef idx="minor">
+            <a:schemeClr val="lt1"/>
+          </a:fontRef>
+        </p:style>
+        <p:txBody>
+          <a:bodyPr rtlCol="0" anchor="ctr"/>
+          <a:lstStyle/>
+          <a:p>
+            <a:pPr algn="ctr"/>
+            <a:r>
+              <a:rPr lang="en-US" altLang="ko-KR">
+                <a:solidFill>
+                  <a:schemeClr val="tx1"/>
+                </a:solidFill>
+              </a:rPr>
+              <a:t>3</a:t>
+            </a:r>
+            <a:endParaRPr lang="ko-KR" altLang="en-US" dirty="0">
+              <a:solidFill>
+                <a:schemeClr val="tx1"/>
+              </a:solidFill>
+            </a:endParaRPr>
+          </a:p>
+        </p:txBody>
+      </p:sp>
+      <p:sp>
+        <p:nvSpPr>
+          <p:cNvPr id="34" name="직사각형 33">
+            <a:extLst>
+              <a:ext uri="{FF2B5EF4-FFF2-40B4-BE49-F238E27FC236}">
+                <a16:creationId xmlns:a16="http://schemas.microsoft.com/office/drawing/2014/main" id="{F1E88A50-8A71-4E4C-99FB-D9E2D3F5008E}"/>
+              </a:ext>
+            </a:extLst>
+          </p:cNvPr>
+          <p:cNvSpPr/>
+          <p:nvPr/>
+        </p:nvSpPr>
+        <p:spPr>
+          <a:xfrm>
+            <a:off x="2496852" y="2976239"/>
+            <a:ext cx="399494" cy="452761"/>
+          </a:xfrm>
+          <a:prstGeom prst="rect">
+            <a:avLst/>
+          </a:prstGeom>
+          <a:noFill/>
+        </p:spPr>
+        <p:style>
+          <a:lnRef idx="2">
+            <a:schemeClr val="accent1">
+              <a:shade val="50000"/>
+            </a:schemeClr>
+          </a:lnRef>
+          <a:fillRef idx="1">
+            <a:schemeClr val="accent1"/>
+          </a:fillRef>
+          <a:effectRef idx="0">
+            <a:schemeClr val="accent1"/>
+          </a:effectRef>
+          <a:fontRef idx="minor">
+            <a:schemeClr val="lt1"/>
+          </a:fontRef>
+        </p:style>
+        <p:txBody>
+          <a:bodyPr rtlCol="0" anchor="ctr"/>
+          <a:lstStyle/>
+          <a:p>
+            <a:pPr algn="ctr"/>
+            <a:r>
+              <a:rPr lang="en-US" altLang="ko-KR" dirty="0">
+                <a:solidFill>
+                  <a:schemeClr val="tx1"/>
+                </a:solidFill>
+              </a:rPr>
+              <a:t>5</a:t>
+            </a:r>
+            <a:endParaRPr lang="ko-KR" altLang="en-US" dirty="0">
+              <a:solidFill>
+                <a:schemeClr val="tx1"/>
+              </a:solidFill>
+            </a:endParaRPr>
+          </a:p>
+        </p:txBody>
+      </p:sp>
+      <p:sp>
+        <p:nvSpPr>
+          <p:cNvPr id="35" name="직사각형 34">
+            <a:extLst>
+              <a:ext uri="{FF2B5EF4-FFF2-40B4-BE49-F238E27FC236}">
+                <a16:creationId xmlns:a16="http://schemas.microsoft.com/office/drawing/2014/main" id="{71B2671B-F073-41B1-B327-B8BA2E0CB4D0}"/>
+              </a:ext>
+            </a:extLst>
+          </p:cNvPr>
+          <p:cNvSpPr/>
+          <p:nvPr/>
+        </p:nvSpPr>
+        <p:spPr>
+          <a:xfrm>
+            <a:off x="2980686" y="2976239"/>
+            <a:ext cx="399494" cy="452761"/>
+          </a:xfrm>
+          <a:prstGeom prst="rect">
+            <a:avLst/>
+          </a:prstGeom>
+          <a:noFill/>
+        </p:spPr>
+        <p:style>
+          <a:lnRef idx="2">
+            <a:schemeClr val="accent1">
+              <a:shade val="50000"/>
+            </a:schemeClr>
+          </a:lnRef>
+          <a:fillRef idx="1">
+            <a:schemeClr val="accent1"/>
+          </a:fillRef>
+          <a:effectRef idx="0">
+            <a:schemeClr val="accent1"/>
+          </a:effectRef>
+          <a:fontRef idx="minor">
+            <a:schemeClr val="lt1"/>
+          </a:fontRef>
+        </p:style>
+        <p:txBody>
+          <a:bodyPr rtlCol="0" anchor="ctr"/>
+          <a:lstStyle/>
+          <a:p>
+            <a:pPr algn="ctr"/>
+            <a:r>
+              <a:rPr lang="en-US" altLang="ko-KR" dirty="0">
+                <a:solidFill>
+                  <a:srgbClr val="FF0000"/>
+                </a:solidFill>
+              </a:rPr>
+              <a:t>6</a:t>
+            </a:r>
+            <a:endParaRPr lang="ko-KR" altLang="en-US" dirty="0">
+              <a:solidFill>
+                <a:srgbClr val="FF0000"/>
+              </a:solidFill>
+            </a:endParaRPr>
+          </a:p>
+        </p:txBody>
+      </p:sp>
+      <p:sp>
+        <p:nvSpPr>
+          <p:cNvPr id="36" name="직사각형 35">
+            <a:extLst>
+              <a:ext uri="{FF2B5EF4-FFF2-40B4-BE49-F238E27FC236}">
+                <a16:creationId xmlns:a16="http://schemas.microsoft.com/office/drawing/2014/main" id="{608DBE18-3994-4855-8B18-BE4BD597B6AE}"/>
+              </a:ext>
+            </a:extLst>
+          </p:cNvPr>
+          <p:cNvSpPr/>
+          <p:nvPr/>
+        </p:nvSpPr>
+        <p:spPr>
+          <a:xfrm>
+            <a:off x="574312" y="2950956"/>
+            <a:ext cx="399494" cy="452761"/>
+          </a:xfrm>
+          <a:prstGeom prst="rect">
+            <a:avLst/>
+          </a:prstGeom>
+          <a:noFill/>
+          <a:ln>
+            <a:noFill/>
+          </a:ln>
+        </p:spPr>
+        <p:style>
+          <a:lnRef idx="2">
+            <a:schemeClr val="accent1">
+              <a:shade val="50000"/>
+            </a:schemeClr>
+          </a:lnRef>
+          <a:fillRef idx="1">
+            <a:schemeClr val="accent1"/>
+          </a:fillRef>
+          <a:effectRef idx="0">
+            <a:schemeClr val="accent1"/>
+          </a:effectRef>
+          <a:fontRef idx="minor">
+            <a:schemeClr val="lt1"/>
+          </a:fontRef>
+        </p:style>
+        <p:txBody>
+          <a:bodyPr rtlCol="0" anchor="ctr"/>
+          <a:lstStyle/>
+          <a:p>
+            <a:pPr algn="r"/>
+            <a:r>
+              <a:rPr lang="en-US" altLang="ko-KR" dirty="0">
+                <a:solidFill>
+                  <a:schemeClr val="tx1"/>
+                </a:solidFill>
+              </a:rPr>
+              <a:t>A</a:t>
+            </a:r>
+            <a:endParaRPr lang="ko-KR" altLang="en-US" dirty="0">
+              <a:solidFill>
+                <a:schemeClr val="tx1"/>
+              </a:solidFill>
+            </a:endParaRPr>
+          </a:p>
+        </p:txBody>
+      </p:sp>
+    </p:spTree>
+    <p:extLst>
+      <p:ext uri="{BB962C8B-B14F-4D97-AF65-F5344CB8AC3E}">
+        <p14:creationId xmlns:p14="http://schemas.microsoft.com/office/powerpoint/2010/main" val="3684332119"/>
+      </p:ext>
+    </p:extLst>
+  </p:cSld>
+  <p:clrMapOvr>
+    <a:masterClrMapping/>
+  </p:clrMapOvr>
+</p:sld>
+</file>
+
+<file path=ppt/slides/slide6.xml><?xml version="1.0" encoding="utf-8"?>
+<p:sld xmlns:a="http://schemas.openxmlformats.org/drawingml/2006/main" xmlns:r="http://schemas.openxmlformats.org/officeDocument/2006/relationships" xmlns:p="http://schemas.openxmlformats.org/presentationml/2006/main">
+  <p:cSld>
+    <p:spTree>
+      <p:nvGrpSpPr>
+        <p:cNvPr id="1" name=""/>
+        <p:cNvGrpSpPr/>
+        <p:nvPr/>
+      </p:nvGrpSpPr>
+      <p:grpSpPr>
+        <a:xfrm>
+          <a:off x="0" y="0"/>
+          <a:ext cx="0" cy="0"/>
+          <a:chOff x="0" y="0"/>
+          <a:chExt cx="0" cy="0"/>
+        </a:xfrm>
+      </p:grpSpPr>
+      <p:pic>
+        <p:nvPicPr>
+          <p:cNvPr id="2" name="그림 1">
+            <a:extLst>
+              <a:ext uri="{FF2B5EF4-FFF2-40B4-BE49-F238E27FC236}">
+                <a16:creationId xmlns:a16="http://schemas.microsoft.com/office/drawing/2014/main" id="{71F27159-2E85-47A5-B312-BFCE1D074C41}"/>
+              </a:ext>
+            </a:extLst>
+          </p:cNvPr>
+          <p:cNvPicPr>
+            <a:picLocks noChangeAspect="1"/>
+          </p:cNvPicPr>
+          <p:nvPr/>
+        </p:nvPicPr>
+        <p:blipFill>
+          <a:blip r:embed="rId2"/>
+          <a:stretch>
+            <a:fillRect/>
+          </a:stretch>
+        </p:blipFill>
+        <p:spPr>
+          <a:xfrm>
+            <a:off x="4687702" y="1944495"/>
+            <a:ext cx="2816596" cy="2969009"/>
+          </a:xfrm>
+          <a:prstGeom prst="rect">
+            <a:avLst/>
+          </a:prstGeom>
+        </p:spPr>
+      </p:pic>
+    </p:spTree>
+    <p:extLst>
+      <p:ext uri="{BB962C8B-B14F-4D97-AF65-F5344CB8AC3E}">
+        <p14:creationId xmlns:p14="http://schemas.microsoft.com/office/powerpoint/2010/main" val="1760296800"/>
+      </p:ext>
+    </p:extLst>
+  </p:cSld>
+  <p:clrMapOvr>
+    <a:masterClrMapping/>
+  </p:clrMapOvr>
+</p:sld>
+</file>
+
+<file path=ppt/slides/slide7.xml><?xml version="1.0" encoding="utf-8"?>
+<p:sld xmlns:a="http://schemas.openxmlformats.org/drawingml/2006/main" xmlns:r="http://schemas.openxmlformats.org/officeDocument/2006/relationships" xmlns:p="http://schemas.openxmlformats.org/presentationml/2006/main">
+  <p:cSld>
+    <p:spTree>
+      <p:nvGrpSpPr>
+        <p:cNvPr id="1" name=""/>
+        <p:cNvGrpSpPr/>
+        <p:nvPr/>
+      </p:nvGrpSpPr>
+      <p:grpSpPr>
+        <a:xfrm>
+          <a:off x="0" y="0"/>
+          <a:ext cx="0" cy="0"/>
+          <a:chOff x="0" y="0"/>
+          <a:chExt cx="0" cy="0"/>
+        </a:xfrm>
+      </p:grpSpPr>
+      <p:sp>
+        <p:nvSpPr>
+          <p:cNvPr id="2" name="직사각형 1">
+            <a:extLst>
+              <a:ext uri="{FF2B5EF4-FFF2-40B4-BE49-F238E27FC236}">
+                <a16:creationId xmlns:a16="http://schemas.microsoft.com/office/drawing/2014/main" id="{B554F2C3-4EA4-4CC8-BC31-861BF2F66BA0}"/>
+              </a:ext>
+            </a:extLst>
+          </p:cNvPr>
+          <p:cNvSpPr/>
+          <p:nvPr/>
+        </p:nvSpPr>
+        <p:spPr>
+          <a:xfrm>
+            <a:off x="9636610" y="1255927"/>
+            <a:ext cx="399494" cy="452761"/>
+          </a:xfrm>
+          <a:prstGeom prst="rect">
+            <a:avLst/>
+          </a:prstGeom>
+          <a:noFill/>
+        </p:spPr>
+        <p:style>
+          <a:lnRef idx="2">
+            <a:schemeClr val="accent1">
+              <a:shade val="50000"/>
+            </a:schemeClr>
+          </a:lnRef>
+          <a:fillRef idx="1">
+            <a:schemeClr val="accent1"/>
+          </a:fillRef>
+          <a:effectRef idx="0">
+            <a:schemeClr val="accent1"/>
+          </a:effectRef>
+          <a:fontRef idx="minor">
+            <a:schemeClr val="lt1"/>
+          </a:fontRef>
+        </p:style>
+        <p:txBody>
+          <a:bodyPr rtlCol="0" anchor="ctr"/>
+          <a:lstStyle/>
+          <a:p>
+            <a:pPr algn="ctr"/>
+            <a:r>
+              <a:rPr lang="en-US" altLang="ko-KR" dirty="0">
+                <a:solidFill>
+                  <a:schemeClr val="tx1"/>
+                </a:solidFill>
+              </a:rPr>
+              <a:t>3</a:t>
+            </a:r>
+            <a:endParaRPr lang="ko-KR" altLang="en-US" dirty="0">
+              <a:solidFill>
+                <a:schemeClr val="tx1"/>
+              </a:solidFill>
+            </a:endParaRPr>
+          </a:p>
+        </p:txBody>
+      </p:sp>
+      <p:sp>
+        <p:nvSpPr>
+          <p:cNvPr id="3" name="직사각형 2">
+            <a:extLst>
+              <a:ext uri="{FF2B5EF4-FFF2-40B4-BE49-F238E27FC236}">
+                <a16:creationId xmlns:a16="http://schemas.microsoft.com/office/drawing/2014/main" id="{83835137-E218-4889-91D3-358E00BA0667}"/>
+              </a:ext>
+            </a:extLst>
+          </p:cNvPr>
+          <p:cNvSpPr/>
+          <p:nvPr/>
+        </p:nvSpPr>
+        <p:spPr>
+          <a:xfrm>
+            <a:off x="10107127" y="1255927"/>
+            <a:ext cx="399494" cy="452761"/>
+          </a:xfrm>
+          <a:prstGeom prst="rect">
+            <a:avLst/>
+          </a:prstGeom>
+          <a:noFill/>
+        </p:spPr>
+        <p:style>
+          <a:lnRef idx="2">
+            <a:schemeClr val="accent1">
+              <a:shade val="50000"/>
+            </a:schemeClr>
+          </a:lnRef>
+          <a:fillRef idx="1">
+            <a:schemeClr val="accent1"/>
+          </a:fillRef>
+          <a:effectRef idx="0">
+            <a:schemeClr val="accent1"/>
+          </a:effectRef>
+          <a:fontRef idx="minor">
+            <a:schemeClr val="lt1"/>
+          </a:fontRef>
+        </p:style>
+        <p:txBody>
+          <a:bodyPr rtlCol="0" anchor="ctr"/>
+          <a:lstStyle/>
+          <a:p>
+            <a:pPr algn="ctr"/>
+            <a:r>
+              <a:rPr lang="en-US" altLang="ko-KR" dirty="0">
+                <a:solidFill>
+                  <a:schemeClr val="tx1"/>
+                </a:solidFill>
+              </a:rPr>
+              <a:t>2</a:t>
+            </a:r>
+            <a:endParaRPr lang="ko-KR" altLang="en-US" dirty="0">
+              <a:solidFill>
+                <a:schemeClr val="tx1"/>
+              </a:solidFill>
+            </a:endParaRPr>
+          </a:p>
+        </p:txBody>
+      </p:sp>
+      <p:sp>
+        <p:nvSpPr>
+          <p:cNvPr id="4" name="직사각형 3">
+            <a:extLst>
+              <a:ext uri="{FF2B5EF4-FFF2-40B4-BE49-F238E27FC236}">
+                <a16:creationId xmlns:a16="http://schemas.microsoft.com/office/drawing/2014/main" id="{E8498A31-812A-4F09-93EB-1126896E5AFD}"/>
+              </a:ext>
+            </a:extLst>
+          </p:cNvPr>
+          <p:cNvSpPr/>
+          <p:nvPr/>
+        </p:nvSpPr>
+        <p:spPr>
+          <a:xfrm>
+            <a:off x="10590961" y="1255927"/>
+            <a:ext cx="399494" cy="452761"/>
+          </a:xfrm>
+          <a:prstGeom prst="rect">
+            <a:avLst/>
+          </a:prstGeom>
+          <a:noFill/>
+        </p:spPr>
+        <p:style>
+          <a:lnRef idx="2">
+            <a:schemeClr val="accent1">
+              <a:shade val="50000"/>
+            </a:schemeClr>
+          </a:lnRef>
+          <a:fillRef idx="1">
+            <a:schemeClr val="accent1"/>
+          </a:fillRef>
+          <a:effectRef idx="0">
+            <a:schemeClr val="accent1"/>
+          </a:effectRef>
+          <a:fontRef idx="minor">
+            <a:schemeClr val="lt1"/>
+          </a:fontRef>
+        </p:style>
+        <p:txBody>
+          <a:bodyPr rtlCol="0" anchor="ctr"/>
+          <a:lstStyle/>
+          <a:p>
+            <a:pPr algn="ctr"/>
+            <a:r>
+              <a:rPr lang="en-US" altLang="ko-KR" dirty="0">
+                <a:solidFill>
+                  <a:schemeClr val="bg2"/>
+                </a:solidFill>
+              </a:rPr>
+              <a:t>1</a:t>
+            </a:r>
+            <a:endParaRPr lang="ko-KR" altLang="en-US" dirty="0">
+              <a:solidFill>
+                <a:schemeClr val="bg2"/>
+              </a:solidFill>
+            </a:endParaRPr>
+          </a:p>
+        </p:txBody>
+      </p:sp>
+      <p:sp>
+        <p:nvSpPr>
+          <p:cNvPr id="5" name="직사각형 4">
+            <a:extLst>
+              <a:ext uri="{FF2B5EF4-FFF2-40B4-BE49-F238E27FC236}">
+                <a16:creationId xmlns:a16="http://schemas.microsoft.com/office/drawing/2014/main" id="{D2BCC873-2F32-4B41-BEEE-C29A9806E912}"/>
+              </a:ext>
+            </a:extLst>
+          </p:cNvPr>
+          <p:cNvSpPr/>
+          <p:nvPr/>
+        </p:nvSpPr>
+        <p:spPr>
+          <a:xfrm>
+            <a:off x="11074795" y="1255927"/>
+            <a:ext cx="399494" cy="452761"/>
+          </a:xfrm>
+          <a:prstGeom prst="rect">
+            <a:avLst/>
+          </a:prstGeom>
+          <a:noFill/>
+        </p:spPr>
+        <p:style>
+          <a:lnRef idx="2">
+            <a:schemeClr val="accent1">
+              <a:shade val="50000"/>
+            </a:schemeClr>
+          </a:lnRef>
+          <a:fillRef idx="1">
+            <a:schemeClr val="accent1"/>
+          </a:fillRef>
+          <a:effectRef idx="0">
+            <a:schemeClr val="accent1"/>
+          </a:effectRef>
+          <a:fontRef idx="minor">
+            <a:schemeClr val="lt1"/>
+          </a:fontRef>
+        </p:style>
+        <p:txBody>
+          <a:bodyPr rtlCol="0" anchor="ctr"/>
+          <a:lstStyle/>
+          <a:p>
+            <a:pPr algn="ctr"/>
+            <a:r>
+              <a:rPr lang="en-US" altLang="ko-KR" dirty="0">
+                <a:solidFill>
+                  <a:schemeClr val="bg2"/>
+                </a:solidFill>
+              </a:rPr>
+              <a:t>5</a:t>
+            </a:r>
+            <a:endParaRPr lang="ko-KR" altLang="en-US" dirty="0">
+              <a:solidFill>
+                <a:schemeClr val="bg2"/>
+              </a:solidFill>
+            </a:endParaRPr>
+          </a:p>
+        </p:txBody>
+      </p:sp>
+      <p:sp>
+        <p:nvSpPr>
+          <p:cNvPr id="6" name="직사각형 5">
+            <a:extLst>
+              <a:ext uri="{FF2B5EF4-FFF2-40B4-BE49-F238E27FC236}">
+                <a16:creationId xmlns:a16="http://schemas.microsoft.com/office/drawing/2014/main" id="{D59F59F0-001F-4F0D-8FF9-F0F1DAB05D5A}"/>
+              </a:ext>
+            </a:extLst>
+          </p:cNvPr>
+          <p:cNvSpPr/>
+          <p:nvPr/>
+        </p:nvSpPr>
+        <p:spPr>
+          <a:xfrm>
+            <a:off x="11558629" y="1255927"/>
+            <a:ext cx="399494" cy="452761"/>
+          </a:xfrm>
+          <a:prstGeom prst="rect">
+            <a:avLst/>
+          </a:prstGeom>
+          <a:noFill/>
+        </p:spPr>
+        <p:style>
+          <a:lnRef idx="2">
+            <a:schemeClr val="accent1">
+              <a:shade val="50000"/>
+            </a:schemeClr>
+          </a:lnRef>
+          <a:fillRef idx="1">
+            <a:schemeClr val="accent1"/>
+          </a:fillRef>
+          <a:effectRef idx="0">
+            <a:schemeClr val="accent1"/>
+          </a:effectRef>
+          <a:fontRef idx="minor">
+            <a:schemeClr val="lt1"/>
+          </a:fontRef>
+        </p:style>
+        <p:txBody>
+          <a:bodyPr rtlCol="0" anchor="ctr"/>
+          <a:lstStyle/>
+          <a:p>
+            <a:pPr algn="ctr"/>
+            <a:r>
+              <a:rPr lang="en-US" altLang="ko-KR" dirty="0">
+                <a:solidFill>
+                  <a:schemeClr val="bg2"/>
+                </a:solidFill>
+              </a:rPr>
+              <a:t>6</a:t>
+            </a:r>
+            <a:endParaRPr lang="ko-KR" altLang="en-US" dirty="0">
+              <a:solidFill>
+                <a:schemeClr val="bg2"/>
+              </a:solidFill>
+            </a:endParaRPr>
+          </a:p>
+        </p:txBody>
+      </p:sp>
+      <p:sp>
+        <p:nvSpPr>
+          <p:cNvPr id="7" name="직사각형 6">
+            <a:extLst>
+              <a:ext uri="{FF2B5EF4-FFF2-40B4-BE49-F238E27FC236}">
+                <a16:creationId xmlns:a16="http://schemas.microsoft.com/office/drawing/2014/main" id="{EC11B405-AB2D-4513-88FB-41EA5EADA7AA}"/>
+              </a:ext>
+            </a:extLst>
+          </p:cNvPr>
+          <p:cNvSpPr/>
+          <p:nvPr/>
+        </p:nvSpPr>
+        <p:spPr>
+          <a:xfrm>
+            <a:off x="9152255" y="1230644"/>
+            <a:ext cx="399494" cy="452761"/>
+          </a:xfrm>
+          <a:prstGeom prst="rect">
+            <a:avLst/>
+          </a:prstGeom>
+          <a:noFill/>
+          <a:ln>
+            <a:noFill/>
+          </a:ln>
+        </p:spPr>
+        <p:style>
+          <a:lnRef idx="2">
+            <a:schemeClr val="accent1">
+              <a:shade val="50000"/>
+            </a:schemeClr>
+          </a:lnRef>
+          <a:fillRef idx="1">
+            <a:schemeClr val="accent1"/>
+          </a:fillRef>
+          <a:effectRef idx="0">
+            <a:schemeClr val="accent1"/>
+          </a:effectRef>
+          <a:fontRef idx="minor">
+            <a:schemeClr val="lt1"/>
+          </a:fontRef>
+        </p:style>
+        <p:txBody>
+          <a:bodyPr rtlCol="0" anchor="ctr"/>
+          <a:lstStyle/>
+          <a:p>
+            <a:pPr algn="r"/>
+            <a:r>
+              <a:rPr lang="en-US" altLang="ko-KR" dirty="0">
+                <a:solidFill>
+                  <a:schemeClr val="tx1"/>
+                </a:solidFill>
+              </a:rPr>
+              <a:t>A</a:t>
+            </a:r>
+            <a:endParaRPr lang="ko-KR" altLang="en-US" dirty="0">
+              <a:solidFill>
+                <a:schemeClr val="tx1"/>
+              </a:solidFill>
+            </a:endParaRPr>
+          </a:p>
+        </p:txBody>
+      </p:sp>
+      <p:sp>
+        <p:nvSpPr>
+          <p:cNvPr id="8" name="직사각형 7">
+            <a:extLst>
+              <a:ext uri="{FF2B5EF4-FFF2-40B4-BE49-F238E27FC236}">
+                <a16:creationId xmlns:a16="http://schemas.microsoft.com/office/drawing/2014/main" id="{5ABBF571-D4C6-45F1-8643-D7B956C79383}"/>
+              </a:ext>
+            </a:extLst>
+          </p:cNvPr>
+          <p:cNvSpPr/>
+          <p:nvPr/>
+        </p:nvSpPr>
+        <p:spPr>
+          <a:xfrm>
+            <a:off x="9636610" y="971842"/>
+            <a:ext cx="399494" cy="258802"/>
+          </a:xfrm>
+          <a:prstGeom prst="rect">
+            <a:avLst/>
+          </a:prstGeom>
+          <a:noFill/>
+          <a:ln>
+            <a:noFill/>
+          </a:ln>
+        </p:spPr>
+        <p:style>
+          <a:lnRef idx="2">
+            <a:schemeClr val="accent1">
+              <a:shade val="50000"/>
+            </a:schemeClr>
+          </a:lnRef>
+          <a:fillRef idx="1">
+            <a:schemeClr val="accent1"/>
+          </a:fillRef>
+          <a:effectRef idx="0">
+            <a:schemeClr val="accent1"/>
+          </a:effectRef>
+          <a:fontRef idx="minor">
+            <a:schemeClr val="lt1"/>
+          </a:fontRef>
+        </p:style>
+        <p:txBody>
+          <a:bodyPr rtlCol="0" anchor="ctr"/>
+          <a:lstStyle/>
+          <a:p>
+            <a:pPr algn="ctr"/>
+            <a:r>
+              <a:rPr lang="en-US" altLang="ko-KR" dirty="0">
+                <a:solidFill>
+                  <a:schemeClr val="tx1"/>
+                </a:solidFill>
+              </a:rPr>
+              <a:t>0</a:t>
+            </a:r>
+            <a:endParaRPr lang="ko-KR" altLang="en-US" dirty="0">
+              <a:solidFill>
+                <a:schemeClr val="tx1"/>
+              </a:solidFill>
+            </a:endParaRPr>
+          </a:p>
+        </p:txBody>
+      </p:sp>
+      <p:sp>
+        <p:nvSpPr>
+          <p:cNvPr id="9" name="직사각형 8">
+            <a:extLst>
+              <a:ext uri="{FF2B5EF4-FFF2-40B4-BE49-F238E27FC236}">
+                <a16:creationId xmlns:a16="http://schemas.microsoft.com/office/drawing/2014/main" id="{5AAF886B-CFF2-4D7B-B7BE-722C6B0E37BA}"/>
+              </a:ext>
+            </a:extLst>
+          </p:cNvPr>
+          <p:cNvSpPr/>
+          <p:nvPr/>
+        </p:nvSpPr>
+        <p:spPr>
+          <a:xfrm>
+            <a:off x="10107127" y="971842"/>
+            <a:ext cx="399494" cy="258802"/>
+          </a:xfrm>
+          <a:prstGeom prst="rect">
+            <a:avLst/>
+          </a:prstGeom>
+          <a:noFill/>
+          <a:ln>
+            <a:noFill/>
+          </a:ln>
+        </p:spPr>
+        <p:style>
+          <a:lnRef idx="2">
+            <a:schemeClr val="accent1">
+              <a:shade val="50000"/>
+            </a:schemeClr>
+          </a:lnRef>
+          <a:fillRef idx="1">
+            <a:schemeClr val="accent1"/>
+          </a:fillRef>
+          <a:effectRef idx="0">
+            <a:schemeClr val="accent1"/>
+          </a:effectRef>
+          <a:fontRef idx="minor">
+            <a:schemeClr val="lt1"/>
+          </a:fontRef>
+        </p:style>
+        <p:txBody>
+          <a:bodyPr rtlCol="0" anchor="ctr"/>
+          <a:lstStyle/>
+          <a:p>
+            <a:pPr algn="ctr"/>
+            <a:r>
+              <a:rPr lang="en-US" altLang="ko-KR" dirty="0">
+                <a:solidFill>
+                  <a:schemeClr val="tx1"/>
+                </a:solidFill>
+              </a:rPr>
+              <a:t>1</a:t>
+            </a:r>
+            <a:endParaRPr lang="ko-KR" altLang="en-US" dirty="0">
+              <a:solidFill>
+                <a:schemeClr val="tx1"/>
+              </a:solidFill>
+            </a:endParaRPr>
+          </a:p>
+        </p:txBody>
+      </p:sp>
+      <p:sp>
+        <p:nvSpPr>
+          <p:cNvPr id="10" name="직사각형 9">
+            <a:extLst>
+              <a:ext uri="{FF2B5EF4-FFF2-40B4-BE49-F238E27FC236}">
+                <a16:creationId xmlns:a16="http://schemas.microsoft.com/office/drawing/2014/main" id="{678126B3-5132-4111-A980-A3F0A6F39965}"/>
+              </a:ext>
+            </a:extLst>
+          </p:cNvPr>
+          <p:cNvSpPr/>
+          <p:nvPr/>
+        </p:nvSpPr>
+        <p:spPr>
+          <a:xfrm>
+            <a:off x="10590961" y="971842"/>
+            <a:ext cx="399494" cy="258802"/>
+          </a:xfrm>
+          <a:prstGeom prst="rect">
+            <a:avLst/>
+          </a:prstGeom>
+          <a:noFill/>
+          <a:ln>
+            <a:noFill/>
+          </a:ln>
+        </p:spPr>
+        <p:style>
+          <a:lnRef idx="2">
+            <a:schemeClr val="accent1">
+              <a:shade val="50000"/>
+            </a:schemeClr>
+          </a:lnRef>
+          <a:fillRef idx="1">
+            <a:schemeClr val="accent1"/>
+          </a:fillRef>
+          <a:effectRef idx="0">
+            <a:schemeClr val="accent1"/>
+          </a:effectRef>
+          <a:fontRef idx="minor">
+            <a:schemeClr val="lt1"/>
+          </a:fontRef>
+        </p:style>
+        <p:txBody>
+          <a:bodyPr rtlCol="0" anchor="ctr"/>
+          <a:lstStyle/>
+          <a:p>
+            <a:pPr algn="ctr"/>
+            <a:r>
+              <a:rPr lang="en-US" altLang="ko-KR" dirty="0">
+                <a:solidFill>
+                  <a:schemeClr val="tx1"/>
+                </a:solidFill>
+              </a:rPr>
+              <a:t>2</a:t>
+            </a:r>
+            <a:endParaRPr lang="ko-KR" altLang="en-US" dirty="0">
+              <a:solidFill>
+                <a:schemeClr val="tx1"/>
+              </a:solidFill>
+            </a:endParaRPr>
+          </a:p>
+        </p:txBody>
+      </p:sp>
+      <p:sp>
+        <p:nvSpPr>
+          <p:cNvPr id="11" name="직사각형 10">
+            <a:extLst>
+              <a:ext uri="{FF2B5EF4-FFF2-40B4-BE49-F238E27FC236}">
+                <a16:creationId xmlns:a16="http://schemas.microsoft.com/office/drawing/2014/main" id="{0F14EA2C-E9B9-4DDA-9F0F-3D3001B3B5A6}"/>
+              </a:ext>
+            </a:extLst>
+          </p:cNvPr>
+          <p:cNvSpPr/>
+          <p:nvPr/>
+        </p:nvSpPr>
+        <p:spPr>
+          <a:xfrm>
+            <a:off x="11074795" y="971842"/>
+            <a:ext cx="399494" cy="258802"/>
+          </a:xfrm>
+          <a:prstGeom prst="rect">
+            <a:avLst/>
+          </a:prstGeom>
+          <a:noFill/>
+          <a:ln>
+            <a:noFill/>
+          </a:ln>
+        </p:spPr>
+        <p:style>
+          <a:lnRef idx="2">
+            <a:schemeClr val="accent1">
+              <a:shade val="50000"/>
+            </a:schemeClr>
+          </a:lnRef>
+          <a:fillRef idx="1">
+            <a:schemeClr val="accent1"/>
+          </a:fillRef>
+          <a:effectRef idx="0">
+            <a:schemeClr val="accent1"/>
+          </a:effectRef>
+          <a:fontRef idx="minor">
+            <a:schemeClr val="lt1"/>
+          </a:fontRef>
+        </p:style>
+        <p:txBody>
+          <a:bodyPr rtlCol="0" anchor="ctr"/>
+          <a:lstStyle/>
+          <a:p>
+            <a:pPr algn="ctr"/>
+            <a:r>
+              <a:rPr lang="en-US" altLang="ko-KR" dirty="0">
+                <a:solidFill>
+                  <a:schemeClr val="tx1"/>
+                </a:solidFill>
+              </a:rPr>
+              <a:t>3</a:t>
+            </a:r>
+            <a:endParaRPr lang="ko-KR" altLang="en-US" dirty="0">
+              <a:solidFill>
+                <a:schemeClr val="tx1"/>
+              </a:solidFill>
+            </a:endParaRPr>
+          </a:p>
+        </p:txBody>
+      </p:sp>
+      <p:sp>
+        <p:nvSpPr>
+          <p:cNvPr id="12" name="직사각형 11">
+            <a:extLst>
+              <a:ext uri="{FF2B5EF4-FFF2-40B4-BE49-F238E27FC236}">
+                <a16:creationId xmlns:a16="http://schemas.microsoft.com/office/drawing/2014/main" id="{A9E5206E-5F56-438A-837F-E10AB9B877D2}"/>
+              </a:ext>
+            </a:extLst>
+          </p:cNvPr>
+          <p:cNvSpPr/>
+          <p:nvPr/>
+        </p:nvSpPr>
+        <p:spPr>
+          <a:xfrm>
+            <a:off x="11558629" y="971842"/>
+            <a:ext cx="399494" cy="258802"/>
+          </a:xfrm>
+          <a:prstGeom prst="rect">
+            <a:avLst/>
+          </a:prstGeom>
+          <a:noFill/>
+          <a:ln>
+            <a:noFill/>
+          </a:ln>
+        </p:spPr>
+        <p:style>
+          <a:lnRef idx="2">
+            <a:schemeClr val="accent1">
+              <a:shade val="50000"/>
+            </a:schemeClr>
+          </a:lnRef>
+          <a:fillRef idx="1">
+            <a:schemeClr val="accent1"/>
+          </a:fillRef>
+          <a:effectRef idx="0">
+            <a:schemeClr val="accent1"/>
+          </a:effectRef>
+          <a:fontRef idx="minor">
+            <a:schemeClr val="lt1"/>
+          </a:fontRef>
+        </p:style>
+        <p:txBody>
+          <a:bodyPr rtlCol="0" anchor="ctr"/>
+          <a:lstStyle/>
+          <a:p>
+            <a:pPr algn="ctr"/>
+            <a:r>
+              <a:rPr lang="en-US" altLang="ko-KR" dirty="0">
+                <a:solidFill>
+                  <a:schemeClr val="tx1"/>
+                </a:solidFill>
+              </a:rPr>
+              <a:t>4</a:t>
+            </a:r>
+            <a:endParaRPr lang="ko-KR" altLang="en-US" dirty="0">
+              <a:solidFill>
+                <a:schemeClr val="tx1"/>
+              </a:solidFill>
+            </a:endParaRPr>
+          </a:p>
+        </p:txBody>
+      </p:sp>
+      <p:sp>
+        <p:nvSpPr>
+          <p:cNvPr id="13" name="직사각형 12">
+            <a:extLst>
+              <a:ext uri="{FF2B5EF4-FFF2-40B4-BE49-F238E27FC236}">
+                <a16:creationId xmlns:a16="http://schemas.microsoft.com/office/drawing/2014/main" id="{1D37409D-B01F-436D-9C87-84E215DC50E8}"/>
+              </a:ext>
+            </a:extLst>
+          </p:cNvPr>
+          <p:cNvSpPr/>
+          <p:nvPr/>
+        </p:nvSpPr>
+        <p:spPr>
+          <a:xfrm>
+            <a:off x="9636610" y="1759254"/>
+            <a:ext cx="399494" cy="452761"/>
+          </a:xfrm>
+          <a:prstGeom prst="rect">
+            <a:avLst/>
+          </a:prstGeom>
+          <a:noFill/>
+        </p:spPr>
+        <p:style>
+          <a:lnRef idx="2">
+            <a:schemeClr val="accent1">
+              <a:shade val="50000"/>
+            </a:schemeClr>
+          </a:lnRef>
+          <a:fillRef idx="1">
+            <a:schemeClr val="accent1"/>
+          </a:fillRef>
+          <a:effectRef idx="0">
+            <a:schemeClr val="accent1"/>
+          </a:effectRef>
+          <a:fontRef idx="minor">
+            <a:schemeClr val="lt1"/>
+          </a:fontRef>
+        </p:style>
+        <p:txBody>
+          <a:bodyPr rtlCol="0" anchor="ctr"/>
+          <a:lstStyle/>
+          <a:p>
+            <a:pPr algn="ctr"/>
+            <a:r>
+              <a:rPr lang="en-US" altLang="ko-KR">
+                <a:solidFill>
+                  <a:schemeClr val="bg2"/>
+                </a:solidFill>
+              </a:rPr>
+              <a:t>2</a:t>
+            </a:r>
+            <a:endParaRPr lang="ko-KR" altLang="en-US" dirty="0">
+              <a:solidFill>
+                <a:schemeClr val="bg2"/>
+              </a:solidFill>
+            </a:endParaRPr>
+          </a:p>
+        </p:txBody>
+      </p:sp>
+      <p:sp>
+        <p:nvSpPr>
+          <p:cNvPr id="14" name="직사각형 13">
+            <a:extLst>
+              <a:ext uri="{FF2B5EF4-FFF2-40B4-BE49-F238E27FC236}">
+                <a16:creationId xmlns:a16="http://schemas.microsoft.com/office/drawing/2014/main" id="{5CA13B82-9599-4ADB-9B9C-0383871CCF51}"/>
+              </a:ext>
+            </a:extLst>
+          </p:cNvPr>
+          <p:cNvSpPr/>
+          <p:nvPr/>
+        </p:nvSpPr>
+        <p:spPr>
+          <a:xfrm>
+            <a:off x="10107127" y="1759254"/>
+            <a:ext cx="399494" cy="452761"/>
+          </a:xfrm>
+          <a:prstGeom prst="rect">
+            <a:avLst/>
+          </a:prstGeom>
+          <a:noFill/>
+        </p:spPr>
+        <p:style>
+          <a:lnRef idx="2">
+            <a:schemeClr val="accent1">
+              <a:shade val="50000"/>
+            </a:schemeClr>
+          </a:lnRef>
+          <a:fillRef idx="1">
+            <a:schemeClr val="accent1"/>
+          </a:fillRef>
+          <a:effectRef idx="0">
+            <a:schemeClr val="accent1"/>
+          </a:effectRef>
+          <a:fontRef idx="minor">
+            <a:schemeClr val="lt1"/>
+          </a:fontRef>
+        </p:style>
+        <p:txBody>
+          <a:bodyPr rtlCol="0" anchor="ctr"/>
+          <a:lstStyle/>
+          <a:p>
+            <a:pPr algn="ctr"/>
+            <a:r>
+              <a:rPr lang="en-US" altLang="ko-KR">
+                <a:solidFill>
+                  <a:schemeClr val="tx1"/>
+                </a:solidFill>
+              </a:rPr>
+              <a:t>3</a:t>
+            </a:r>
+            <a:endParaRPr lang="ko-KR" altLang="en-US" dirty="0">
+              <a:solidFill>
+                <a:schemeClr val="tx1"/>
+              </a:solidFill>
+            </a:endParaRPr>
+          </a:p>
+        </p:txBody>
+      </p:sp>
+      <p:sp>
+        <p:nvSpPr>
+          <p:cNvPr id="15" name="직사각형 14">
+            <a:extLst>
+              <a:ext uri="{FF2B5EF4-FFF2-40B4-BE49-F238E27FC236}">
+                <a16:creationId xmlns:a16="http://schemas.microsoft.com/office/drawing/2014/main" id="{10D69A9F-E84B-4666-B3CA-376AA2DDEEC4}"/>
+              </a:ext>
+            </a:extLst>
+          </p:cNvPr>
+          <p:cNvSpPr/>
+          <p:nvPr/>
+        </p:nvSpPr>
+        <p:spPr>
+          <a:xfrm>
+            <a:off x="10590961" y="1759254"/>
+            <a:ext cx="399494" cy="452761"/>
+          </a:xfrm>
+          <a:prstGeom prst="rect">
+            <a:avLst/>
+          </a:prstGeom>
+          <a:noFill/>
+        </p:spPr>
+        <p:style>
+          <a:lnRef idx="2">
+            <a:schemeClr val="accent1">
+              <a:shade val="50000"/>
+            </a:schemeClr>
+          </a:lnRef>
+          <a:fillRef idx="1">
+            <a:schemeClr val="accent1"/>
+          </a:fillRef>
+          <a:effectRef idx="0">
+            <a:schemeClr val="accent1"/>
+          </a:effectRef>
+          <a:fontRef idx="minor">
+            <a:schemeClr val="lt1"/>
+          </a:fontRef>
+        </p:style>
+        <p:txBody>
+          <a:bodyPr rtlCol="0" anchor="ctr"/>
+          <a:lstStyle/>
+          <a:p>
+            <a:pPr algn="ctr"/>
+            <a:r>
+              <a:rPr lang="en-US" altLang="ko-KR" dirty="0">
+                <a:solidFill>
+                  <a:schemeClr val="tx1"/>
+                </a:solidFill>
+              </a:rPr>
+              <a:t>1</a:t>
+            </a:r>
+            <a:endParaRPr lang="ko-KR" altLang="en-US" dirty="0">
+              <a:solidFill>
+                <a:schemeClr val="tx1"/>
+              </a:solidFill>
+            </a:endParaRPr>
+          </a:p>
+        </p:txBody>
+      </p:sp>
+      <p:sp>
+        <p:nvSpPr>
+          <p:cNvPr id="16" name="직사각형 15">
+            <a:extLst>
+              <a:ext uri="{FF2B5EF4-FFF2-40B4-BE49-F238E27FC236}">
+                <a16:creationId xmlns:a16="http://schemas.microsoft.com/office/drawing/2014/main" id="{9AA80A88-138C-40A0-B434-8A53CAA3661E}"/>
+              </a:ext>
+            </a:extLst>
+          </p:cNvPr>
+          <p:cNvSpPr/>
+          <p:nvPr/>
+        </p:nvSpPr>
+        <p:spPr>
+          <a:xfrm>
+            <a:off x="11074795" y="1759254"/>
+            <a:ext cx="399494" cy="452761"/>
+          </a:xfrm>
+          <a:prstGeom prst="rect">
+            <a:avLst/>
+          </a:prstGeom>
+          <a:noFill/>
+        </p:spPr>
+        <p:style>
+          <a:lnRef idx="2">
+            <a:schemeClr val="accent1">
+              <a:shade val="50000"/>
+            </a:schemeClr>
+          </a:lnRef>
+          <a:fillRef idx="1">
+            <a:schemeClr val="accent1"/>
+          </a:fillRef>
+          <a:effectRef idx="0">
+            <a:schemeClr val="accent1"/>
+          </a:effectRef>
+          <a:fontRef idx="minor">
+            <a:schemeClr val="lt1"/>
+          </a:fontRef>
+        </p:style>
+        <p:txBody>
+          <a:bodyPr rtlCol="0" anchor="ctr"/>
+          <a:lstStyle/>
+          <a:p>
+            <a:pPr algn="ctr"/>
+            <a:r>
+              <a:rPr lang="en-US" altLang="ko-KR" dirty="0">
+                <a:solidFill>
+                  <a:schemeClr val="bg2"/>
+                </a:solidFill>
+              </a:rPr>
+              <a:t>5</a:t>
+            </a:r>
+            <a:endParaRPr lang="ko-KR" altLang="en-US" dirty="0">
+              <a:solidFill>
+                <a:schemeClr val="bg2"/>
+              </a:solidFill>
+            </a:endParaRPr>
+          </a:p>
+        </p:txBody>
+      </p:sp>
+      <p:sp>
+        <p:nvSpPr>
+          <p:cNvPr id="17" name="직사각형 16">
+            <a:extLst>
+              <a:ext uri="{FF2B5EF4-FFF2-40B4-BE49-F238E27FC236}">
+                <a16:creationId xmlns:a16="http://schemas.microsoft.com/office/drawing/2014/main" id="{7D3AAB12-F432-422C-A551-2DA6C71C8308}"/>
+              </a:ext>
+            </a:extLst>
+          </p:cNvPr>
+          <p:cNvSpPr/>
+          <p:nvPr/>
+        </p:nvSpPr>
+        <p:spPr>
+          <a:xfrm>
+            <a:off x="11558629" y="1759254"/>
+            <a:ext cx="399494" cy="452761"/>
+          </a:xfrm>
+          <a:prstGeom prst="rect">
+            <a:avLst/>
+          </a:prstGeom>
+          <a:noFill/>
+        </p:spPr>
+        <p:style>
+          <a:lnRef idx="2">
+            <a:schemeClr val="accent1">
+              <a:shade val="50000"/>
+            </a:schemeClr>
+          </a:lnRef>
+          <a:fillRef idx="1">
+            <a:schemeClr val="accent1"/>
+          </a:fillRef>
+          <a:effectRef idx="0">
+            <a:schemeClr val="accent1"/>
+          </a:effectRef>
+          <a:fontRef idx="minor">
+            <a:schemeClr val="lt1"/>
+          </a:fontRef>
+        </p:style>
+        <p:txBody>
+          <a:bodyPr rtlCol="0" anchor="ctr"/>
+          <a:lstStyle/>
+          <a:p>
+            <a:pPr algn="ctr"/>
+            <a:r>
+              <a:rPr lang="en-US" altLang="ko-KR" dirty="0">
+                <a:solidFill>
+                  <a:schemeClr val="bg2"/>
+                </a:solidFill>
+              </a:rPr>
+              <a:t>6</a:t>
+            </a:r>
+            <a:endParaRPr lang="ko-KR" altLang="en-US" dirty="0">
+              <a:solidFill>
+                <a:schemeClr val="bg2"/>
+              </a:solidFill>
+            </a:endParaRPr>
+          </a:p>
+        </p:txBody>
+      </p:sp>
+      <p:sp>
+        <p:nvSpPr>
+          <p:cNvPr id="18" name="직사각형 17">
+            <a:extLst>
+              <a:ext uri="{FF2B5EF4-FFF2-40B4-BE49-F238E27FC236}">
+                <a16:creationId xmlns:a16="http://schemas.microsoft.com/office/drawing/2014/main" id="{6B4C997D-83F8-4BB9-99F0-96F5ED643D55}"/>
+              </a:ext>
+            </a:extLst>
+          </p:cNvPr>
+          <p:cNvSpPr/>
+          <p:nvPr/>
+        </p:nvSpPr>
+        <p:spPr>
+          <a:xfrm>
+            <a:off x="9152255" y="1733971"/>
+            <a:ext cx="399494" cy="452761"/>
+          </a:xfrm>
+          <a:prstGeom prst="rect">
+            <a:avLst/>
+          </a:prstGeom>
+          <a:noFill/>
+          <a:ln>
+            <a:noFill/>
+          </a:ln>
+        </p:spPr>
+        <p:style>
+          <a:lnRef idx="2">
+            <a:schemeClr val="accent1">
+              <a:shade val="50000"/>
+            </a:schemeClr>
+          </a:lnRef>
+          <a:fillRef idx="1">
+            <a:schemeClr val="accent1"/>
+          </a:fillRef>
+          <a:effectRef idx="0">
+            <a:schemeClr val="accent1"/>
+          </a:effectRef>
+          <a:fontRef idx="minor">
+            <a:schemeClr val="lt1"/>
+          </a:fontRef>
+        </p:style>
+        <p:txBody>
+          <a:bodyPr rtlCol="0" anchor="ctr"/>
+          <a:lstStyle/>
+          <a:p>
+            <a:pPr algn="r"/>
+            <a:r>
+              <a:rPr lang="en-US" altLang="ko-KR" dirty="0">
+                <a:solidFill>
+                  <a:schemeClr val="tx1"/>
+                </a:solidFill>
+              </a:rPr>
+              <a:t>A</a:t>
+            </a:r>
+            <a:endParaRPr lang="ko-KR" altLang="en-US" dirty="0">
+              <a:solidFill>
+                <a:schemeClr val="tx1"/>
+              </a:solidFill>
+            </a:endParaRPr>
+          </a:p>
+        </p:txBody>
+      </p:sp>
+      <p:sp>
+        <p:nvSpPr>
+          <p:cNvPr id="19" name="직사각형 18">
+            <a:extLst>
+              <a:ext uri="{FF2B5EF4-FFF2-40B4-BE49-F238E27FC236}">
+                <a16:creationId xmlns:a16="http://schemas.microsoft.com/office/drawing/2014/main" id="{6422B768-BDB2-4CCD-A1B0-37C5408D3B5D}"/>
+              </a:ext>
+            </a:extLst>
+          </p:cNvPr>
+          <p:cNvSpPr/>
+          <p:nvPr/>
+        </p:nvSpPr>
+        <p:spPr>
+          <a:xfrm>
+            <a:off x="9636610" y="2288523"/>
+            <a:ext cx="399494" cy="452761"/>
+          </a:xfrm>
+          <a:prstGeom prst="rect">
+            <a:avLst/>
+          </a:prstGeom>
+          <a:noFill/>
+        </p:spPr>
+        <p:style>
+          <a:lnRef idx="2">
+            <a:schemeClr val="accent1">
+              <a:shade val="50000"/>
+            </a:schemeClr>
+          </a:lnRef>
+          <a:fillRef idx="1">
+            <a:schemeClr val="accent1"/>
+          </a:fillRef>
+          <a:effectRef idx="0">
+            <a:schemeClr val="accent1"/>
+          </a:effectRef>
+          <a:fontRef idx="minor">
+            <a:schemeClr val="lt1"/>
+          </a:fontRef>
+        </p:style>
+        <p:txBody>
+          <a:bodyPr rtlCol="0" anchor="ctr"/>
+          <a:lstStyle/>
+          <a:p>
+            <a:pPr algn="ctr"/>
+            <a:r>
+              <a:rPr lang="en-US" altLang="ko-KR">
+                <a:solidFill>
+                  <a:schemeClr val="bg2"/>
+                </a:solidFill>
+              </a:rPr>
+              <a:t>2</a:t>
+            </a:r>
+            <a:endParaRPr lang="ko-KR" altLang="en-US" dirty="0">
+              <a:solidFill>
+                <a:schemeClr val="bg2"/>
+              </a:solidFill>
+            </a:endParaRPr>
+          </a:p>
+        </p:txBody>
+      </p:sp>
+      <p:sp>
+        <p:nvSpPr>
+          <p:cNvPr id="20" name="직사각형 19">
+            <a:extLst>
+              <a:ext uri="{FF2B5EF4-FFF2-40B4-BE49-F238E27FC236}">
+                <a16:creationId xmlns:a16="http://schemas.microsoft.com/office/drawing/2014/main" id="{5AFA46E8-9E78-4A39-9CC2-44163B3B7F63}"/>
+              </a:ext>
+            </a:extLst>
+          </p:cNvPr>
+          <p:cNvSpPr/>
+          <p:nvPr/>
+        </p:nvSpPr>
+        <p:spPr>
+          <a:xfrm>
+            <a:off x="10107127" y="2288523"/>
+            <a:ext cx="399494" cy="452761"/>
+          </a:xfrm>
+          <a:prstGeom prst="rect">
+            <a:avLst/>
+          </a:prstGeom>
+          <a:noFill/>
+        </p:spPr>
+        <p:style>
+          <a:lnRef idx="2">
+            <a:schemeClr val="accent1">
+              <a:shade val="50000"/>
+            </a:schemeClr>
+          </a:lnRef>
+          <a:fillRef idx="1">
+            <a:schemeClr val="accent1"/>
+          </a:fillRef>
+          <a:effectRef idx="0">
+            <a:schemeClr val="accent1"/>
+          </a:effectRef>
+          <a:fontRef idx="minor">
+            <a:schemeClr val="lt1"/>
+          </a:fontRef>
+        </p:style>
+        <p:txBody>
+          <a:bodyPr rtlCol="0" anchor="ctr"/>
+          <a:lstStyle/>
+          <a:p>
+            <a:pPr algn="ctr"/>
+            <a:r>
+              <a:rPr lang="en-US" altLang="ko-KR">
+                <a:solidFill>
+                  <a:schemeClr val="bg2"/>
+                </a:solidFill>
+              </a:rPr>
+              <a:t>1</a:t>
+            </a:r>
+            <a:endParaRPr lang="ko-KR" altLang="en-US" dirty="0">
+              <a:solidFill>
+                <a:schemeClr val="bg2"/>
+              </a:solidFill>
+            </a:endParaRPr>
+          </a:p>
+        </p:txBody>
+      </p:sp>
+      <p:sp>
+        <p:nvSpPr>
+          <p:cNvPr id="21" name="직사각형 20">
+            <a:extLst>
+              <a:ext uri="{FF2B5EF4-FFF2-40B4-BE49-F238E27FC236}">
+                <a16:creationId xmlns:a16="http://schemas.microsoft.com/office/drawing/2014/main" id="{7FB23E09-34BB-4F90-A111-1BE650E6F379}"/>
+              </a:ext>
+            </a:extLst>
+          </p:cNvPr>
+          <p:cNvSpPr/>
+          <p:nvPr/>
+        </p:nvSpPr>
+        <p:spPr>
+          <a:xfrm>
+            <a:off x="10590961" y="2288523"/>
+            <a:ext cx="399494" cy="452761"/>
+          </a:xfrm>
+          <a:prstGeom prst="rect">
+            <a:avLst/>
+          </a:prstGeom>
+          <a:noFill/>
+        </p:spPr>
+        <p:style>
+          <a:lnRef idx="2">
+            <a:schemeClr val="accent1">
+              <a:shade val="50000"/>
+            </a:schemeClr>
+          </a:lnRef>
+          <a:fillRef idx="1">
+            <a:schemeClr val="accent1"/>
+          </a:fillRef>
+          <a:effectRef idx="0">
+            <a:schemeClr val="accent1"/>
+          </a:effectRef>
+          <a:fontRef idx="minor">
+            <a:schemeClr val="lt1"/>
+          </a:fontRef>
+        </p:style>
+        <p:txBody>
+          <a:bodyPr rtlCol="0" anchor="ctr"/>
+          <a:lstStyle/>
+          <a:p>
+            <a:pPr algn="ctr"/>
+            <a:r>
+              <a:rPr lang="en-US" altLang="ko-KR">
+                <a:solidFill>
+                  <a:schemeClr val="tx1"/>
+                </a:solidFill>
+              </a:rPr>
+              <a:t>3</a:t>
+            </a:r>
+            <a:endParaRPr lang="ko-KR" altLang="en-US" dirty="0">
+              <a:solidFill>
+                <a:schemeClr val="tx1"/>
+              </a:solidFill>
+            </a:endParaRPr>
+          </a:p>
+        </p:txBody>
+      </p:sp>
+      <p:sp>
+        <p:nvSpPr>
+          <p:cNvPr id="22" name="직사각형 21">
+            <a:extLst>
+              <a:ext uri="{FF2B5EF4-FFF2-40B4-BE49-F238E27FC236}">
+                <a16:creationId xmlns:a16="http://schemas.microsoft.com/office/drawing/2014/main" id="{A004FF07-8418-4037-8604-AD30B13A400B}"/>
+              </a:ext>
+            </a:extLst>
+          </p:cNvPr>
+          <p:cNvSpPr/>
+          <p:nvPr/>
+        </p:nvSpPr>
+        <p:spPr>
+          <a:xfrm>
+            <a:off x="11074795" y="2288523"/>
+            <a:ext cx="399494" cy="452761"/>
+          </a:xfrm>
+          <a:prstGeom prst="rect">
+            <a:avLst/>
+          </a:prstGeom>
+          <a:noFill/>
+        </p:spPr>
+        <p:style>
+          <a:lnRef idx="2">
+            <a:schemeClr val="accent1">
+              <a:shade val="50000"/>
+            </a:schemeClr>
+          </a:lnRef>
+          <a:fillRef idx="1">
+            <a:schemeClr val="accent1"/>
+          </a:fillRef>
+          <a:effectRef idx="0">
+            <a:schemeClr val="accent1"/>
+          </a:effectRef>
+          <a:fontRef idx="minor">
+            <a:schemeClr val="lt1"/>
+          </a:fontRef>
+        </p:style>
+        <p:txBody>
+          <a:bodyPr rtlCol="0" anchor="ctr"/>
+          <a:lstStyle/>
+          <a:p>
+            <a:pPr algn="ctr"/>
+            <a:r>
+              <a:rPr lang="en-US" altLang="ko-KR" dirty="0">
+                <a:solidFill>
+                  <a:schemeClr val="tx1"/>
+                </a:solidFill>
+              </a:rPr>
+              <a:t>5</a:t>
+            </a:r>
+            <a:endParaRPr lang="ko-KR" altLang="en-US" dirty="0">
+              <a:solidFill>
+                <a:schemeClr val="tx1"/>
+              </a:solidFill>
+            </a:endParaRPr>
+          </a:p>
+        </p:txBody>
+      </p:sp>
+      <p:sp>
+        <p:nvSpPr>
+          <p:cNvPr id="23" name="직사각형 22">
+            <a:extLst>
+              <a:ext uri="{FF2B5EF4-FFF2-40B4-BE49-F238E27FC236}">
+                <a16:creationId xmlns:a16="http://schemas.microsoft.com/office/drawing/2014/main" id="{C49699ED-1880-40CA-B230-534D7900CFF2}"/>
+              </a:ext>
+            </a:extLst>
+          </p:cNvPr>
+          <p:cNvSpPr/>
+          <p:nvPr/>
+        </p:nvSpPr>
+        <p:spPr>
+          <a:xfrm>
+            <a:off x="11558629" y="2288523"/>
+            <a:ext cx="399494" cy="452761"/>
+          </a:xfrm>
+          <a:prstGeom prst="rect">
+            <a:avLst/>
+          </a:prstGeom>
+          <a:noFill/>
+        </p:spPr>
+        <p:style>
+          <a:lnRef idx="2">
+            <a:schemeClr val="accent1">
+              <a:shade val="50000"/>
+            </a:schemeClr>
+          </a:lnRef>
+          <a:fillRef idx="1">
+            <a:schemeClr val="accent1"/>
+          </a:fillRef>
+          <a:effectRef idx="0">
+            <a:schemeClr val="accent1"/>
+          </a:effectRef>
+          <a:fontRef idx="minor">
+            <a:schemeClr val="lt1"/>
+          </a:fontRef>
+        </p:style>
+        <p:txBody>
+          <a:bodyPr rtlCol="0" anchor="ctr"/>
+          <a:lstStyle/>
+          <a:p>
+            <a:pPr algn="ctr"/>
+            <a:r>
+              <a:rPr lang="en-US" altLang="ko-KR" dirty="0">
+                <a:solidFill>
+                  <a:schemeClr val="bg2"/>
+                </a:solidFill>
+              </a:rPr>
+              <a:t>6</a:t>
+            </a:r>
+            <a:endParaRPr lang="ko-KR" altLang="en-US" dirty="0">
+              <a:solidFill>
+                <a:schemeClr val="bg2"/>
+              </a:solidFill>
+            </a:endParaRPr>
+          </a:p>
+        </p:txBody>
+      </p:sp>
+      <p:sp>
+        <p:nvSpPr>
+          <p:cNvPr id="24" name="직사각형 23">
+            <a:extLst>
+              <a:ext uri="{FF2B5EF4-FFF2-40B4-BE49-F238E27FC236}">
+                <a16:creationId xmlns:a16="http://schemas.microsoft.com/office/drawing/2014/main" id="{9EC598C1-8B3A-4FD8-8F21-48E8E8320E20}"/>
+              </a:ext>
+            </a:extLst>
+          </p:cNvPr>
+          <p:cNvSpPr/>
+          <p:nvPr/>
+        </p:nvSpPr>
+        <p:spPr>
+          <a:xfrm>
+            <a:off x="9152255" y="2263240"/>
+            <a:ext cx="399494" cy="452761"/>
+          </a:xfrm>
+          <a:prstGeom prst="rect">
+            <a:avLst/>
+          </a:prstGeom>
+          <a:noFill/>
+          <a:ln>
+            <a:noFill/>
+          </a:ln>
+        </p:spPr>
+        <p:style>
+          <a:lnRef idx="2">
+            <a:schemeClr val="accent1">
+              <a:shade val="50000"/>
+            </a:schemeClr>
+          </a:lnRef>
+          <a:fillRef idx="1">
+            <a:schemeClr val="accent1"/>
+          </a:fillRef>
+          <a:effectRef idx="0">
+            <a:schemeClr val="accent1"/>
+          </a:effectRef>
+          <a:fontRef idx="minor">
+            <a:schemeClr val="lt1"/>
+          </a:fontRef>
+        </p:style>
+        <p:txBody>
+          <a:bodyPr rtlCol="0" anchor="ctr"/>
+          <a:lstStyle/>
+          <a:p>
+            <a:pPr algn="r"/>
+            <a:r>
+              <a:rPr lang="en-US" altLang="ko-KR" dirty="0">
+                <a:solidFill>
+                  <a:schemeClr val="tx1"/>
+                </a:solidFill>
+              </a:rPr>
+              <a:t>A</a:t>
+            </a:r>
+            <a:endParaRPr lang="ko-KR" altLang="en-US" dirty="0">
+              <a:solidFill>
+                <a:schemeClr val="tx1"/>
+              </a:solidFill>
+            </a:endParaRPr>
+          </a:p>
+        </p:txBody>
+      </p:sp>
+      <p:sp>
+        <p:nvSpPr>
+          <p:cNvPr id="25" name="직사각형 24">
+            <a:extLst>
+              <a:ext uri="{FF2B5EF4-FFF2-40B4-BE49-F238E27FC236}">
+                <a16:creationId xmlns:a16="http://schemas.microsoft.com/office/drawing/2014/main" id="{E3ED07ED-4A4E-41CF-B226-4C014BEE7C6E}"/>
+              </a:ext>
+            </a:extLst>
+          </p:cNvPr>
+          <p:cNvSpPr/>
+          <p:nvPr/>
+        </p:nvSpPr>
+        <p:spPr>
+          <a:xfrm>
+            <a:off x="9636610" y="2817792"/>
+            <a:ext cx="399494" cy="452761"/>
+          </a:xfrm>
+          <a:prstGeom prst="rect">
+            <a:avLst/>
+          </a:prstGeom>
+          <a:noFill/>
+        </p:spPr>
+        <p:style>
+          <a:lnRef idx="2">
+            <a:schemeClr val="accent1">
+              <a:shade val="50000"/>
+            </a:schemeClr>
+          </a:lnRef>
+          <a:fillRef idx="1">
+            <a:schemeClr val="accent1"/>
+          </a:fillRef>
+          <a:effectRef idx="0">
+            <a:schemeClr val="accent1"/>
+          </a:effectRef>
+          <a:fontRef idx="minor">
+            <a:schemeClr val="lt1"/>
+          </a:fontRef>
+        </p:style>
+        <p:txBody>
+          <a:bodyPr rtlCol="0" anchor="ctr"/>
+          <a:lstStyle/>
+          <a:p>
+            <a:pPr algn="ctr"/>
+            <a:r>
+              <a:rPr lang="en-US" altLang="ko-KR">
+                <a:solidFill>
+                  <a:schemeClr val="bg2"/>
+                </a:solidFill>
+              </a:rPr>
+              <a:t>2</a:t>
+            </a:r>
+            <a:endParaRPr lang="ko-KR" altLang="en-US" dirty="0">
+              <a:solidFill>
+                <a:schemeClr val="bg2"/>
+              </a:solidFill>
+            </a:endParaRPr>
+          </a:p>
+        </p:txBody>
+      </p:sp>
+      <p:sp>
+        <p:nvSpPr>
+          <p:cNvPr id="26" name="직사각형 25">
+            <a:extLst>
+              <a:ext uri="{FF2B5EF4-FFF2-40B4-BE49-F238E27FC236}">
+                <a16:creationId xmlns:a16="http://schemas.microsoft.com/office/drawing/2014/main" id="{56ECA6C3-A940-4F53-9668-E6653893190F}"/>
+              </a:ext>
+            </a:extLst>
+          </p:cNvPr>
+          <p:cNvSpPr/>
+          <p:nvPr/>
+        </p:nvSpPr>
+        <p:spPr>
+          <a:xfrm>
+            <a:off x="10107127" y="2817792"/>
+            <a:ext cx="399494" cy="452761"/>
+          </a:xfrm>
+          <a:prstGeom prst="rect">
+            <a:avLst/>
+          </a:prstGeom>
+          <a:noFill/>
+        </p:spPr>
+        <p:style>
+          <a:lnRef idx="2">
+            <a:schemeClr val="accent1">
+              <a:shade val="50000"/>
+            </a:schemeClr>
+          </a:lnRef>
+          <a:fillRef idx="1">
+            <a:schemeClr val="accent1"/>
+          </a:fillRef>
+          <a:effectRef idx="0">
+            <a:schemeClr val="accent1"/>
+          </a:effectRef>
+          <a:fontRef idx="minor">
+            <a:schemeClr val="lt1"/>
+          </a:fontRef>
+        </p:style>
+        <p:txBody>
+          <a:bodyPr rtlCol="0" anchor="ctr"/>
+          <a:lstStyle/>
+          <a:p>
+            <a:pPr algn="ctr"/>
+            <a:r>
+              <a:rPr lang="en-US" altLang="ko-KR">
+                <a:solidFill>
+                  <a:schemeClr val="bg2"/>
+                </a:solidFill>
+              </a:rPr>
+              <a:t>1</a:t>
+            </a:r>
+            <a:endParaRPr lang="ko-KR" altLang="en-US" dirty="0">
+              <a:solidFill>
+                <a:schemeClr val="bg2"/>
+              </a:solidFill>
+            </a:endParaRPr>
+          </a:p>
+        </p:txBody>
+      </p:sp>
+      <p:sp>
+        <p:nvSpPr>
+          <p:cNvPr id="27" name="직사각형 26">
+            <a:extLst>
+              <a:ext uri="{FF2B5EF4-FFF2-40B4-BE49-F238E27FC236}">
+                <a16:creationId xmlns:a16="http://schemas.microsoft.com/office/drawing/2014/main" id="{8D4761F3-F87E-4D02-A0DC-88DC4E056F38}"/>
+              </a:ext>
+            </a:extLst>
+          </p:cNvPr>
+          <p:cNvSpPr/>
+          <p:nvPr/>
+        </p:nvSpPr>
+        <p:spPr>
+          <a:xfrm>
+            <a:off x="10590961" y="2817792"/>
+            <a:ext cx="399494" cy="452761"/>
+          </a:xfrm>
+          <a:prstGeom prst="rect">
+            <a:avLst/>
+          </a:prstGeom>
+          <a:noFill/>
+        </p:spPr>
+        <p:style>
+          <a:lnRef idx="2">
+            <a:schemeClr val="accent1">
+              <a:shade val="50000"/>
+            </a:schemeClr>
+          </a:lnRef>
+          <a:fillRef idx="1">
+            <a:schemeClr val="accent1"/>
+          </a:fillRef>
+          <a:effectRef idx="0">
+            <a:schemeClr val="accent1"/>
+          </a:effectRef>
+          <a:fontRef idx="minor">
+            <a:schemeClr val="lt1"/>
+          </a:fontRef>
+        </p:style>
+        <p:txBody>
+          <a:bodyPr rtlCol="0" anchor="ctr"/>
+          <a:lstStyle/>
+          <a:p>
+            <a:pPr algn="ctr"/>
+            <a:r>
+              <a:rPr lang="en-US" altLang="ko-KR">
+                <a:solidFill>
+                  <a:schemeClr val="bg2"/>
+                </a:solidFill>
+              </a:rPr>
+              <a:t>3</a:t>
+            </a:r>
+            <a:endParaRPr lang="ko-KR" altLang="en-US" dirty="0">
+              <a:solidFill>
+                <a:schemeClr val="bg2"/>
+              </a:solidFill>
+            </a:endParaRPr>
+          </a:p>
+        </p:txBody>
+      </p:sp>
+      <p:sp>
+        <p:nvSpPr>
+          <p:cNvPr id="28" name="직사각형 27">
+            <a:extLst>
+              <a:ext uri="{FF2B5EF4-FFF2-40B4-BE49-F238E27FC236}">
+                <a16:creationId xmlns:a16="http://schemas.microsoft.com/office/drawing/2014/main" id="{C079F0C0-7BE4-47E6-8014-2C78AFDC5B91}"/>
+              </a:ext>
+            </a:extLst>
+          </p:cNvPr>
+          <p:cNvSpPr/>
+          <p:nvPr/>
+        </p:nvSpPr>
+        <p:spPr>
+          <a:xfrm>
+            <a:off x="11074795" y="2817792"/>
+            <a:ext cx="399494" cy="452761"/>
+          </a:xfrm>
+          <a:prstGeom prst="rect">
+            <a:avLst/>
+          </a:prstGeom>
+          <a:noFill/>
+        </p:spPr>
+        <p:style>
+          <a:lnRef idx="2">
+            <a:schemeClr val="accent1">
+              <a:shade val="50000"/>
+            </a:schemeClr>
+          </a:lnRef>
+          <a:fillRef idx="1">
+            <a:schemeClr val="accent1"/>
+          </a:fillRef>
+          <a:effectRef idx="0">
+            <a:schemeClr val="accent1"/>
+          </a:effectRef>
+          <a:fontRef idx="minor">
+            <a:schemeClr val="lt1"/>
+          </a:fontRef>
+        </p:style>
+        <p:txBody>
+          <a:bodyPr rtlCol="0" anchor="ctr"/>
+          <a:lstStyle/>
+          <a:p>
+            <a:pPr algn="ctr"/>
+            <a:r>
+              <a:rPr lang="en-US" altLang="ko-KR" dirty="0">
+                <a:solidFill>
+                  <a:schemeClr val="tx1"/>
+                </a:solidFill>
+              </a:rPr>
+              <a:t>5</a:t>
+            </a:r>
+            <a:endParaRPr lang="ko-KR" altLang="en-US" dirty="0">
+              <a:solidFill>
+                <a:schemeClr val="tx1"/>
+              </a:solidFill>
+            </a:endParaRPr>
+          </a:p>
+        </p:txBody>
+      </p:sp>
+      <p:sp>
+        <p:nvSpPr>
+          <p:cNvPr id="29" name="직사각형 28">
+            <a:extLst>
+              <a:ext uri="{FF2B5EF4-FFF2-40B4-BE49-F238E27FC236}">
+                <a16:creationId xmlns:a16="http://schemas.microsoft.com/office/drawing/2014/main" id="{26635910-DF5C-4A24-BFAA-5C36BDAC5E7B}"/>
+              </a:ext>
+            </a:extLst>
+          </p:cNvPr>
+          <p:cNvSpPr/>
+          <p:nvPr/>
+        </p:nvSpPr>
+        <p:spPr>
+          <a:xfrm>
+            <a:off x="11558629" y="2817792"/>
+            <a:ext cx="399494" cy="452761"/>
+          </a:xfrm>
+          <a:prstGeom prst="rect">
+            <a:avLst/>
+          </a:prstGeom>
+          <a:noFill/>
+        </p:spPr>
+        <p:style>
+          <a:lnRef idx="2">
+            <a:schemeClr val="accent1">
+              <a:shade val="50000"/>
+            </a:schemeClr>
+          </a:lnRef>
+          <a:fillRef idx="1">
+            <a:schemeClr val="accent1"/>
+          </a:fillRef>
+          <a:effectRef idx="0">
+            <a:schemeClr val="accent1"/>
+          </a:effectRef>
+          <a:fontRef idx="minor">
+            <a:schemeClr val="lt1"/>
+          </a:fontRef>
+        </p:style>
+        <p:txBody>
+          <a:bodyPr rtlCol="0" anchor="ctr"/>
+          <a:lstStyle/>
+          <a:p>
+            <a:pPr algn="ctr"/>
+            <a:r>
+              <a:rPr lang="en-US" altLang="ko-KR" dirty="0">
+                <a:solidFill>
+                  <a:schemeClr val="tx1"/>
+                </a:solidFill>
+              </a:rPr>
+              <a:t>6</a:t>
+            </a:r>
+            <a:endParaRPr lang="ko-KR" altLang="en-US" dirty="0">
+              <a:solidFill>
+                <a:schemeClr val="tx1"/>
+              </a:solidFill>
+            </a:endParaRPr>
+          </a:p>
+        </p:txBody>
+      </p:sp>
+      <p:sp>
+        <p:nvSpPr>
+          <p:cNvPr id="30" name="직사각형 29">
+            <a:extLst>
+              <a:ext uri="{FF2B5EF4-FFF2-40B4-BE49-F238E27FC236}">
+                <a16:creationId xmlns:a16="http://schemas.microsoft.com/office/drawing/2014/main" id="{E17134EC-E220-4F01-A0E0-56DBE5DC0F40}"/>
+              </a:ext>
+            </a:extLst>
+          </p:cNvPr>
+          <p:cNvSpPr/>
+          <p:nvPr/>
+        </p:nvSpPr>
+        <p:spPr>
+          <a:xfrm>
+            <a:off x="9152255" y="2792509"/>
+            <a:ext cx="399494" cy="452761"/>
+          </a:xfrm>
+          <a:prstGeom prst="rect">
+            <a:avLst/>
+          </a:prstGeom>
+          <a:noFill/>
+          <a:ln>
+            <a:noFill/>
+          </a:ln>
+        </p:spPr>
+        <p:style>
+          <a:lnRef idx="2">
+            <a:schemeClr val="accent1">
+              <a:shade val="50000"/>
+            </a:schemeClr>
+          </a:lnRef>
+          <a:fillRef idx="1">
+            <a:schemeClr val="accent1"/>
+          </a:fillRef>
+          <a:effectRef idx="0">
+            <a:schemeClr val="accent1"/>
+          </a:effectRef>
+          <a:fontRef idx="minor">
+            <a:schemeClr val="lt1"/>
+          </a:fontRef>
+        </p:style>
+        <p:txBody>
+          <a:bodyPr rtlCol="0" anchor="ctr"/>
+          <a:lstStyle/>
+          <a:p>
+            <a:pPr algn="r"/>
+            <a:r>
+              <a:rPr lang="en-US" altLang="ko-KR" dirty="0">
+                <a:solidFill>
+                  <a:schemeClr val="tx1"/>
+                </a:solidFill>
+              </a:rPr>
+              <a:t>A</a:t>
+            </a:r>
+            <a:endParaRPr lang="ko-KR" altLang="en-US" dirty="0">
+              <a:solidFill>
+                <a:schemeClr val="tx1"/>
+              </a:solidFill>
+            </a:endParaRPr>
+          </a:p>
+        </p:txBody>
+      </p:sp>
+      <p:sp>
+        <p:nvSpPr>
+          <p:cNvPr id="31" name="직사각형 30">
+            <a:extLst>
+              <a:ext uri="{FF2B5EF4-FFF2-40B4-BE49-F238E27FC236}">
+                <a16:creationId xmlns:a16="http://schemas.microsoft.com/office/drawing/2014/main" id="{0D60D501-DCCA-40E9-A46B-113CBD5CF815}"/>
+              </a:ext>
+            </a:extLst>
+          </p:cNvPr>
+          <p:cNvSpPr/>
+          <p:nvPr/>
+        </p:nvSpPr>
+        <p:spPr>
+          <a:xfrm>
+            <a:off x="9636610" y="3347061"/>
+            <a:ext cx="399494" cy="452761"/>
+          </a:xfrm>
+          <a:prstGeom prst="rect">
+            <a:avLst/>
+          </a:prstGeom>
+          <a:noFill/>
+        </p:spPr>
+        <p:style>
+          <a:lnRef idx="2">
+            <a:schemeClr val="accent1">
+              <a:shade val="50000"/>
+            </a:schemeClr>
+          </a:lnRef>
+          <a:fillRef idx="1">
+            <a:schemeClr val="accent1"/>
+          </a:fillRef>
+          <a:effectRef idx="0">
+            <a:schemeClr val="accent1"/>
+          </a:effectRef>
+          <a:fontRef idx="minor">
+            <a:schemeClr val="lt1"/>
+          </a:fontRef>
+        </p:style>
+        <p:txBody>
+          <a:bodyPr rtlCol="0" anchor="ctr"/>
+          <a:lstStyle/>
+          <a:p>
+            <a:pPr algn="ctr"/>
+            <a:r>
+              <a:rPr lang="en-US" altLang="ko-KR">
+                <a:solidFill>
+                  <a:schemeClr val="tx1"/>
+                </a:solidFill>
+              </a:rPr>
+              <a:t>2</a:t>
+            </a:r>
+            <a:endParaRPr lang="ko-KR" altLang="en-US" dirty="0">
+              <a:solidFill>
+                <a:schemeClr val="tx1"/>
+              </a:solidFill>
+            </a:endParaRPr>
+          </a:p>
+        </p:txBody>
+      </p:sp>
+      <p:sp>
+        <p:nvSpPr>
+          <p:cNvPr id="32" name="직사각형 31">
+            <a:extLst>
+              <a:ext uri="{FF2B5EF4-FFF2-40B4-BE49-F238E27FC236}">
+                <a16:creationId xmlns:a16="http://schemas.microsoft.com/office/drawing/2014/main" id="{64FCFD03-6F69-4BBE-9A5A-05D66E010B21}"/>
+              </a:ext>
+            </a:extLst>
+          </p:cNvPr>
+          <p:cNvSpPr/>
+          <p:nvPr/>
+        </p:nvSpPr>
+        <p:spPr>
+          <a:xfrm>
+            <a:off x="10107127" y="3347061"/>
+            <a:ext cx="399494" cy="452761"/>
+          </a:xfrm>
+          <a:prstGeom prst="rect">
+            <a:avLst/>
+          </a:prstGeom>
+          <a:noFill/>
+        </p:spPr>
+        <p:style>
+          <a:lnRef idx="2">
+            <a:schemeClr val="accent1">
+              <a:shade val="50000"/>
+            </a:schemeClr>
+          </a:lnRef>
+          <a:fillRef idx="1">
+            <a:schemeClr val="accent1"/>
+          </a:fillRef>
+          <a:effectRef idx="0">
+            <a:schemeClr val="accent1"/>
+          </a:effectRef>
+          <a:fontRef idx="minor">
+            <a:schemeClr val="lt1"/>
+          </a:fontRef>
+        </p:style>
+        <p:txBody>
+          <a:bodyPr rtlCol="0" anchor="ctr"/>
+          <a:lstStyle/>
+          <a:p>
+            <a:pPr algn="ctr"/>
+            <a:r>
+              <a:rPr lang="en-US" altLang="ko-KR">
+                <a:solidFill>
+                  <a:schemeClr val="tx1"/>
+                </a:solidFill>
+              </a:rPr>
+              <a:t>1</a:t>
+            </a:r>
+            <a:endParaRPr lang="ko-KR" altLang="en-US" dirty="0">
+              <a:solidFill>
+                <a:schemeClr val="tx1"/>
+              </a:solidFill>
+            </a:endParaRPr>
+          </a:p>
+        </p:txBody>
+      </p:sp>
+      <p:sp>
+        <p:nvSpPr>
+          <p:cNvPr id="33" name="직사각형 32">
+            <a:extLst>
+              <a:ext uri="{FF2B5EF4-FFF2-40B4-BE49-F238E27FC236}">
+                <a16:creationId xmlns:a16="http://schemas.microsoft.com/office/drawing/2014/main" id="{55466336-921B-4976-BF10-735E6702F0C6}"/>
+              </a:ext>
+            </a:extLst>
+          </p:cNvPr>
+          <p:cNvSpPr/>
+          <p:nvPr/>
+        </p:nvSpPr>
+        <p:spPr>
+          <a:xfrm>
+            <a:off x="10590961" y="3347061"/>
+            <a:ext cx="399494" cy="452761"/>
+          </a:xfrm>
+          <a:prstGeom prst="rect">
+            <a:avLst/>
+          </a:prstGeom>
+          <a:noFill/>
+        </p:spPr>
+        <p:style>
+          <a:lnRef idx="2">
+            <a:schemeClr val="accent1">
+              <a:shade val="50000"/>
+            </a:schemeClr>
+          </a:lnRef>
+          <a:fillRef idx="1">
+            <a:schemeClr val="accent1"/>
+          </a:fillRef>
+          <a:effectRef idx="0">
+            <a:schemeClr val="accent1"/>
+          </a:effectRef>
+          <a:fontRef idx="minor">
+            <a:schemeClr val="lt1"/>
+          </a:fontRef>
+        </p:style>
+        <p:txBody>
+          <a:bodyPr rtlCol="0" anchor="ctr"/>
+          <a:lstStyle/>
+          <a:p>
+            <a:pPr algn="ctr"/>
+            <a:r>
+              <a:rPr lang="en-US" altLang="ko-KR">
+                <a:solidFill>
+                  <a:schemeClr val="tx1"/>
+                </a:solidFill>
+              </a:rPr>
+              <a:t>3</a:t>
+            </a:r>
+            <a:endParaRPr lang="ko-KR" altLang="en-US" dirty="0">
+              <a:solidFill>
+                <a:schemeClr val="tx1"/>
+              </a:solidFill>
+            </a:endParaRPr>
+          </a:p>
+        </p:txBody>
+      </p:sp>
+      <p:sp>
+        <p:nvSpPr>
+          <p:cNvPr id="34" name="직사각형 33">
+            <a:extLst>
+              <a:ext uri="{FF2B5EF4-FFF2-40B4-BE49-F238E27FC236}">
+                <a16:creationId xmlns:a16="http://schemas.microsoft.com/office/drawing/2014/main" id="{F1E88A50-8A71-4E4C-99FB-D9E2D3F5008E}"/>
+              </a:ext>
+            </a:extLst>
+          </p:cNvPr>
+          <p:cNvSpPr/>
+          <p:nvPr/>
+        </p:nvSpPr>
+        <p:spPr>
+          <a:xfrm>
+            <a:off x="11074795" y="3347061"/>
+            <a:ext cx="399494" cy="452761"/>
+          </a:xfrm>
+          <a:prstGeom prst="rect">
+            <a:avLst/>
+          </a:prstGeom>
+          <a:noFill/>
+        </p:spPr>
+        <p:style>
+          <a:lnRef idx="2">
+            <a:schemeClr val="accent1">
+              <a:shade val="50000"/>
+            </a:schemeClr>
+          </a:lnRef>
+          <a:fillRef idx="1">
+            <a:schemeClr val="accent1"/>
+          </a:fillRef>
+          <a:effectRef idx="0">
+            <a:schemeClr val="accent1"/>
+          </a:effectRef>
+          <a:fontRef idx="minor">
+            <a:schemeClr val="lt1"/>
+          </a:fontRef>
+        </p:style>
+        <p:txBody>
+          <a:bodyPr rtlCol="0" anchor="ctr"/>
+          <a:lstStyle/>
+          <a:p>
+            <a:pPr algn="ctr"/>
+            <a:r>
+              <a:rPr lang="en-US" altLang="ko-KR" dirty="0">
+                <a:solidFill>
+                  <a:schemeClr val="tx1"/>
+                </a:solidFill>
+              </a:rPr>
+              <a:t>5</a:t>
+            </a:r>
+            <a:endParaRPr lang="ko-KR" altLang="en-US" dirty="0">
+              <a:solidFill>
+                <a:schemeClr val="tx1"/>
+              </a:solidFill>
+            </a:endParaRPr>
+          </a:p>
+        </p:txBody>
+      </p:sp>
+      <p:sp>
+        <p:nvSpPr>
+          <p:cNvPr id="35" name="직사각형 34">
+            <a:extLst>
+              <a:ext uri="{FF2B5EF4-FFF2-40B4-BE49-F238E27FC236}">
+                <a16:creationId xmlns:a16="http://schemas.microsoft.com/office/drawing/2014/main" id="{71B2671B-F073-41B1-B327-B8BA2E0CB4D0}"/>
+              </a:ext>
+            </a:extLst>
+          </p:cNvPr>
+          <p:cNvSpPr/>
+          <p:nvPr/>
+        </p:nvSpPr>
+        <p:spPr>
+          <a:xfrm>
+            <a:off x="11558629" y="3347061"/>
+            <a:ext cx="399494" cy="452761"/>
+          </a:xfrm>
+          <a:prstGeom prst="rect">
+            <a:avLst/>
+          </a:prstGeom>
+          <a:noFill/>
+        </p:spPr>
+        <p:style>
+          <a:lnRef idx="2">
+            <a:schemeClr val="accent1">
+              <a:shade val="50000"/>
+            </a:schemeClr>
+          </a:lnRef>
+          <a:fillRef idx="1">
+            <a:schemeClr val="accent1"/>
+          </a:fillRef>
+          <a:effectRef idx="0">
+            <a:schemeClr val="accent1"/>
+          </a:effectRef>
+          <a:fontRef idx="minor">
+            <a:schemeClr val="lt1"/>
+          </a:fontRef>
+        </p:style>
+        <p:txBody>
+          <a:bodyPr rtlCol="0" anchor="ctr"/>
+          <a:lstStyle/>
+          <a:p>
+            <a:pPr algn="ctr"/>
+            <a:r>
+              <a:rPr lang="en-US" altLang="ko-KR" dirty="0">
+                <a:solidFill>
+                  <a:srgbClr val="FF0000"/>
+                </a:solidFill>
+              </a:rPr>
+              <a:t>6</a:t>
+            </a:r>
+            <a:endParaRPr lang="ko-KR" altLang="en-US" dirty="0">
+              <a:solidFill>
+                <a:srgbClr val="FF0000"/>
+              </a:solidFill>
+            </a:endParaRPr>
+          </a:p>
+        </p:txBody>
+      </p:sp>
+      <p:sp>
+        <p:nvSpPr>
+          <p:cNvPr id="36" name="직사각형 35">
+            <a:extLst>
+              <a:ext uri="{FF2B5EF4-FFF2-40B4-BE49-F238E27FC236}">
+                <a16:creationId xmlns:a16="http://schemas.microsoft.com/office/drawing/2014/main" id="{608DBE18-3994-4855-8B18-BE4BD597B6AE}"/>
+              </a:ext>
+            </a:extLst>
+          </p:cNvPr>
+          <p:cNvSpPr/>
+          <p:nvPr/>
+        </p:nvSpPr>
+        <p:spPr>
+          <a:xfrm>
+            <a:off x="9152255" y="3321778"/>
+            <a:ext cx="399494" cy="452761"/>
+          </a:xfrm>
+          <a:prstGeom prst="rect">
+            <a:avLst/>
+          </a:prstGeom>
+          <a:noFill/>
+          <a:ln>
+            <a:noFill/>
+          </a:ln>
+        </p:spPr>
+        <p:style>
+          <a:lnRef idx="2">
+            <a:schemeClr val="accent1">
+              <a:shade val="50000"/>
+            </a:schemeClr>
+          </a:lnRef>
+          <a:fillRef idx="1">
+            <a:schemeClr val="accent1"/>
+          </a:fillRef>
+          <a:effectRef idx="0">
+            <a:schemeClr val="accent1"/>
+          </a:effectRef>
+          <a:fontRef idx="minor">
+            <a:schemeClr val="lt1"/>
+          </a:fontRef>
+        </p:style>
+        <p:txBody>
+          <a:bodyPr rtlCol="0" anchor="ctr"/>
+          <a:lstStyle/>
+          <a:p>
+            <a:pPr algn="r"/>
+            <a:r>
+              <a:rPr lang="en-US" altLang="ko-KR" dirty="0">
+                <a:solidFill>
+                  <a:schemeClr val="tx1"/>
+                </a:solidFill>
+              </a:rPr>
+              <a:t>A</a:t>
+            </a:r>
+            <a:endParaRPr lang="ko-KR" altLang="en-US" dirty="0">
+              <a:solidFill>
+                <a:schemeClr val="tx1"/>
+              </a:solidFill>
+            </a:endParaRPr>
+          </a:p>
+        </p:txBody>
+      </p:sp>
+      <p:sp>
+        <p:nvSpPr>
+          <p:cNvPr id="37" name="직사각형 36">
+            <a:extLst>
+              <a:ext uri="{FF2B5EF4-FFF2-40B4-BE49-F238E27FC236}">
+                <a16:creationId xmlns:a16="http://schemas.microsoft.com/office/drawing/2014/main" id="{F2228598-9D0C-4D94-9474-01D90ACCA465}"/>
+              </a:ext>
+            </a:extLst>
+          </p:cNvPr>
+          <p:cNvSpPr/>
+          <p:nvPr/>
+        </p:nvSpPr>
+        <p:spPr>
+          <a:xfrm>
+            <a:off x="6717461" y="1255927"/>
+            <a:ext cx="399494" cy="452761"/>
+          </a:xfrm>
+          <a:prstGeom prst="rect">
+            <a:avLst/>
+          </a:prstGeom>
+          <a:noFill/>
+        </p:spPr>
+        <p:style>
+          <a:lnRef idx="2">
+            <a:schemeClr val="accent1">
+              <a:shade val="50000"/>
+            </a:schemeClr>
+          </a:lnRef>
+          <a:fillRef idx="1">
+            <a:schemeClr val="accent1"/>
+          </a:fillRef>
+          <a:effectRef idx="0">
+            <a:schemeClr val="accent1"/>
+          </a:effectRef>
+          <a:fontRef idx="minor">
+            <a:schemeClr val="lt1"/>
+          </a:fontRef>
+        </p:style>
+        <p:txBody>
+          <a:bodyPr rtlCol="0" anchor="ctr"/>
+          <a:lstStyle/>
+          <a:p>
+            <a:pPr algn="ctr"/>
+            <a:r>
+              <a:rPr lang="en-US" altLang="ko-KR">
+                <a:solidFill>
+                  <a:schemeClr val="tx1"/>
+                </a:solidFill>
+              </a:rPr>
+              <a:t>2</a:t>
+            </a:r>
+            <a:endParaRPr lang="ko-KR" altLang="en-US" dirty="0">
+              <a:solidFill>
+                <a:schemeClr val="tx1"/>
+              </a:solidFill>
+            </a:endParaRPr>
+          </a:p>
+        </p:txBody>
+      </p:sp>
+      <p:sp>
+        <p:nvSpPr>
+          <p:cNvPr id="38" name="직사각형 37">
+            <a:extLst>
+              <a:ext uri="{FF2B5EF4-FFF2-40B4-BE49-F238E27FC236}">
+                <a16:creationId xmlns:a16="http://schemas.microsoft.com/office/drawing/2014/main" id="{70D19AC7-F52C-4E6F-B3C9-E81CF6904D66}"/>
+              </a:ext>
+            </a:extLst>
+          </p:cNvPr>
+          <p:cNvSpPr/>
+          <p:nvPr/>
+        </p:nvSpPr>
+        <p:spPr>
+          <a:xfrm>
+            <a:off x="7187978" y="1255927"/>
+            <a:ext cx="399494" cy="452761"/>
+          </a:xfrm>
+          <a:prstGeom prst="rect">
+            <a:avLst/>
+          </a:prstGeom>
+          <a:noFill/>
+        </p:spPr>
+        <p:style>
+          <a:lnRef idx="2">
+            <a:schemeClr val="accent1">
+              <a:shade val="50000"/>
+            </a:schemeClr>
+          </a:lnRef>
+          <a:fillRef idx="1">
+            <a:schemeClr val="accent1"/>
+          </a:fillRef>
+          <a:effectRef idx="0">
+            <a:schemeClr val="accent1"/>
+          </a:effectRef>
+          <a:fontRef idx="minor">
+            <a:schemeClr val="lt1"/>
+          </a:fontRef>
+        </p:style>
+        <p:txBody>
+          <a:bodyPr rtlCol="0" anchor="ctr"/>
+          <a:lstStyle/>
+          <a:p>
+            <a:pPr algn="ctr"/>
+            <a:r>
+              <a:rPr lang="en-US" altLang="ko-KR">
+                <a:solidFill>
+                  <a:schemeClr val="tx1"/>
+                </a:solidFill>
+              </a:rPr>
+              <a:t>1</a:t>
+            </a:r>
+            <a:endParaRPr lang="ko-KR" altLang="en-US" dirty="0">
+              <a:solidFill>
+                <a:schemeClr val="tx1"/>
+              </a:solidFill>
+            </a:endParaRPr>
+          </a:p>
+        </p:txBody>
+      </p:sp>
+      <p:sp>
+        <p:nvSpPr>
+          <p:cNvPr id="39" name="직사각형 38">
+            <a:extLst>
+              <a:ext uri="{FF2B5EF4-FFF2-40B4-BE49-F238E27FC236}">
+                <a16:creationId xmlns:a16="http://schemas.microsoft.com/office/drawing/2014/main" id="{6BAC7848-ADC4-47FC-A0FF-B4705AA48A2A}"/>
+              </a:ext>
+            </a:extLst>
+          </p:cNvPr>
+          <p:cNvSpPr/>
+          <p:nvPr/>
+        </p:nvSpPr>
+        <p:spPr>
+          <a:xfrm>
+            <a:off x="7671812" y="1255927"/>
+            <a:ext cx="399494" cy="452761"/>
+          </a:xfrm>
+          <a:prstGeom prst="rect">
+            <a:avLst/>
+          </a:prstGeom>
+          <a:noFill/>
+        </p:spPr>
+        <p:style>
+          <a:lnRef idx="2">
+            <a:schemeClr val="accent1">
+              <a:shade val="50000"/>
+            </a:schemeClr>
+          </a:lnRef>
+          <a:fillRef idx="1">
+            <a:schemeClr val="accent1"/>
+          </a:fillRef>
+          <a:effectRef idx="0">
+            <a:schemeClr val="accent1"/>
+          </a:effectRef>
+          <a:fontRef idx="minor">
+            <a:schemeClr val="lt1"/>
+          </a:fontRef>
+        </p:style>
+        <p:txBody>
+          <a:bodyPr rtlCol="0" anchor="ctr"/>
+          <a:lstStyle/>
+          <a:p>
+            <a:pPr algn="ctr"/>
+            <a:r>
+              <a:rPr lang="en-US" altLang="ko-KR">
+                <a:solidFill>
+                  <a:schemeClr val="bg2"/>
+                </a:solidFill>
+              </a:rPr>
+              <a:t>3</a:t>
+            </a:r>
+            <a:endParaRPr lang="ko-KR" altLang="en-US" dirty="0">
+              <a:solidFill>
+                <a:schemeClr val="bg2"/>
+              </a:solidFill>
+            </a:endParaRPr>
+          </a:p>
+        </p:txBody>
+      </p:sp>
+      <p:sp>
+        <p:nvSpPr>
+          <p:cNvPr id="40" name="직사각형 39">
+            <a:extLst>
+              <a:ext uri="{FF2B5EF4-FFF2-40B4-BE49-F238E27FC236}">
+                <a16:creationId xmlns:a16="http://schemas.microsoft.com/office/drawing/2014/main" id="{8C136AB7-E0AC-4F7B-9922-BD1342B61492}"/>
+              </a:ext>
+            </a:extLst>
+          </p:cNvPr>
+          <p:cNvSpPr/>
+          <p:nvPr/>
+        </p:nvSpPr>
+        <p:spPr>
+          <a:xfrm>
+            <a:off x="8155646" y="1255927"/>
+            <a:ext cx="399494" cy="452761"/>
+          </a:xfrm>
+          <a:prstGeom prst="rect">
+            <a:avLst/>
+          </a:prstGeom>
+          <a:noFill/>
+        </p:spPr>
+        <p:style>
+          <a:lnRef idx="2">
+            <a:schemeClr val="accent1">
+              <a:shade val="50000"/>
+            </a:schemeClr>
+          </a:lnRef>
+          <a:fillRef idx="1">
+            <a:schemeClr val="accent1"/>
+          </a:fillRef>
+          <a:effectRef idx="0">
+            <a:schemeClr val="accent1"/>
+          </a:effectRef>
+          <a:fontRef idx="minor">
+            <a:schemeClr val="lt1"/>
+          </a:fontRef>
+        </p:style>
+        <p:txBody>
+          <a:bodyPr rtlCol="0" anchor="ctr"/>
+          <a:lstStyle/>
+          <a:p>
+            <a:pPr algn="ctr"/>
+            <a:r>
+              <a:rPr lang="en-US" altLang="ko-KR" dirty="0">
+                <a:solidFill>
+                  <a:schemeClr val="bg2"/>
+                </a:solidFill>
+              </a:rPr>
+              <a:t>5</a:t>
+            </a:r>
+            <a:endParaRPr lang="ko-KR" altLang="en-US" dirty="0">
+              <a:solidFill>
+                <a:schemeClr val="bg2"/>
+              </a:solidFill>
+            </a:endParaRPr>
+          </a:p>
+        </p:txBody>
+      </p:sp>
+      <p:sp>
+        <p:nvSpPr>
+          <p:cNvPr id="41" name="직사각형 40">
+            <a:extLst>
+              <a:ext uri="{FF2B5EF4-FFF2-40B4-BE49-F238E27FC236}">
+                <a16:creationId xmlns:a16="http://schemas.microsoft.com/office/drawing/2014/main" id="{DA5A5205-E604-4301-AA81-6533CC93ABFE}"/>
+              </a:ext>
+            </a:extLst>
+          </p:cNvPr>
+          <p:cNvSpPr/>
+          <p:nvPr/>
+        </p:nvSpPr>
+        <p:spPr>
+          <a:xfrm>
+            <a:off x="6233106" y="1230644"/>
+            <a:ext cx="399494" cy="452761"/>
+          </a:xfrm>
+          <a:prstGeom prst="rect">
+            <a:avLst/>
+          </a:prstGeom>
+          <a:noFill/>
+          <a:ln>
+            <a:noFill/>
+          </a:ln>
+        </p:spPr>
+        <p:style>
+          <a:lnRef idx="2">
+            <a:schemeClr val="accent1">
+              <a:shade val="50000"/>
+            </a:schemeClr>
+          </a:lnRef>
+          <a:fillRef idx="1">
+            <a:schemeClr val="accent1"/>
+          </a:fillRef>
+          <a:effectRef idx="0">
+            <a:schemeClr val="accent1"/>
+          </a:effectRef>
+          <a:fontRef idx="minor">
+            <a:schemeClr val="lt1"/>
+          </a:fontRef>
+        </p:style>
+        <p:txBody>
+          <a:bodyPr rtlCol="0" anchor="ctr"/>
+          <a:lstStyle/>
+          <a:p>
+            <a:pPr algn="r"/>
+            <a:r>
+              <a:rPr lang="en-US" altLang="ko-KR" dirty="0">
+                <a:solidFill>
+                  <a:schemeClr val="tx1"/>
+                </a:solidFill>
+              </a:rPr>
+              <a:t>A</a:t>
+            </a:r>
+            <a:endParaRPr lang="ko-KR" altLang="en-US" dirty="0">
+              <a:solidFill>
+                <a:schemeClr val="tx1"/>
+              </a:solidFill>
+            </a:endParaRPr>
+          </a:p>
+        </p:txBody>
+      </p:sp>
+      <p:sp>
+        <p:nvSpPr>
+          <p:cNvPr id="42" name="직사각형 41">
+            <a:extLst>
+              <a:ext uri="{FF2B5EF4-FFF2-40B4-BE49-F238E27FC236}">
+                <a16:creationId xmlns:a16="http://schemas.microsoft.com/office/drawing/2014/main" id="{0980A389-6588-44CD-873D-17D3191998F3}"/>
+              </a:ext>
+            </a:extLst>
+          </p:cNvPr>
+          <p:cNvSpPr/>
+          <p:nvPr/>
+        </p:nvSpPr>
+        <p:spPr>
+          <a:xfrm>
+            <a:off x="6717461" y="1787859"/>
+            <a:ext cx="399494" cy="452761"/>
+          </a:xfrm>
+          <a:prstGeom prst="rect">
+            <a:avLst/>
+          </a:prstGeom>
+          <a:noFill/>
+        </p:spPr>
+        <p:style>
+          <a:lnRef idx="2">
+            <a:schemeClr val="accent1">
+              <a:shade val="50000"/>
+            </a:schemeClr>
+          </a:lnRef>
+          <a:fillRef idx="1">
+            <a:schemeClr val="accent1"/>
+          </a:fillRef>
+          <a:effectRef idx="0">
+            <a:schemeClr val="accent1"/>
+          </a:effectRef>
+          <a:fontRef idx="minor">
+            <a:schemeClr val="lt1"/>
+          </a:fontRef>
+        </p:style>
+        <p:txBody>
+          <a:bodyPr rtlCol="0" anchor="ctr"/>
+          <a:lstStyle/>
+          <a:p>
+            <a:pPr algn="ctr"/>
+            <a:r>
+              <a:rPr lang="en-US" altLang="ko-KR">
+                <a:solidFill>
+                  <a:schemeClr val="bg2"/>
+                </a:solidFill>
+              </a:rPr>
+              <a:t>1</a:t>
+            </a:r>
+            <a:endParaRPr lang="ko-KR" altLang="en-US" dirty="0">
+              <a:solidFill>
+                <a:schemeClr val="bg2"/>
+              </a:solidFill>
+            </a:endParaRPr>
+          </a:p>
+        </p:txBody>
+      </p:sp>
+      <p:sp>
+        <p:nvSpPr>
+          <p:cNvPr id="43" name="직사각형 42">
+            <a:extLst>
+              <a:ext uri="{FF2B5EF4-FFF2-40B4-BE49-F238E27FC236}">
+                <a16:creationId xmlns:a16="http://schemas.microsoft.com/office/drawing/2014/main" id="{0929ED07-5F7C-4560-9B17-F112E0938629}"/>
+              </a:ext>
+            </a:extLst>
+          </p:cNvPr>
+          <p:cNvSpPr/>
+          <p:nvPr/>
+        </p:nvSpPr>
+        <p:spPr>
+          <a:xfrm>
+            <a:off x="7187978" y="1787859"/>
+            <a:ext cx="399494" cy="452761"/>
+          </a:xfrm>
+          <a:prstGeom prst="rect">
+            <a:avLst/>
+          </a:prstGeom>
+          <a:noFill/>
+        </p:spPr>
+        <p:style>
+          <a:lnRef idx="2">
+            <a:schemeClr val="accent1">
+              <a:shade val="50000"/>
+            </a:schemeClr>
+          </a:lnRef>
+          <a:fillRef idx="1">
+            <a:schemeClr val="accent1"/>
+          </a:fillRef>
+          <a:effectRef idx="0">
+            <a:schemeClr val="accent1"/>
+          </a:effectRef>
+          <a:fontRef idx="minor">
+            <a:schemeClr val="lt1"/>
+          </a:fontRef>
+        </p:style>
+        <p:txBody>
+          <a:bodyPr rtlCol="0" anchor="ctr"/>
+          <a:lstStyle/>
+          <a:p>
+            <a:pPr algn="ctr"/>
+            <a:r>
+              <a:rPr lang="en-US" altLang="ko-KR">
+                <a:solidFill>
+                  <a:schemeClr val="tx1"/>
+                </a:solidFill>
+              </a:rPr>
+              <a:t>2</a:t>
+            </a:r>
+            <a:endParaRPr lang="ko-KR" altLang="en-US" dirty="0">
+              <a:solidFill>
+                <a:schemeClr val="tx1"/>
+              </a:solidFill>
+            </a:endParaRPr>
+          </a:p>
+        </p:txBody>
+      </p:sp>
+      <p:sp>
+        <p:nvSpPr>
+          <p:cNvPr id="44" name="직사각형 43">
+            <a:extLst>
+              <a:ext uri="{FF2B5EF4-FFF2-40B4-BE49-F238E27FC236}">
+                <a16:creationId xmlns:a16="http://schemas.microsoft.com/office/drawing/2014/main" id="{83DB1491-A40B-4747-AD85-E7396302CCFE}"/>
+              </a:ext>
+            </a:extLst>
+          </p:cNvPr>
+          <p:cNvSpPr/>
+          <p:nvPr/>
+        </p:nvSpPr>
+        <p:spPr>
+          <a:xfrm>
+            <a:off x="7671812" y="1787859"/>
+            <a:ext cx="399494" cy="452761"/>
+          </a:xfrm>
+          <a:prstGeom prst="rect">
+            <a:avLst/>
+          </a:prstGeom>
+          <a:noFill/>
+        </p:spPr>
+        <p:style>
+          <a:lnRef idx="2">
+            <a:schemeClr val="accent1">
+              <a:shade val="50000"/>
+            </a:schemeClr>
+          </a:lnRef>
+          <a:fillRef idx="1">
+            <a:schemeClr val="accent1"/>
+          </a:fillRef>
+          <a:effectRef idx="0">
+            <a:schemeClr val="accent1"/>
+          </a:effectRef>
+          <a:fontRef idx="minor">
+            <a:schemeClr val="lt1"/>
+          </a:fontRef>
+        </p:style>
+        <p:txBody>
+          <a:bodyPr rtlCol="0" anchor="ctr"/>
+          <a:lstStyle/>
+          <a:p>
+            <a:pPr algn="ctr"/>
+            <a:r>
+              <a:rPr lang="en-US" altLang="ko-KR">
+                <a:solidFill>
+                  <a:schemeClr val="tx1"/>
+                </a:solidFill>
+              </a:rPr>
+              <a:t>3</a:t>
+            </a:r>
+            <a:endParaRPr lang="ko-KR" altLang="en-US" dirty="0">
+              <a:solidFill>
+                <a:schemeClr val="tx1"/>
+              </a:solidFill>
+            </a:endParaRPr>
+          </a:p>
+        </p:txBody>
+      </p:sp>
+      <p:sp>
+        <p:nvSpPr>
+          <p:cNvPr id="45" name="직사각형 44">
+            <a:extLst>
+              <a:ext uri="{FF2B5EF4-FFF2-40B4-BE49-F238E27FC236}">
+                <a16:creationId xmlns:a16="http://schemas.microsoft.com/office/drawing/2014/main" id="{C5F24BDD-C9A7-401A-B676-E964F2F29B46}"/>
+              </a:ext>
+            </a:extLst>
+          </p:cNvPr>
+          <p:cNvSpPr/>
+          <p:nvPr/>
+        </p:nvSpPr>
+        <p:spPr>
+          <a:xfrm>
+            <a:off x="8155646" y="1787859"/>
+            <a:ext cx="399494" cy="452761"/>
+          </a:xfrm>
+          <a:prstGeom prst="rect">
+            <a:avLst/>
+          </a:prstGeom>
+          <a:noFill/>
+        </p:spPr>
+        <p:style>
+          <a:lnRef idx="2">
+            <a:schemeClr val="accent1">
+              <a:shade val="50000"/>
+            </a:schemeClr>
+          </a:lnRef>
+          <a:fillRef idx="1">
+            <a:schemeClr val="accent1"/>
+          </a:fillRef>
+          <a:effectRef idx="0">
+            <a:schemeClr val="accent1"/>
+          </a:effectRef>
+          <a:fontRef idx="minor">
+            <a:schemeClr val="lt1"/>
+          </a:fontRef>
+        </p:style>
+        <p:txBody>
+          <a:bodyPr rtlCol="0" anchor="ctr"/>
+          <a:lstStyle/>
+          <a:p>
+            <a:pPr algn="ctr"/>
+            <a:r>
+              <a:rPr lang="en-US" altLang="ko-KR" dirty="0">
+                <a:solidFill>
+                  <a:schemeClr val="bg2"/>
+                </a:solidFill>
+              </a:rPr>
+              <a:t>5</a:t>
+            </a:r>
+            <a:endParaRPr lang="ko-KR" altLang="en-US" dirty="0">
+              <a:solidFill>
+                <a:schemeClr val="bg2"/>
+              </a:solidFill>
+            </a:endParaRPr>
+          </a:p>
+        </p:txBody>
+      </p:sp>
+      <p:sp>
+        <p:nvSpPr>
+          <p:cNvPr id="46" name="직사각형 45">
+            <a:extLst>
+              <a:ext uri="{FF2B5EF4-FFF2-40B4-BE49-F238E27FC236}">
+                <a16:creationId xmlns:a16="http://schemas.microsoft.com/office/drawing/2014/main" id="{2E06BFE3-B81A-4386-BAE4-84E40151CF09}"/>
+              </a:ext>
+            </a:extLst>
+          </p:cNvPr>
+          <p:cNvSpPr/>
+          <p:nvPr/>
+        </p:nvSpPr>
+        <p:spPr>
+          <a:xfrm>
+            <a:off x="6233106" y="1762576"/>
+            <a:ext cx="399494" cy="452761"/>
+          </a:xfrm>
+          <a:prstGeom prst="rect">
+            <a:avLst/>
+          </a:prstGeom>
+          <a:noFill/>
+          <a:ln>
+            <a:noFill/>
+          </a:ln>
+        </p:spPr>
+        <p:style>
+          <a:lnRef idx="2">
+            <a:schemeClr val="accent1">
+              <a:shade val="50000"/>
+            </a:schemeClr>
+          </a:lnRef>
+          <a:fillRef idx="1">
+            <a:schemeClr val="accent1"/>
+          </a:fillRef>
+          <a:effectRef idx="0">
+            <a:schemeClr val="accent1"/>
+          </a:effectRef>
+          <a:fontRef idx="minor">
+            <a:schemeClr val="lt1"/>
+          </a:fontRef>
+        </p:style>
+        <p:txBody>
+          <a:bodyPr rtlCol="0" anchor="ctr"/>
+          <a:lstStyle/>
+          <a:p>
+            <a:pPr algn="r"/>
+            <a:r>
+              <a:rPr lang="en-US" altLang="ko-KR" dirty="0">
+                <a:solidFill>
+                  <a:schemeClr val="tx1"/>
+                </a:solidFill>
+              </a:rPr>
+              <a:t>A</a:t>
+            </a:r>
+            <a:endParaRPr lang="ko-KR" altLang="en-US" dirty="0">
+              <a:solidFill>
+                <a:schemeClr val="tx1"/>
+              </a:solidFill>
+            </a:endParaRPr>
+          </a:p>
+        </p:txBody>
+      </p:sp>
+      <p:sp>
+        <p:nvSpPr>
+          <p:cNvPr id="47" name="직사각형 46">
+            <a:extLst>
+              <a:ext uri="{FF2B5EF4-FFF2-40B4-BE49-F238E27FC236}">
+                <a16:creationId xmlns:a16="http://schemas.microsoft.com/office/drawing/2014/main" id="{E0F47314-7EB6-4CA2-B386-0B830AD242E0}"/>
+              </a:ext>
+            </a:extLst>
+          </p:cNvPr>
+          <p:cNvSpPr/>
+          <p:nvPr/>
+        </p:nvSpPr>
+        <p:spPr>
+          <a:xfrm>
+            <a:off x="6717461" y="2308633"/>
+            <a:ext cx="399494" cy="452761"/>
+          </a:xfrm>
+          <a:prstGeom prst="rect">
+            <a:avLst/>
+          </a:prstGeom>
+          <a:noFill/>
+        </p:spPr>
+        <p:style>
+          <a:lnRef idx="2">
+            <a:schemeClr val="accent1">
+              <a:shade val="50000"/>
+            </a:schemeClr>
+          </a:lnRef>
+          <a:fillRef idx="1">
+            <a:schemeClr val="accent1"/>
+          </a:fillRef>
+          <a:effectRef idx="0">
+            <a:schemeClr val="accent1"/>
+          </a:effectRef>
+          <a:fontRef idx="minor">
+            <a:schemeClr val="lt1"/>
+          </a:fontRef>
+        </p:style>
+        <p:txBody>
+          <a:bodyPr rtlCol="0" anchor="ctr"/>
+          <a:lstStyle/>
+          <a:p>
+            <a:pPr algn="ctr"/>
+            <a:r>
+              <a:rPr lang="en-US" altLang="ko-KR">
+                <a:solidFill>
+                  <a:schemeClr val="bg2"/>
+                </a:solidFill>
+              </a:rPr>
+              <a:t>1</a:t>
+            </a:r>
+            <a:endParaRPr lang="ko-KR" altLang="en-US" dirty="0">
+              <a:solidFill>
+                <a:schemeClr val="bg2"/>
+              </a:solidFill>
+            </a:endParaRPr>
+          </a:p>
+        </p:txBody>
+      </p:sp>
+      <p:sp>
+        <p:nvSpPr>
+          <p:cNvPr id="48" name="직사각형 47">
+            <a:extLst>
+              <a:ext uri="{FF2B5EF4-FFF2-40B4-BE49-F238E27FC236}">
+                <a16:creationId xmlns:a16="http://schemas.microsoft.com/office/drawing/2014/main" id="{DA25F8CA-860E-4A0E-8844-15CE18A74C35}"/>
+              </a:ext>
+            </a:extLst>
+          </p:cNvPr>
+          <p:cNvSpPr/>
+          <p:nvPr/>
+        </p:nvSpPr>
+        <p:spPr>
+          <a:xfrm>
+            <a:off x="7187978" y="2308633"/>
+            <a:ext cx="399494" cy="452761"/>
+          </a:xfrm>
+          <a:prstGeom prst="rect">
+            <a:avLst/>
+          </a:prstGeom>
+          <a:noFill/>
+        </p:spPr>
+        <p:style>
+          <a:lnRef idx="2">
+            <a:schemeClr val="accent1">
+              <a:shade val="50000"/>
+            </a:schemeClr>
+          </a:lnRef>
+          <a:fillRef idx="1">
+            <a:schemeClr val="accent1"/>
+          </a:fillRef>
+          <a:effectRef idx="0">
+            <a:schemeClr val="accent1"/>
+          </a:effectRef>
+          <a:fontRef idx="minor">
+            <a:schemeClr val="lt1"/>
+          </a:fontRef>
+        </p:style>
+        <p:txBody>
+          <a:bodyPr rtlCol="0" anchor="ctr"/>
+          <a:lstStyle/>
+          <a:p>
+            <a:pPr algn="ctr"/>
+            <a:r>
+              <a:rPr lang="en-US" altLang="ko-KR">
+                <a:solidFill>
+                  <a:schemeClr val="bg2"/>
+                </a:solidFill>
+              </a:rPr>
+              <a:t>2</a:t>
+            </a:r>
+            <a:endParaRPr lang="ko-KR" altLang="en-US" dirty="0">
+              <a:solidFill>
+                <a:schemeClr val="bg2"/>
+              </a:solidFill>
+            </a:endParaRPr>
+          </a:p>
+        </p:txBody>
+      </p:sp>
+      <p:sp>
+        <p:nvSpPr>
+          <p:cNvPr id="49" name="직사각형 48">
+            <a:extLst>
+              <a:ext uri="{FF2B5EF4-FFF2-40B4-BE49-F238E27FC236}">
+                <a16:creationId xmlns:a16="http://schemas.microsoft.com/office/drawing/2014/main" id="{735156BE-2140-46B9-BE0E-F0C57D169A89}"/>
+              </a:ext>
+            </a:extLst>
+          </p:cNvPr>
+          <p:cNvSpPr/>
+          <p:nvPr/>
+        </p:nvSpPr>
+        <p:spPr>
+          <a:xfrm>
+            <a:off x="7671812" y="2308633"/>
+            <a:ext cx="399494" cy="452761"/>
+          </a:xfrm>
+          <a:prstGeom prst="rect">
+            <a:avLst/>
+          </a:prstGeom>
+          <a:noFill/>
+        </p:spPr>
+        <p:style>
+          <a:lnRef idx="2">
+            <a:schemeClr val="accent1">
+              <a:shade val="50000"/>
+            </a:schemeClr>
+          </a:lnRef>
+          <a:fillRef idx="1">
+            <a:schemeClr val="accent1"/>
+          </a:fillRef>
+          <a:effectRef idx="0">
+            <a:schemeClr val="accent1"/>
+          </a:effectRef>
+          <a:fontRef idx="minor">
+            <a:schemeClr val="lt1"/>
+          </a:fontRef>
+        </p:style>
+        <p:txBody>
+          <a:bodyPr rtlCol="0" anchor="ctr"/>
+          <a:lstStyle/>
+          <a:p>
+            <a:pPr algn="ctr"/>
+            <a:r>
+              <a:rPr lang="en-US" altLang="ko-KR">
+                <a:solidFill>
+                  <a:schemeClr val="tx1"/>
+                </a:solidFill>
+              </a:rPr>
+              <a:t>3</a:t>
+            </a:r>
+            <a:endParaRPr lang="ko-KR" altLang="en-US" dirty="0">
+              <a:solidFill>
+                <a:schemeClr val="tx1"/>
+              </a:solidFill>
+            </a:endParaRPr>
+          </a:p>
+        </p:txBody>
+      </p:sp>
+      <p:sp>
+        <p:nvSpPr>
+          <p:cNvPr id="50" name="직사각형 49">
+            <a:extLst>
+              <a:ext uri="{FF2B5EF4-FFF2-40B4-BE49-F238E27FC236}">
+                <a16:creationId xmlns:a16="http://schemas.microsoft.com/office/drawing/2014/main" id="{630BBF1D-9E23-4D23-B0E2-E80C60B9983C}"/>
+              </a:ext>
+            </a:extLst>
+          </p:cNvPr>
+          <p:cNvSpPr/>
+          <p:nvPr/>
+        </p:nvSpPr>
+        <p:spPr>
+          <a:xfrm>
+            <a:off x="8155646" y="2308633"/>
+            <a:ext cx="399494" cy="452761"/>
+          </a:xfrm>
+          <a:prstGeom prst="rect">
+            <a:avLst/>
+          </a:prstGeom>
+          <a:noFill/>
+        </p:spPr>
+        <p:style>
+          <a:lnRef idx="2">
+            <a:schemeClr val="accent1">
+              <a:shade val="50000"/>
+            </a:schemeClr>
+          </a:lnRef>
+          <a:fillRef idx="1">
+            <a:schemeClr val="accent1"/>
+          </a:fillRef>
+          <a:effectRef idx="0">
+            <a:schemeClr val="accent1"/>
+          </a:effectRef>
+          <a:fontRef idx="minor">
+            <a:schemeClr val="lt1"/>
+          </a:fontRef>
+        </p:style>
+        <p:txBody>
+          <a:bodyPr rtlCol="0" anchor="ctr"/>
+          <a:lstStyle/>
+          <a:p>
+            <a:pPr algn="ctr"/>
+            <a:r>
+              <a:rPr lang="en-US" altLang="ko-KR" dirty="0">
+                <a:solidFill>
+                  <a:schemeClr val="tx1"/>
+                </a:solidFill>
+              </a:rPr>
+              <a:t>5</a:t>
+            </a:r>
+            <a:endParaRPr lang="ko-KR" altLang="en-US" dirty="0">
+              <a:solidFill>
+                <a:schemeClr val="tx1"/>
+              </a:solidFill>
+            </a:endParaRPr>
+          </a:p>
+        </p:txBody>
+      </p:sp>
+      <p:sp>
+        <p:nvSpPr>
+          <p:cNvPr id="51" name="직사각형 50">
+            <a:extLst>
+              <a:ext uri="{FF2B5EF4-FFF2-40B4-BE49-F238E27FC236}">
+                <a16:creationId xmlns:a16="http://schemas.microsoft.com/office/drawing/2014/main" id="{D613E5D9-1A4E-46E2-A068-6D8940FFF8B3}"/>
+              </a:ext>
+            </a:extLst>
+          </p:cNvPr>
+          <p:cNvSpPr/>
+          <p:nvPr/>
+        </p:nvSpPr>
+        <p:spPr>
+          <a:xfrm>
+            <a:off x="6233106" y="2283350"/>
+            <a:ext cx="399494" cy="452761"/>
+          </a:xfrm>
+          <a:prstGeom prst="rect">
+            <a:avLst/>
+          </a:prstGeom>
+          <a:noFill/>
+          <a:ln>
+            <a:noFill/>
+          </a:ln>
+        </p:spPr>
+        <p:style>
+          <a:lnRef idx="2">
+            <a:schemeClr val="accent1">
+              <a:shade val="50000"/>
+            </a:schemeClr>
+          </a:lnRef>
+          <a:fillRef idx="1">
+            <a:schemeClr val="accent1"/>
+          </a:fillRef>
+          <a:effectRef idx="0">
+            <a:schemeClr val="accent1"/>
+          </a:effectRef>
+          <a:fontRef idx="minor">
+            <a:schemeClr val="lt1"/>
+          </a:fontRef>
+        </p:style>
+        <p:txBody>
+          <a:bodyPr rtlCol="0" anchor="ctr"/>
+          <a:lstStyle/>
+          <a:p>
+            <a:pPr algn="r"/>
+            <a:r>
+              <a:rPr lang="en-US" altLang="ko-KR" dirty="0">
+                <a:solidFill>
+                  <a:schemeClr val="tx1"/>
+                </a:solidFill>
+              </a:rPr>
+              <a:t>A</a:t>
+            </a:r>
+            <a:endParaRPr lang="ko-KR" altLang="en-US" dirty="0">
+              <a:solidFill>
+                <a:schemeClr val="tx1"/>
+              </a:solidFill>
+            </a:endParaRPr>
+          </a:p>
+        </p:txBody>
+      </p:sp>
+      <p:sp>
+        <p:nvSpPr>
+          <p:cNvPr id="52" name="직사각형 51">
+            <a:extLst>
+              <a:ext uri="{FF2B5EF4-FFF2-40B4-BE49-F238E27FC236}">
+                <a16:creationId xmlns:a16="http://schemas.microsoft.com/office/drawing/2014/main" id="{EA1A916A-AD72-4F01-8346-A7543AC760AC}"/>
+              </a:ext>
+            </a:extLst>
+          </p:cNvPr>
+          <p:cNvSpPr/>
+          <p:nvPr/>
+        </p:nvSpPr>
+        <p:spPr>
+          <a:xfrm>
+            <a:off x="6717461" y="2838280"/>
+            <a:ext cx="399494" cy="452761"/>
+          </a:xfrm>
+          <a:prstGeom prst="rect">
+            <a:avLst/>
+          </a:prstGeom>
+          <a:noFill/>
+        </p:spPr>
+        <p:style>
+          <a:lnRef idx="2">
+            <a:schemeClr val="accent1">
+              <a:shade val="50000"/>
+            </a:schemeClr>
+          </a:lnRef>
+          <a:fillRef idx="1">
+            <a:schemeClr val="accent1"/>
+          </a:fillRef>
+          <a:effectRef idx="0">
+            <a:schemeClr val="accent1"/>
+          </a:effectRef>
+          <a:fontRef idx="minor">
+            <a:schemeClr val="lt1"/>
+          </a:fontRef>
+        </p:style>
+        <p:txBody>
+          <a:bodyPr rtlCol="0" anchor="ctr"/>
+          <a:lstStyle/>
+          <a:p>
+            <a:pPr algn="ctr"/>
+            <a:r>
+              <a:rPr lang="en-US" altLang="ko-KR">
+                <a:solidFill>
+                  <a:schemeClr val="bg2"/>
+                </a:solidFill>
+              </a:rPr>
+              <a:t>1</a:t>
+            </a:r>
+            <a:endParaRPr lang="ko-KR" altLang="en-US" dirty="0">
+              <a:solidFill>
+                <a:schemeClr val="bg2"/>
+              </a:solidFill>
+            </a:endParaRPr>
+          </a:p>
+        </p:txBody>
+      </p:sp>
+      <p:sp>
+        <p:nvSpPr>
+          <p:cNvPr id="53" name="직사각형 52">
+            <a:extLst>
+              <a:ext uri="{FF2B5EF4-FFF2-40B4-BE49-F238E27FC236}">
+                <a16:creationId xmlns:a16="http://schemas.microsoft.com/office/drawing/2014/main" id="{E4B1B77B-2E19-4761-B785-95B95661FEE2}"/>
+              </a:ext>
+            </a:extLst>
+          </p:cNvPr>
+          <p:cNvSpPr/>
+          <p:nvPr/>
+        </p:nvSpPr>
+        <p:spPr>
+          <a:xfrm>
+            <a:off x="7187978" y="2838280"/>
+            <a:ext cx="399494" cy="452761"/>
+          </a:xfrm>
+          <a:prstGeom prst="rect">
+            <a:avLst/>
+          </a:prstGeom>
+          <a:noFill/>
+        </p:spPr>
+        <p:style>
+          <a:lnRef idx="2">
+            <a:schemeClr val="accent1">
+              <a:shade val="50000"/>
+            </a:schemeClr>
+          </a:lnRef>
+          <a:fillRef idx="1">
+            <a:schemeClr val="accent1"/>
+          </a:fillRef>
+          <a:effectRef idx="0">
+            <a:schemeClr val="accent1"/>
+          </a:effectRef>
+          <a:fontRef idx="minor">
+            <a:schemeClr val="lt1"/>
+          </a:fontRef>
+        </p:style>
+        <p:txBody>
+          <a:bodyPr rtlCol="0" anchor="ctr"/>
+          <a:lstStyle/>
+          <a:p>
+            <a:pPr algn="ctr"/>
+            <a:r>
+              <a:rPr lang="en-US" altLang="ko-KR">
+                <a:solidFill>
+                  <a:schemeClr val="bg2"/>
+                </a:solidFill>
+              </a:rPr>
+              <a:t>2</a:t>
+            </a:r>
+            <a:endParaRPr lang="ko-KR" altLang="en-US" dirty="0">
+              <a:solidFill>
+                <a:schemeClr val="bg2"/>
+              </a:solidFill>
+            </a:endParaRPr>
+          </a:p>
+        </p:txBody>
+      </p:sp>
+      <p:sp>
+        <p:nvSpPr>
+          <p:cNvPr id="54" name="직사각형 53">
+            <a:extLst>
+              <a:ext uri="{FF2B5EF4-FFF2-40B4-BE49-F238E27FC236}">
+                <a16:creationId xmlns:a16="http://schemas.microsoft.com/office/drawing/2014/main" id="{735DA642-8FA0-4931-8C32-C48447F073D7}"/>
+              </a:ext>
+            </a:extLst>
+          </p:cNvPr>
+          <p:cNvSpPr/>
+          <p:nvPr/>
+        </p:nvSpPr>
+        <p:spPr>
+          <a:xfrm>
+            <a:off x="7671812" y="2838280"/>
+            <a:ext cx="399494" cy="452761"/>
+          </a:xfrm>
+          <a:prstGeom prst="rect">
+            <a:avLst/>
+          </a:prstGeom>
+          <a:noFill/>
+        </p:spPr>
+        <p:style>
+          <a:lnRef idx="2">
+            <a:schemeClr val="accent1">
+              <a:shade val="50000"/>
+            </a:schemeClr>
+          </a:lnRef>
+          <a:fillRef idx="1">
+            <a:schemeClr val="accent1"/>
+          </a:fillRef>
+          <a:effectRef idx="0">
+            <a:schemeClr val="accent1"/>
+          </a:effectRef>
+          <a:fontRef idx="minor">
+            <a:schemeClr val="lt1"/>
+          </a:fontRef>
+        </p:style>
+        <p:txBody>
+          <a:bodyPr rtlCol="0" anchor="ctr"/>
+          <a:lstStyle/>
+          <a:p>
+            <a:pPr algn="ctr"/>
+            <a:r>
+              <a:rPr lang="en-US" altLang="ko-KR">
+                <a:solidFill>
+                  <a:schemeClr val="tx1"/>
+                </a:solidFill>
+              </a:rPr>
+              <a:t>3</a:t>
+            </a:r>
+            <a:endParaRPr lang="ko-KR" altLang="en-US" dirty="0">
+              <a:solidFill>
+                <a:schemeClr val="tx1"/>
+              </a:solidFill>
+            </a:endParaRPr>
+          </a:p>
+        </p:txBody>
+      </p:sp>
+      <p:sp>
+        <p:nvSpPr>
+          <p:cNvPr id="55" name="직사각형 54">
+            <a:extLst>
+              <a:ext uri="{FF2B5EF4-FFF2-40B4-BE49-F238E27FC236}">
+                <a16:creationId xmlns:a16="http://schemas.microsoft.com/office/drawing/2014/main" id="{3EC9B836-0D2E-4D62-A1CF-246BF409CA9D}"/>
+              </a:ext>
+            </a:extLst>
+          </p:cNvPr>
+          <p:cNvSpPr/>
+          <p:nvPr/>
+        </p:nvSpPr>
+        <p:spPr>
+          <a:xfrm>
+            <a:off x="8155646" y="2838280"/>
+            <a:ext cx="399494" cy="452761"/>
+          </a:xfrm>
+          <a:prstGeom prst="rect">
+            <a:avLst/>
+          </a:prstGeom>
+          <a:noFill/>
+        </p:spPr>
+        <p:style>
+          <a:lnRef idx="2">
+            <a:schemeClr val="accent1">
+              <a:shade val="50000"/>
+            </a:schemeClr>
+          </a:lnRef>
+          <a:fillRef idx="1">
+            <a:schemeClr val="accent1"/>
+          </a:fillRef>
+          <a:effectRef idx="0">
+            <a:schemeClr val="accent1"/>
+          </a:effectRef>
+          <a:fontRef idx="minor">
+            <a:schemeClr val="lt1"/>
+          </a:fontRef>
+        </p:style>
+        <p:txBody>
+          <a:bodyPr rtlCol="0" anchor="ctr"/>
+          <a:lstStyle/>
+          <a:p>
+            <a:pPr algn="ctr"/>
+            <a:r>
+              <a:rPr lang="en-US" altLang="ko-KR" dirty="0">
+                <a:solidFill>
+                  <a:srgbClr val="FF0000"/>
+                </a:solidFill>
+              </a:rPr>
+              <a:t>5</a:t>
+            </a:r>
+            <a:endParaRPr lang="ko-KR" altLang="en-US" dirty="0">
+              <a:solidFill>
+                <a:srgbClr val="FF0000"/>
+              </a:solidFill>
+            </a:endParaRPr>
+          </a:p>
+        </p:txBody>
+      </p:sp>
+      <p:sp>
+        <p:nvSpPr>
+          <p:cNvPr id="56" name="직사각형 55">
+            <a:extLst>
+              <a:ext uri="{FF2B5EF4-FFF2-40B4-BE49-F238E27FC236}">
+                <a16:creationId xmlns:a16="http://schemas.microsoft.com/office/drawing/2014/main" id="{3293D1A0-DEEC-417C-89FF-8B249511BE7A}"/>
+              </a:ext>
+            </a:extLst>
+          </p:cNvPr>
+          <p:cNvSpPr/>
+          <p:nvPr/>
+        </p:nvSpPr>
+        <p:spPr>
+          <a:xfrm>
+            <a:off x="6233106" y="2812997"/>
+            <a:ext cx="399494" cy="452761"/>
+          </a:xfrm>
+          <a:prstGeom prst="rect">
+            <a:avLst/>
+          </a:prstGeom>
+          <a:noFill/>
+          <a:ln>
+            <a:noFill/>
+          </a:ln>
+        </p:spPr>
+        <p:style>
+          <a:lnRef idx="2">
+            <a:schemeClr val="accent1">
+              <a:shade val="50000"/>
+            </a:schemeClr>
+          </a:lnRef>
+          <a:fillRef idx="1">
+            <a:schemeClr val="accent1"/>
+          </a:fillRef>
+          <a:effectRef idx="0">
+            <a:schemeClr val="accent1"/>
+          </a:effectRef>
+          <a:fontRef idx="minor">
+            <a:schemeClr val="lt1"/>
+          </a:fontRef>
+        </p:style>
+        <p:txBody>
+          <a:bodyPr rtlCol="0" anchor="ctr"/>
+          <a:lstStyle/>
+          <a:p>
+            <a:pPr algn="r"/>
+            <a:r>
+              <a:rPr lang="en-US" altLang="ko-KR" dirty="0">
+                <a:solidFill>
+                  <a:schemeClr val="tx1"/>
+                </a:solidFill>
+              </a:rPr>
+              <a:t>A</a:t>
+            </a:r>
+            <a:endParaRPr lang="ko-KR" altLang="en-US" dirty="0">
+              <a:solidFill>
+                <a:schemeClr val="tx1"/>
+              </a:solidFill>
+            </a:endParaRPr>
+          </a:p>
+        </p:txBody>
+      </p:sp>
+      <p:sp>
+        <p:nvSpPr>
+          <p:cNvPr id="69" name="직사각형 68">
+            <a:extLst>
+              <a:ext uri="{FF2B5EF4-FFF2-40B4-BE49-F238E27FC236}">
+                <a16:creationId xmlns:a16="http://schemas.microsoft.com/office/drawing/2014/main" id="{67370145-3E1C-46C1-98B7-8B6A23BD134E}"/>
+              </a:ext>
+            </a:extLst>
+          </p:cNvPr>
+          <p:cNvSpPr/>
+          <p:nvPr/>
+        </p:nvSpPr>
+        <p:spPr>
+          <a:xfrm>
+            <a:off x="6688517" y="971842"/>
+            <a:ext cx="399494" cy="258802"/>
+          </a:xfrm>
+          <a:prstGeom prst="rect">
+            <a:avLst/>
+          </a:prstGeom>
+          <a:noFill/>
+          <a:ln>
+            <a:noFill/>
+          </a:ln>
+        </p:spPr>
+        <p:style>
+          <a:lnRef idx="2">
+            <a:schemeClr val="accent1">
+              <a:shade val="50000"/>
+            </a:schemeClr>
+          </a:lnRef>
+          <a:fillRef idx="1">
+            <a:schemeClr val="accent1"/>
+          </a:fillRef>
+          <a:effectRef idx="0">
+            <a:schemeClr val="accent1"/>
+          </a:effectRef>
+          <a:fontRef idx="minor">
+            <a:schemeClr val="lt1"/>
+          </a:fontRef>
+        </p:style>
+        <p:txBody>
+          <a:bodyPr rtlCol="0" anchor="ctr"/>
+          <a:lstStyle/>
+          <a:p>
+            <a:pPr algn="ctr"/>
+            <a:r>
+              <a:rPr lang="en-US" altLang="ko-KR" dirty="0">
+                <a:solidFill>
+                  <a:schemeClr val="tx1"/>
+                </a:solidFill>
+              </a:rPr>
+              <a:t>0</a:t>
+            </a:r>
+            <a:endParaRPr lang="ko-KR" altLang="en-US" dirty="0">
+              <a:solidFill>
+                <a:schemeClr val="tx1"/>
+              </a:solidFill>
+            </a:endParaRPr>
+          </a:p>
+        </p:txBody>
+      </p:sp>
+      <p:sp>
+        <p:nvSpPr>
+          <p:cNvPr id="70" name="직사각형 69">
+            <a:extLst>
+              <a:ext uri="{FF2B5EF4-FFF2-40B4-BE49-F238E27FC236}">
+                <a16:creationId xmlns:a16="http://schemas.microsoft.com/office/drawing/2014/main" id="{10A1926B-C75F-4FE4-9B5A-277C628FA005}"/>
+              </a:ext>
+            </a:extLst>
+          </p:cNvPr>
+          <p:cNvSpPr/>
+          <p:nvPr/>
+        </p:nvSpPr>
+        <p:spPr>
+          <a:xfrm>
+            <a:off x="7159034" y="971842"/>
+            <a:ext cx="399494" cy="258802"/>
+          </a:xfrm>
+          <a:prstGeom prst="rect">
+            <a:avLst/>
+          </a:prstGeom>
+          <a:noFill/>
+          <a:ln>
+            <a:noFill/>
+          </a:ln>
+        </p:spPr>
+        <p:style>
+          <a:lnRef idx="2">
+            <a:schemeClr val="accent1">
+              <a:shade val="50000"/>
+            </a:schemeClr>
+          </a:lnRef>
+          <a:fillRef idx="1">
+            <a:schemeClr val="accent1"/>
+          </a:fillRef>
+          <a:effectRef idx="0">
+            <a:schemeClr val="accent1"/>
+          </a:effectRef>
+          <a:fontRef idx="minor">
+            <a:schemeClr val="lt1"/>
+          </a:fontRef>
+        </p:style>
+        <p:txBody>
+          <a:bodyPr rtlCol="0" anchor="ctr"/>
+          <a:lstStyle/>
+          <a:p>
+            <a:pPr algn="ctr"/>
+            <a:r>
+              <a:rPr lang="en-US" altLang="ko-KR" dirty="0">
+                <a:solidFill>
+                  <a:schemeClr val="tx1"/>
+                </a:solidFill>
+              </a:rPr>
+              <a:t>1</a:t>
+            </a:r>
+            <a:endParaRPr lang="ko-KR" altLang="en-US" dirty="0">
+              <a:solidFill>
+                <a:schemeClr val="tx1"/>
+              </a:solidFill>
+            </a:endParaRPr>
+          </a:p>
+        </p:txBody>
+      </p:sp>
+      <p:sp>
+        <p:nvSpPr>
+          <p:cNvPr id="71" name="직사각형 70">
+            <a:extLst>
+              <a:ext uri="{FF2B5EF4-FFF2-40B4-BE49-F238E27FC236}">
+                <a16:creationId xmlns:a16="http://schemas.microsoft.com/office/drawing/2014/main" id="{545603A3-3C3F-4E90-98E7-4AEF68DC01AD}"/>
+              </a:ext>
+            </a:extLst>
+          </p:cNvPr>
+          <p:cNvSpPr/>
+          <p:nvPr/>
+        </p:nvSpPr>
+        <p:spPr>
+          <a:xfrm>
+            <a:off x="7642868" y="971842"/>
+            <a:ext cx="399494" cy="258802"/>
+          </a:xfrm>
+          <a:prstGeom prst="rect">
+            <a:avLst/>
+          </a:prstGeom>
+          <a:noFill/>
+          <a:ln>
+            <a:noFill/>
+          </a:ln>
+        </p:spPr>
+        <p:style>
+          <a:lnRef idx="2">
+            <a:schemeClr val="accent1">
+              <a:shade val="50000"/>
+            </a:schemeClr>
+          </a:lnRef>
+          <a:fillRef idx="1">
+            <a:schemeClr val="accent1"/>
+          </a:fillRef>
+          <a:effectRef idx="0">
+            <a:schemeClr val="accent1"/>
+          </a:effectRef>
+          <a:fontRef idx="minor">
+            <a:schemeClr val="lt1"/>
+          </a:fontRef>
+        </p:style>
+        <p:txBody>
+          <a:bodyPr rtlCol="0" anchor="ctr"/>
+          <a:lstStyle/>
+          <a:p>
+            <a:pPr algn="ctr"/>
+            <a:r>
+              <a:rPr lang="en-US" altLang="ko-KR" dirty="0">
+                <a:solidFill>
+                  <a:schemeClr val="tx1"/>
+                </a:solidFill>
+              </a:rPr>
+              <a:t>2</a:t>
+            </a:r>
+            <a:endParaRPr lang="ko-KR" altLang="en-US" dirty="0">
+              <a:solidFill>
+                <a:schemeClr val="tx1"/>
+              </a:solidFill>
+            </a:endParaRPr>
+          </a:p>
+        </p:txBody>
+      </p:sp>
+      <p:sp>
+        <p:nvSpPr>
+          <p:cNvPr id="72" name="직사각형 71">
+            <a:extLst>
+              <a:ext uri="{FF2B5EF4-FFF2-40B4-BE49-F238E27FC236}">
+                <a16:creationId xmlns:a16="http://schemas.microsoft.com/office/drawing/2014/main" id="{1BC56C11-305C-43AC-B5DE-F57F67C67390}"/>
+              </a:ext>
+            </a:extLst>
+          </p:cNvPr>
+          <p:cNvSpPr/>
+          <p:nvPr/>
+        </p:nvSpPr>
+        <p:spPr>
+          <a:xfrm>
+            <a:off x="8126702" y="971842"/>
+            <a:ext cx="399494" cy="258802"/>
+          </a:xfrm>
+          <a:prstGeom prst="rect">
+            <a:avLst/>
+          </a:prstGeom>
+          <a:noFill/>
+          <a:ln>
+            <a:noFill/>
+          </a:ln>
+        </p:spPr>
+        <p:style>
+          <a:lnRef idx="2">
+            <a:schemeClr val="accent1">
+              <a:shade val="50000"/>
+            </a:schemeClr>
+          </a:lnRef>
+          <a:fillRef idx="1">
+            <a:schemeClr val="accent1"/>
+          </a:fillRef>
+          <a:effectRef idx="0">
+            <a:schemeClr val="accent1"/>
+          </a:effectRef>
+          <a:fontRef idx="minor">
+            <a:schemeClr val="lt1"/>
+          </a:fontRef>
+        </p:style>
+        <p:txBody>
+          <a:bodyPr rtlCol="0" anchor="ctr"/>
+          <a:lstStyle/>
+          <a:p>
+            <a:pPr algn="ctr"/>
+            <a:r>
+              <a:rPr lang="en-US" altLang="ko-KR" dirty="0">
+                <a:solidFill>
+                  <a:schemeClr val="tx1"/>
+                </a:solidFill>
+              </a:rPr>
+              <a:t>3</a:t>
+            </a:r>
+            <a:endParaRPr lang="ko-KR" altLang="en-US" dirty="0">
+              <a:solidFill>
+                <a:schemeClr val="tx1"/>
+              </a:solidFill>
+            </a:endParaRPr>
+          </a:p>
+        </p:txBody>
+      </p:sp>
+      <p:sp>
+        <p:nvSpPr>
+          <p:cNvPr id="57" name="직사각형 56">
+            <a:extLst>
+              <a:ext uri="{FF2B5EF4-FFF2-40B4-BE49-F238E27FC236}">
+                <a16:creationId xmlns:a16="http://schemas.microsoft.com/office/drawing/2014/main" id="{16B4DC3C-D801-46C9-BE84-575AB6F57A6A}"/>
+              </a:ext>
+            </a:extLst>
+          </p:cNvPr>
+          <p:cNvSpPr/>
+          <p:nvPr/>
+        </p:nvSpPr>
+        <p:spPr>
+          <a:xfrm>
+            <a:off x="4282148" y="1258413"/>
+            <a:ext cx="399494" cy="452761"/>
+          </a:xfrm>
+          <a:prstGeom prst="rect">
+            <a:avLst/>
+          </a:prstGeom>
+          <a:noFill/>
+        </p:spPr>
+        <p:style>
+          <a:lnRef idx="2">
+            <a:schemeClr val="accent1">
+              <a:shade val="50000"/>
+            </a:schemeClr>
+          </a:lnRef>
+          <a:fillRef idx="1">
+            <a:schemeClr val="accent1"/>
+          </a:fillRef>
+          <a:effectRef idx="0">
+            <a:schemeClr val="accent1"/>
+          </a:effectRef>
+          <a:fontRef idx="minor">
+            <a:schemeClr val="lt1"/>
+          </a:fontRef>
+        </p:style>
+        <p:txBody>
+          <a:bodyPr rtlCol="0" anchor="ctr"/>
+          <a:lstStyle/>
+          <a:p>
+            <a:pPr algn="ctr"/>
+            <a:r>
+              <a:rPr lang="en-US" altLang="ko-KR">
+                <a:solidFill>
+                  <a:schemeClr val="tx1"/>
+                </a:solidFill>
+              </a:rPr>
+              <a:t>1</a:t>
+            </a:r>
+            <a:endParaRPr lang="ko-KR" altLang="en-US" dirty="0">
+              <a:solidFill>
+                <a:schemeClr val="tx1"/>
+              </a:solidFill>
+            </a:endParaRPr>
+          </a:p>
+        </p:txBody>
+      </p:sp>
+      <p:sp>
+        <p:nvSpPr>
+          <p:cNvPr id="58" name="직사각형 57">
+            <a:extLst>
+              <a:ext uri="{FF2B5EF4-FFF2-40B4-BE49-F238E27FC236}">
+                <a16:creationId xmlns:a16="http://schemas.microsoft.com/office/drawing/2014/main" id="{8BE22977-004E-479D-84EA-AFE2F37C8DE1}"/>
+              </a:ext>
+            </a:extLst>
+          </p:cNvPr>
+          <p:cNvSpPr/>
+          <p:nvPr/>
+        </p:nvSpPr>
+        <p:spPr>
+          <a:xfrm>
+            <a:off x="4752665" y="1258413"/>
+            <a:ext cx="399494" cy="452761"/>
+          </a:xfrm>
+          <a:prstGeom prst="rect">
+            <a:avLst/>
+          </a:prstGeom>
+          <a:noFill/>
+        </p:spPr>
+        <p:style>
+          <a:lnRef idx="2">
+            <a:schemeClr val="accent1">
+              <a:shade val="50000"/>
+            </a:schemeClr>
+          </a:lnRef>
+          <a:fillRef idx="1">
+            <a:schemeClr val="accent1"/>
+          </a:fillRef>
+          <a:effectRef idx="0">
+            <a:schemeClr val="accent1"/>
+          </a:effectRef>
+          <a:fontRef idx="minor">
+            <a:schemeClr val="lt1"/>
+          </a:fontRef>
+        </p:style>
+        <p:txBody>
+          <a:bodyPr rtlCol="0" anchor="ctr"/>
+          <a:lstStyle/>
+          <a:p>
+            <a:pPr algn="ctr"/>
+            <a:r>
+              <a:rPr lang="en-US" altLang="ko-KR">
+                <a:solidFill>
+                  <a:schemeClr val="tx1"/>
+                </a:solidFill>
+              </a:rPr>
+              <a:t>2</a:t>
+            </a:r>
+            <a:endParaRPr lang="ko-KR" altLang="en-US" dirty="0">
+              <a:solidFill>
+                <a:schemeClr val="tx1"/>
+              </a:solidFill>
+            </a:endParaRPr>
+          </a:p>
+        </p:txBody>
+      </p:sp>
+      <p:sp>
+        <p:nvSpPr>
+          <p:cNvPr id="59" name="직사각형 58">
+            <a:extLst>
+              <a:ext uri="{FF2B5EF4-FFF2-40B4-BE49-F238E27FC236}">
+                <a16:creationId xmlns:a16="http://schemas.microsoft.com/office/drawing/2014/main" id="{C18ED71A-5959-4354-9A29-DAAF4760E088}"/>
+              </a:ext>
+            </a:extLst>
+          </p:cNvPr>
+          <p:cNvSpPr/>
+          <p:nvPr/>
+        </p:nvSpPr>
+        <p:spPr>
+          <a:xfrm>
+            <a:off x="5236499" y="1258413"/>
+            <a:ext cx="399494" cy="452761"/>
+          </a:xfrm>
+          <a:prstGeom prst="rect">
+            <a:avLst/>
+          </a:prstGeom>
+          <a:noFill/>
+        </p:spPr>
+        <p:style>
+          <a:lnRef idx="2">
+            <a:schemeClr val="accent1">
+              <a:shade val="50000"/>
+            </a:schemeClr>
+          </a:lnRef>
+          <a:fillRef idx="1">
+            <a:schemeClr val="accent1"/>
+          </a:fillRef>
+          <a:effectRef idx="0">
+            <a:schemeClr val="accent1"/>
+          </a:effectRef>
+          <a:fontRef idx="minor">
+            <a:schemeClr val="lt1"/>
+          </a:fontRef>
+        </p:style>
+        <p:txBody>
+          <a:bodyPr rtlCol="0" anchor="ctr"/>
+          <a:lstStyle/>
+          <a:p>
+            <a:pPr algn="ctr"/>
+            <a:r>
+              <a:rPr lang="en-US" altLang="ko-KR">
+                <a:solidFill>
+                  <a:schemeClr val="bg2"/>
+                </a:solidFill>
+              </a:rPr>
+              <a:t>3</a:t>
+            </a:r>
+            <a:endParaRPr lang="ko-KR" altLang="en-US" dirty="0">
+              <a:solidFill>
+                <a:schemeClr val="bg2"/>
+              </a:solidFill>
+            </a:endParaRPr>
+          </a:p>
+        </p:txBody>
+      </p:sp>
+      <p:sp>
+        <p:nvSpPr>
+          <p:cNvPr id="60" name="직사각형 59">
+            <a:extLst>
+              <a:ext uri="{FF2B5EF4-FFF2-40B4-BE49-F238E27FC236}">
+                <a16:creationId xmlns:a16="http://schemas.microsoft.com/office/drawing/2014/main" id="{EF06C5F3-334F-429C-9968-B92928D09DB2}"/>
+              </a:ext>
+            </a:extLst>
+          </p:cNvPr>
+          <p:cNvSpPr/>
+          <p:nvPr/>
+        </p:nvSpPr>
+        <p:spPr>
+          <a:xfrm>
+            <a:off x="3797793" y="1233130"/>
+            <a:ext cx="399494" cy="452761"/>
+          </a:xfrm>
+          <a:prstGeom prst="rect">
+            <a:avLst/>
+          </a:prstGeom>
+          <a:noFill/>
+          <a:ln>
+            <a:noFill/>
+          </a:ln>
+        </p:spPr>
+        <p:style>
+          <a:lnRef idx="2">
+            <a:schemeClr val="accent1">
+              <a:shade val="50000"/>
+            </a:schemeClr>
+          </a:lnRef>
+          <a:fillRef idx="1">
+            <a:schemeClr val="accent1"/>
+          </a:fillRef>
+          <a:effectRef idx="0">
+            <a:schemeClr val="accent1"/>
+          </a:effectRef>
+          <a:fontRef idx="minor">
+            <a:schemeClr val="lt1"/>
+          </a:fontRef>
+        </p:style>
+        <p:txBody>
+          <a:bodyPr rtlCol="0" anchor="ctr"/>
+          <a:lstStyle/>
+          <a:p>
+            <a:pPr algn="r"/>
+            <a:r>
+              <a:rPr lang="en-US" altLang="ko-KR" dirty="0">
+                <a:solidFill>
+                  <a:schemeClr val="tx1"/>
+                </a:solidFill>
+              </a:rPr>
+              <a:t>A</a:t>
+            </a:r>
+            <a:endParaRPr lang="ko-KR" altLang="en-US" dirty="0">
+              <a:solidFill>
+                <a:schemeClr val="tx1"/>
+              </a:solidFill>
+            </a:endParaRPr>
+          </a:p>
+        </p:txBody>
+      </p:sp>
+      <p:sp>
+        <p:nvSpPr>
+          <p:cNvPr id="61" name="직사각형 60">
+            <a:extLst>
+              <a:ext uri="{FF2B5EF4-FFF2-40B4-BE49-F238E27FC236}">
+                <a16:creationId xmlns:a16="http://schemas.microsoft.com/office/drawing/2014/main" id="{63FC1B2E-4DB2-498F-B2EB-8D143CA8A6B7}"/>
+              </a:ext>
+            </a:extLst>
+          </p:cNvPr>
+          <p:cNvSpPr/>
+          <p:nvPr/>
+        </p:nvSpPr>
+        <p:spPr>
+          <a:xfrm>
+            <a:off x="4282148" y="1793180"/>
+            <a:ext cx="399494" cy="452761"/>
+          </a:xfrm>
+          <a:prstGeom prst="rect">
+            <a:avLst/>
+          </a:prstGeom>
+          <a:noFill/>
+        </p:spPr>
+        <p:style>
+          <a:lnRef idx="2">
+            <a:schemeClr val="accent1">
+              <a:shade val="50000"/>
+            </a:schemeClr>
+          </a:lnRef>
+          <a:fillRef idx="1">
+            <a:schemeClr val="accent1"/>
+          </a:fillRef>
+          <a:effectRef idx="0">
+            <a:schemeClr val="accent1"/>
+          </a:effectRef>
+          <a:fontRef idx="minor">
+            <a:schemeClr val="lt1"/>
+          </a:fontRef>
+        </p:style>
+        <p:txBody>
+          <a:bodyPr rtlCol="0" anchor="ctr"/>
+          <a:lstStyle/>
+          <a:p>
+            <a:pPr algn="ctr"/>
+            <a:r>
+              <a:rPr lang="en-US" altLang="ko-KR">
+                <a:solidFill>
+                  <a:schemeClr val="bg2"/>
+                </a:solidFill>
+              </a:rPr>
+              <a:t>1</a:t>
+            </a:r>
+            <a:endParaRPr lang="ko-KR" altLang="en-US" dirty="0">
+              <a:solidFill>
+                <a:schemeClr val="bg2"/>
+              </a:solidFill>
+            </a:endParaRPr>
+          </a:p>
+        </p:txBody>
+      </p:sp>
+      <p:sp>
+        <p:nvSpPr>
+          <p:cNvPr id="62" name="직사각형 61">
+            <a:extLst>
+              <a:ext uri="{FF2B5EF4-FFF2-40B4-BE49-F238E27FC236}">
+                <a16:creationId xmlns:a16="http://schemas.microsoft.com/office/drawing/2014/main" id="{8F41718F-7832-47B6-98FA-26FD17B2CE0A}"/>
+              </a:ext>
+            </a:extLst>
+          </p:cNvPr>
+          <p:cNvSpPr/>
+          <p:nvPr/>
+        </p:nvSpPr>
+        <p:spPr>
+          <a:xfrm>
+            <a:off x="4752665" y="1793180"/>
+            <a:ext cx="399494" cy="452761"/>
+          </a:xfrm>
+          <a:prstGeom prst="rect">
+            <a:avLst/>
+          </a:prstGeom>
+          <a:noFill/>
+        </p:spPr>
+        <p:style>
+          <a:lnRef idx="2">
+            <a:schemeClr val="accent1">
+              <a:shade val="50000"/>
+            </a:schemeClr>
+          </a:lnRef>
+          <a:fillRef idx="1">
+            <a:schemeClr val="accent1"/>
+          </a:fillRef>
+          <a:effectRef idx="0">
+            <a:schemeClr val="accent1"/>
+          </a:effectRef>
+          <a:fontRef idx="minor">
+            <a:schemeClr val="lt1"/>
+          </a:fontRef>
+        </p:style>
+        <p:txBody>
+          <a:bodyPr rtlCol="0" anchor="ctr"/>
+          <a:lstStyle/>
+          <a:p>
+            <a:pPr algn="ctr"/>
+            <a:r>
+              <a:rPr lang="en-US" altLang="ko-KR">
+                <a:solidFill>
+                  <a:schemeClr val="tx1"/>
+                </a:solidFill>
+              </a:rPr>
+              <a:t>2</a:t>
+            </a:r>
+            <a:endParaRPr lang="ko-KR" altLang="en-US" dirty="0">
+              <a:solidFill>
+                <a:schemeClr val="tx1"/>
+              </a:solidFill>
+            </a:endParaRPr>
+          </a:p>
+        </p:txBody>
+      </p:sp>
+      <p:sp>
+        <p:nvSpPr>
+          <p:cNvPr id="63" name="직사각형 62">
+            <a:extLst>
+              <a:ext uri="{FF2B5EF4-FFF2-40B4-BE49-F238E27FC236}">
+                <a16:creationId xmlns:a16="http://schemas.microsoft.com/office/drawing/2014/main" id="{893328BA-2944-4801-B296-9028BCC36432}"/>
+              </a:ext>
+            </a:extLst>
+          </p:cNvPr>
+          <p:cNvSpPr/>
+          <p:nvPr/>
+        </p:nvSpPr>
+        <p:spPr>
+          <a:xfrm>
+            <a:off x="5236499" y="1793180"/>
+            <a:ext cx="399494" cy="452761"/>
+          </a:xfrm>
+          <a:prstGeom prst="rect">
+            <a:avLst/>
+          </a:prstGeom>
+          <a:noFill/>
+        </p:spPr>
+        <p:style>
+          <a:lnRef idx="2">
+            <a:schemeClr val="accent1">
+              <a:shade val="50000"/>
+            </a:schemeClr>
+          </a:lnRef>
+          <a:fillRef idx="1">
+            <a:schemeClr val="accent1"/>
+          </a:fillRef>
+          <a:effectRef idx="0">
+            <a:schemeClr val="accent1"/>
+          </a:effectRef>
+          <a:fontRef idx="minor">
+            <a:schemeClr val="lt1"/>
+          </a:fontRef>
+        </p:style>
+        <p:txBody>
+          <a:bodyPr rtlCol="0" anchor="ctr"/>
+          <a:lstStyle/>
+          <a:p>
+            <a:pPr algn="ctr"/>
+            <a:r>
+              <a:rPr lang="en-US" altLang="ko-KR">
+                <a:solidFill>
+                  <a:schemeClr val="tx1"/>
+                </a:solidFill>
+              </a:rPr>
+              <a:t>3</a:t>
+            </a:r>
+            <a:endParaRPr lang="ko-KR" altLang="en-US" dirty="0">
+              <a:solidFill>
+                <a:schemeClr val="tx1"/>
+              </a:solidFill>
+            </a:endParaRPr>
+          </a:p>
+        </p:txBody>
+      </p:sp>
+      <p:sp>
+        <p:nvSpPr>
+          <p:cNvPr id="64" name="직사각형 63">
+            <a:extLst>
+              <a:ext uri="{FF2B5EF4-FFF2-40B4-BE49-F238E27FC236}">
+                <a16:creationId xmlns:a16="http://schemas.microsoft.com/office/drawing/2014/main" id="{ED45A706-C821-4553-85BA-EABC4AC14017}"/>
+              </a:ext>
+            </a:extLst>
+          </p:cNvPr>
+          <p:cNvSpPr/>
+          <p:nvPr/>
+        </p:nvSpPr>
+        <p:spPr>
+          <a:xfrm>
+            <a:off x="3797793" y="1767897"/>
+            <a:ext cx="399494" cy="452761"/>
+          </a:xfrm>
+          <a:prstGeom prst="rect">
+            <a:avLst/>
+          </a:prstGeom>
+          <a:noFill/>
+          <a:ln>
+            <a:noFill/>
+          </a:ln>
+        </p:spPr>
+        <p:style>
+          <a:lnRef idx="2">
+            <a:schemeClr val="accent1">
+              <a:shade val="50000"/>
+            </a:schemeClr>
+          </a:lnRef>
+          <a:fillRef idx="1">
+            <a:schemeClr val="accent1"/>
+          </a:fillRef>
+          <a:effectRef idx="0">
+            <a:schemeClr val="accent1"/>
+          </a:effectRef>
+          <a:fontRef idx="minor">
+            <a:schemeClr val="lt1"/>
+          </a:fontRef>
+        </p:style>
+        <p:txBody>
+          <a:bodyPr rtlCol="0" anchor="ctr"/>
+          <a:lstStyle/>
+          <a:p>
+            <a:pPr algn="r"/>
+            <a:r>
+              <a:rPr lang="en-US" altLang="ko-KR" dirty="0">
+                <a:solidFill>
+                  <a:schemeClr val="tx1"/>
+                </a:solidFill>
+              </a:rPr>
+              <a:t>A</a:t>
+            </a:r>
+            <a:endParaRPr lang="ko-KR" altLang="en-US" dirty="0">
+              <a:solidFill>
+                <a:schemeClr val="tx1"/>
+              </a:solidFill>
+            </a:endParaRPr>
+          </a:p>
+        </p:txBody>
+      </p:sp>
+      <p:sp>
+        <p:nvSpPr>
+          <p:cNvPr id="65" name="직사각형 64">
+            <a:extLst>
+              <a:ext uri="{FF2B5EF4-FFF2-40B4-BE49-F238E27FC236}">
+                <a16:creationId xmlns:a16="http://schemas.microsoft.com/office/drawing/2014/main" id="{6AC68498-CFD8-4FE8-B664-3B731A70E5A8}"/>
+              </a:ext>
+            </a:extLst>
+          </p:cNvPr>
+          <p:cNvSpPr/>
+          <p:nvPr/>
+        </p:nvSpPr>
+        <p:spPr>
+          <a:xfrm>
+            <a:off x="4282148" y="2324913"/>
+            <a:ext cx="399494" cy="452761"/>
+          </a:xfrm>
+          <a:prstGeom prst="rect">
+            <a:avLst/>
+          </a:prstGeom>
+          <a:noFill/>
+        </p:spPr>
+        <p:style>
+          <a:lnRef idx="2">
+            <a:schemeClr val="accent1">
+              <a:shade val="50000"/>
+            </a:schemeClr>
+          </a:lnRef>
+          <a:fillRef idx="1">
+            <a:schemeClr val="accent1"/>
+          </a:fillRef>
+          <a:effectRef idx="0">
+            <a:schemeClr val="accent1"/>
+          </a:effectRef>
+          <a:fontRef idx="minor">
+            <a:schemeClr val="lt1"/>
+          </a:fontRef>
+        </p:style>
+        <p:txBody>
+          <a:bodyPr rtlCol="0" anchor="ctr"/>
+          <a:lstStyle/>
+          <a:p>
+            <a:pPr algn="ctr"/>
+            <a:r>
+              <a:rPr lang="en-US" altLang="ko-KR">
+                <a:solidFill>
+                  <a:schemeClr val="bg2"/>
+                </a:solidFill>
+              </a:rPr>
+              <a:t>1</a:t>
+            </a:r>
+            <a:endParaRPr lang="ko-KR" altLang="en-US" dirty="0">
+              <a:solidFill>
+                <a:schemeClr val="bg2"/>
+              </a:solidFill>
+            </a:endParaRPr>
+          </a:p>
+        </p:txBody>
+      </p:sp>
+      <p:sp>
+        <p:nvSpPr>
+          <p:cNvPr id="66" name="직사각형 65">
+            <a:extLst>
+              <a:ext uri="{FF2B5EF4-FFF2-40B4-BE49-F238E27FC236}">
+                <a16:creationId xmlns:a16="http://schemas.microsoft.com/office/drawing/2014/main" id="{8F3C5A4A-14B5-4B82-8F2F-95089117AB5E}"/>
+              </a:ext>
+            </a:extLst>
+          </p:cNvPr>
+          <p:cNvSpPr/>
+          <p:nvPr/>
+        </p:nvSpPr>
+        <p:spPr>
+          <a:xfrm>
+            <a:off x="4752665" y="2324913"/>
+            <a:ext cx="399494" cy="452761"/>
+          </a:xfrm>
+          <a:prstGeom prst="rect">
+            <a:avLst/>
+          </a:prstGeom>
+          <a:noFill/>
+        </p:spPr>
+        <p:style>
+          <a:lnRef idx="2">
+            <a:schemeClr val="accent1">
+              <a:shade val="50000"/>
+            </a:schemeClr>
+          </a:lnRef>
+          <a:fillRef idx="1">
+            <a:schemeClr val="accent1"/>
+          </a:fillRef>
+          <a:effectRef idx="0">
+            <a:schemeClr val="accent1"/>
+          </a:effectRef>
+          <a:fontRef idx="minor">
+            <a:schemeClr val="lt1"/>
+          </a:fontRef>
+        </p:style>
+        <p:txBody>
+          <a:bodyPr rtlCol="0" anchor="ctr"/>
+          <a:lstStyle/>
+          <a:p>
+            <a:pPr algn="ctr"/>
+            <a:r>
+              <a:rPr lang="en-US" altLang="ko-KR">
+                <a:solidFill>
+                  <a:schemeClr val="tx1"/>
+                </a:solidFill>
+              </a:rPr>
+              <a:t>2</a:t>
+            </a:r>
+            <a:endParaRPr lang="ko-KR" altLang="en-US" dirty="0">
+              <a:solidFill>
+                <a:schemeClr val="tx1"/>
+              </a:solidFill>
+            </a:endParaRPr>
+          </a:p>
+        </p:txBody>
+      </p:sp>
+      <p:sp>
+        <p:nvSpPr>
+          <p:cNvPr id="67" name="직사각형 66">
+            <a:extLst>
+              <a:ext uri="{FF2B5EF4-FFF2-40B4-BE49-F238E27FC236}">
+                <a16:creationId xmlns:a16="http://schemas.microsoft.com/office/drawing/2014/main" id="{78CE1CB5-26B9-4040-8244-04B5530C540D}"/>
+              </a:ext>
+            </a:extLst>
+          </p:cNvPr>
+          <p:cNvSpPr/>
+          <p:nvPr/>
+        </p:nvSpPr>
+        <p:spPr>
+          <a:xfrm>
+            <a:off x="5236499" y="2324913"/>
+            <a:ext cx="399494" cy="452761"/>
+          </a:xfrm>
+          <a:prstGeom prst="rect">
+            <a:avLst/>
+          </a:prstGeom>
+          <a:noFill/>
+        </p:spPr>
+        <p:style>
+          <a:lnRef idx="2">
+            <a:schemeClr val="accent1">
+              <a:shade val="50000"/>
+            </a:schemeClr>
+          </a:lnRef>
+          <a:fillRef idx="1">
+            <a:schemeClr val="accent1"/>
+          </a:fillRef>
+          <a:effectRef idx="0">
+            <a:schemeClr val="accent1"/>
+          </a:effectRef>
+          <a:fontRef idx="minor">
+            <a:schemeClr val="lt1"/>
+          </a:fontRef>
+        </p:style>
+        <p:txBody>
+          <a:bodyPr rtlCol="0" anchor="ctr"/>
+          <a:lstStyle/>
+          <a:p>
+            <a:pPr algn="ctr"/>
+            <a:r>
+              <a:rPr lang="en-US" altLang="ko-KR">
+                <a:solidFill>
+                  <a:srgbClr val="FF0000"/>
+                </a:solidFill>
+              </a:rPr>
+              <a:t>3</a:t>
+            </a:r>
+            <a:endParaRPr lang="ko-KR" altLang="en-US" dirty="0">
+              <a:solidFill>
+                <a:srgbClr val="FF0000"/>
+              </a:solidFill>
+            </a:endParaRPr>
+          </a:p>
+        </p:txBody>
+      </p:sp>
+      <p:sp>
+        <p:nvSpPr>
+          <p:cNvPr id="68" name="직사각형 67">
+            <a:extLst>
+              <a:ext uri="{FF2B5EF4-FFF2-40B4-BE49-F238E27FC236}">
+                <a16:creationId xmlns:a16="http://schemas.microsoft.com/office/drawing/2014/main" id="{D1801B2D-5C87-4BDD-97FB-CCB6AE523AAB}"/>
+              </a:ext>
+            </a:extLst>
+          </p:cNvPr>
+          <p:cNvSpPr/>
+          <p:nvPr/>
+        </p:nvSpPr>
+        <p:spPr>
+          <a:xfrm>
+            <a:off x="3797793" y="2299630"/>
+            <a:ext cx="399494" cy="452761"/>
+          </a:xfrm>
+          <a:prstGeom prst="rect">
+            <a:avLst/>
+          </a:prstGeom>
+          <a:noFill/>
+          <a:ln>
+            <a:noFill/>
+          </a:ln>
+        </p:spPr>
+        <p:style>
+          <a:lnRef idx="2">
+            <a:schemeClr val="accent1">
+              <a:shade val="50000"/>
+            </a:schemeClr>
+          </a:lnRef>
+          <a:fillRef idx="1">
+            <a:schemeClr val="accent1"/>
+          </a:fillRef>
+          <a:effectRef idx="0">
+            <a:schemeClr val="accent1"/>
+          </a:effectRef>
+          <a:fontRef idx="minor">
+            <a:schemeClr val="lt1"/>
+          </a:fontRef>
+        </p:style>
+        <p:txBody>
+          <a:bodyPr rtlCol="0" anchor="ctr"/>
+          <a:lstStyle/>
+          <a:p>
+            <a:pPr algn="r"/>
+            <a:r>
+              <a:rPr lang="en-US" altLang="ko-KR" dirty="0">
+                <a:solidFill>
+                  <a:schemeClr val="tx1"/>
+                </a:solidFill>
+              </a:rPr>
+              <a:t>A</a:t>
+            </a:r>
+            <a:endParaRPr lang="ko-KR" altLang="en-US" dirty="0">
+              <a:solidFill>
+                <a:schemeClr val="tx1"/>
+              </a:solidFill>
+            </a:endParaRPr>
+          </a:p>
+        </p:txBody>
+      </p:sp>
+      <p:sp>
+        <p:nvSpPr>
+          <p:cNvPr id="73" name="직사각형 72">
+            <a:extLst>
+              <a:ext uri="{FF2B5EF4-FFF2-40B4-BE49-F238E27FC236}">
+                <a16:creationId xmlns:a16="http://schemas.microsoft.com/office/drawing/2014/main" id="{CC6A91DD-1277-47CD-ABAF-F7DE0E81D2C5}"/>
+              </a:ext>
+            </a:extLst>
+          </p:cNvPr>
+          <p:cNvSpPr/>
+          <p:nvPr/>
+        </p:nvSpPr>
+        <p:spPr>
+          <a:xfrm>
+            <a:off x="4248540" y="971842"/>
+            <a:ext cx="399494" cy="258802"/>
+          </a:xfrm>
+          <a:prstGeom prst="rect">
+            <a:avLst/>
+          </a:prstGeom>
+          <a:noFill/>
+          <a:ln>
+            <a:noFill/>
+          </a:ln>
+        </p:spPr>
+        <p:style>
+          <a:lnRef idx="2">
+            <a:schemeClr val="accent1">
+              <a:shade val="50000"/>
+            </a:schemeClr>
+          </a:lnRef>
+          <a:fillRef idx="1">
+            <a:schemeClr val="accent1"/>
+          </a:fillRef>
+          <a:effectRef idx="0">
+            <a:schemeClr val="accent1"/>
+          </a:effectRef>
+          <a:fontRef idx="minor">
+            <a:schemeClr val="lt1"/>
+          </a:fontRef>
+        </p:style>
+        <p:txBody>
+          <a:bodyPr rtlCol="0" anchor="ctr"/>
+          <a:lstStyle/>
+          <a:p>
+            <a:pPr algn="ctr"/>
+            <a:r>
+              <a:rPr lang="en-US" altLang="ko-KR" dirty="0">
+                <a:solidFill>
+                  <a:schemeClr val="tx1"/>
+                </a:solidFill>
+              </a:rPr>
+              <a:t>0</a:t>
+            </a:r>
+            <a:endParaRPr lang="ko-KR" altLang="en-US" dirty="0">
+              <a:solidFill>
+                <a:schemeClr val="tx1"/>
+              </a:solidFill>
+            </a:endParaRPr>
+          </a:p>
+        </p:txBody>
+      </p:sp>
+      <p:sp>
+        <p:nvSpPr>
+          <p:cNvPr id="74" name="직사각형 73">
+            <a:extLst>
+              <a:ext uri="{FF2B5EF4-FFF2-40B4-BE49-F238E27FC236}">
+                <a16:creationId xmlns:a16="http://schemas.microsoft.com/office/drawing/2014/main" id="{B205D183-4023-40CF-ABAC-E91568743C3A}"/>
+              </a:ext>
+            </a:extLst>
+          </p:cNvPr>
+          <p:cNvSpPr/>
+          <p:nvPr/>
+        </p:nvSpPr>
+        <p:spPr>
+          <a:xfrm>
+            <a:off x="4719057" y="971842"/>
+            <a:ext cx="399494" cy="258802"/>
+          </a:xfrm>
+          <a:prstGeom prst="rect">
+            <a:avLst/>
+          </a:prstGeom>
+          <a:noFill/>
+          <a:ln>
+            <a:noFill/>
+          </a:ln>
+        </p:spPr>
+        <p:style>
+          <a:lnRef idx="2">
+            <a:schemeClr val="accent1">
+              <a:shade val="50000"/>
+            </a:schemeClr>
+          </a:lnRef>
+          <a:fillRef idx="1">
+            <a:schemeClr val="accent1"/>
+          </a:fillRef>
+          <a:effectRef idx="0">
+            <a:schemeClr val="accent1"/>
+          </a:effectRef>
+          <a:fontRef idx="minor">
+            <a:schemeClr val="lt1"/>
+          </a:fontRef>
+        </p:style>
+        <p:txBody>
+          <a:bodyPr rtlCol="0" anchor="ctr"/>
+          <a:lstStyle/>
+          <a:p>
+            <a:pPr algn="ctr"/>
+            <a:r>
+              <a:rPr lang="en-US" altLang="ko-KR" dirty="0">
+                <a:solidFill>
+                  <a:schemeClr val="tx1"/>
+                </a:solidFill>
+              </a:rPr>
+              <a:t>1</a:t>
+            </a:r>
+            <a:endParaRPr lang="ko-KR" altLang="en-US" dirty="0">
+              <a:solidFill>
+                <a:schemeClr val="tx1"/>
+              </a:solidFill>
+            </a:endParaRPr>
+          </a:p>
+        </p:txBody>
+      </p:sp>
+      <p:sp>
+        <p:nvSpPr>
+          <p:cNvPr id="75" name="직사각형 74">
+            <a:extLst>
+              <a:ext uri="{FF2B5EF4-FFF2-40B4-BE49-F238E27FC236}">
+                <a16:creationId xmlns:a16="http://schemas.microsoft.com/office/drawing/2014/main" id="{78F25E5D-C11E-4285-B053-FEE2A4DD7CD3}"/>
+              </a:ext>
+            </a:extLst>
+          </p:cNvPr>
+          <p:cNvSpPr/>
+          <p:nvPr/>
+        </p:nvSpPr>
+        <p:spPr>
+          <a:xfrm>
+            <a:off x="5202891" y="971842"/>
+            <a:ext cx="399494" cy="258802"/>
+          </a:xfrm>
+          <a:prstGeom prst="rect">
+            <a:avLst/>
+          </a:prstGeom>
+          <a:noFill/>
+          <a:ln>
+            <a:noFill/>
+          </a:ln>
+        </p:spPr>
+        <p:style>
+          <a:lnRef idx="2">
+            <a:schemeClr val="accent1">
+              <a:shade val="50000"/>
+            </a:schemeClr>
+          </a:lnRef>
+          <a:fillRef idx="1">
+            <a:schemeClr val="accent1"/>
+          </a:fillRef>
+          <a:effectRef idx="0">
+            <a:schemeClr val="accent1"/>
+          </a:effectRef>
+          <a:fontRef idx="minor">
+            <a:schemeClr val="lt1"/>
+          </a:fontRef>
+        </p:style>
+        <p:txBody>
+          <a:bodyPr rtlCol="0" anchor="ctr"/>
+          <a:lstStyle/>
+          <a:p>
+            <a:pPr algn="ctr"/>
+            <a:r>
+              <a:rPr lang="en-US" altLang="ko-KR" dirty="0">
+                <a:solidFill>
+                  <a:schemeClr val="tx1"/>
+                </a:solidFill>
+              </a:rPr>
+              <a:t>2</a:t>
+            </a:r>
+            <a:endParaRPr lang="ko-KR" altLang="en-US" dirty="0">
+              <a:solidFill>
+                <a:schemeClr val="tx1"/>
+              </a:solidFill>
+            </a:endParaRPr>
+          </a:p>
+        </p:txBody>
+      </p:sp>
+      <p:sp>
+        <p:nvSpPr>
+          <p:cNvPr id="88" name="직사각형 87">
+            <a:extLst>
+              <a:ext uri="{FF2B5EF4-FFF2-40B4-BE49-F238E27FC236}">
+                <a16:creationId xmlns:a16="http://schemas.microsoft.com/office/drawing/2014/main" id="{295B4A6A-3501-4499-AF42-FD3BD8AECD4F}"/>
+              </a:ext>
+            </a:extLst>
+          </p:cNvPr>
+          <p:cNvSpPr/>
+          <p:nvPr/>
+        </p:nvSpPr>
+        <p:spPr>
+          <a:xfrm>
+            <a:off x="2330669" y="1258413"/>
+            <a:ext cx="399494" cy="452761"/>
+          </a:xfrm>
+          <a:prstGeom prst="rect">
+            <a:avLst/>
+          </a:prstGeom>
+          <a:noFill/>
+        </p:spPr>
+        <p:style>
+          <a:lnRef idx="2">
+            <a:schemeClr val="accent1">
+              <a:shade val="50000"/>
+            </a:schemeClr>
+          </a:lnRef>
+          <a:fillRef idx="1">
+            <a:schemeClr val="accent1"/>
+          </a:fillRef>
+          <a:effectRef idx="0">
+            <a:schemeClr val="accent1"/>
+          </a:effectRef>
+          <a:fontRef idx="minor">
+            <a:schemeClr val="lt1"/>
+          </a:fontRef>
+        </p:style>
+        <p:txBody>
+          <a:bodyPr rtlCol="0" anchor="ctr"/>
+          <a:lstStyle/>
+          <a:p>
+            <a:pPr algn="ctr"/>
+            <a:r>
+              <a:rPr lang="en-US" altLang="ko-KR">
+                <a:solidFill>
+                  <a:schemeClr val="tx1"/>
+                </a:solidFill>
+              </a:rPr>
+              <a:t>1</a:t>
+            </a:r>
+            <a:endParaRPr lang="ko-KR" altLang="en-US" dirty="0">
+              <a:solidFill>
+                <a:schemeClr val="tx1"/>
+              </a:solidFill>
+            </a:endParaRPr>
+          </a:p>
+        </p:txBody>
+      </p:sp>
+      <p:sp>
+        <p:nvSpPr>
+          <p:cNvPr id="89" name="직사각형 88">
+            <a:extLst>
+              <a:ext uri="{FF2B5EF4-FFF2-40B4-BE49-F238E27FC236}">
+                <a16:creationId xmlns:a16="http://schemas.microsoft.com/office/drawing/2014/main" id="{3F347EBF-17C8-4EA4-9732-393F2CF8030E}"/>
+              </a:ext>
+            </a:extLst>
+          </p:cNvPr>
+          <p:cNvSpPr/>
+          <p:nvPr/>
+        </p:nvSpPr>
+        <p:spPr>
+          <a:xfrm>
+            <a:off x="2801186" y="1258413"/>
+            <a:ext cx="399494" cy="452761"/>
+          </a:xfrm>
+          <a:prstGeom prst="rect">
+            <a:avLst/>
+          </a:prstGeom>
+          <a:noFill/>
+        </p:spPr>
+        <p:style>
+          <a:lnRef idx="2">
+            <a:schemeClr val="accent1">
+              <a:shade val="50000"/>
+            </a:schemeClr>
+          </a:lnRef>
+          <a:fillRef idx="1">
+            <a:schemeClr val="accent1"/>
+          </a:fillRef>
+          <a:effectRef idx="0">
+            <a:schemeClr val="accent1"/>
+          </a:effectRef>
+          <a:fontRef idx="minor">
+            <a:schemeClr val="lt1"/>
+          </a:fontRef>
+        </p:style>
+        <p:txBody>
+          <a:bodyPr rtlCol="0" anchor="ctr"/>
+          <a:lstStyle/>
+          <a:p>
+            <a:pPr algn="ctr"/>
+            <a:r>
+              <a:rPr lang="en-US" altLang="ko-KR">
+                <a:solidFill>
+                  <a:schemeClr val="tx1"/>
+                </a:solidFill>
+              </a:rPr>
+              <a:t>2</a:t>
+            </a:r>
+            <a:endParaRPr lang="ko-KR" altLang="en-US" dirty="0">
+              <a:solidFill>
+                <a:schemeClr val="tx1"/>
+              </a:solidFill>
+            </a:endParaRPr>
+          </a:p>
+        </p:txBody>
+      </p:sp>
+      <p:sp>
+        <p:nvSpPr>
+          <p:cNvPr id="91" name="직사각형 90">
+            <a:extLst>
+              <a:ext uri="{FF2B5EF4-FFF2-40B4-BE49-F238E27FC236}">
+                <a16:creationId xmlns:a16="http://schemas.microsoft.com/office/drawing/2014/main" id="{7602432C-60E7-46E0-BE85-DF79D4E68BC3}"/>
+              </a:ext>
+            </a:extLst>
+          </p:cNvPr>
+          <p:cNvSpPr/>
+          <p:nvPr/>
+        </p:nvSpPr>
+        <p:spPr>
+          <a:xfrm>
+            <a:off x="1846314" y="1233130"/>
+            <a:ext cx="399494" cy="452761"/>
+          </a:xfrm>
+          <a:prstGeom prst="rect">
+            <a:avLst/>
+          </a:prstGeom>
+          <a:noFill/>
+          <a:ln>
+            <a:noFill/>
+          </a:ln>
+        </p:spPr>
+        <p:style>
+          <a:lnRef idx="2">
+            <a:schemeClr val="accent1">
+              <a:shade val="50000"/>
+            </a:schemeClr>
+          </a:lnRef>
+          <a:fillRef idx="1">
+            <a:schemeClr val="accent1"/>
+          </a:fillRef>
+          <a:effectRef idx="0">
+            <a:schemeClr val="accent1"/>
+          </a:effectRef>
+          <a:fontRef idx="minor">
+            <a:schemeClr val="lt1"/>
+          </a:fontRef>
+        </p:style>
+        <p:txBody>
+          <a:bodyPr rtlCol="0" anchor="ctr"/>
+          <a:lstStyle/>
+          <a:p>
+            <a:pPr algn="r"/>
+            <a:r>
+              <a:rPr lang="en-US" altLang="ko-KR" dirty="0">
+                <a:solidFill>
+                  <a:schemeClr val="tx1"/>
+                </a:solidFill>
+              </a:rPr>
+              <a:t>A</a:t>
+            </a:r>
+            <a:endParaRPr lang="ko-KR" altLang="en-US" dirty="0">
+              <a:solidFill>
+                <a:schemeClr val="tx1"/>
+              </a:solidFill>
+            </a:endParaRPr>
+          </a:p>
+        </p:txBody>
+      </p:sp>
+      <p:sp>
+        <p:nvSpPr>
+          <p:cNvPr id="100" name="직사각형 99">
+            <a:extLst>
+              <a:ext uri="{FF2B5EF4-FFF2-40B4-BE49-F238E27FC236}">
+                <a16:creationId xmlns:a16="http://schemas.microsoft.com/office/drawing/2014/main" id="{05B2AD6A-6F15-47D3-BEEE-95E34979B531}"/>
+              </a:ext>
+            </a:extLst>
+          </p:cNvPr>
+          <p:cNvSpPr/>
+          <p:nvPr/>
+        </p:nvSpPr>
+        <p:spPr>
+          <a:xfrm>
+            <a:off x="2297061" y="971842"/>
+            <a:ext cx="399494" cy="258802"/>
+          </a:xfrm>
+          <a:prstGeom prst="rect">
+            <a:avLst/>
+          </a:prstGeom>
+          <a:noFill/>
+          <a:ln>
+            <a:noFill/>
+          </a:ln>
+        </p:spPr>
+        <p:style>
+          <a:lnRef idx="2">
+            <a:schemeClr val="accent1">
+              <a:shade val="50000"/>
+            </a:schemeClr>
+          </a:lnRef>
+          <a:fillRef idx="1">
+            <a:schemeClr val="accent1"/>
+          </a:fillRef>
+          <a:effectRef idx="0">
+            <a:schemeClr val="accent1"/>
+          </a:effectRef>
+          <a:fontRef idx="minor">
+            <a:schemeClr val="lt1"/>
+          </a:fontRef>
+        </p:style>
+        <p:txBody>
+          <a:bodyPr rtlCol="0" anchor="ctr"/>
+          <a:lstStyle/>
+          <a:p>
+            <a:pPr algn="ctr"/>
+            <a:r>
+              <a:rPr lang="en-US" altLang="ko-KR" dirty="0">
+                <a:solidFill>
+                  <a:schemeClr val="tx1"/>
+                </a:solidFill>
+              </a:rPr>
+              <a:t>0</a:t>
+            </a:r>
+            <a:endParaRPr lang="ko-KR" altLang="en-US" dirty="0">
+              <a:solidFill>
+                <a:schemeClr val="tx1"/>
+              </a:solidFill>
+            </a:endParaRPr>
+          </a:p>
+        </p:txBody>
+      </p:sp>
+      <p:sp>
+        <p:nvSpPr>
+          <p:cNvPr id="101" name="직사각형 100">
+            <a:extLst>
+              <a:ext uri="{FF2B5EF4-FFF2-40B4-BE49-F238E27FC236}">
+                <a16:creationId xmlns:a16="http://schemas.microsoft.com/office/drawing/2014/main" id="{F6F29984-2371-45AF-ACDE-01C715C30DF9}"/>
+              </a:ext>
+            </a:extLst>
+          </p:cNvPr>
+          <p:cNvSpPr/>
+          <p:nvPr/>
+        </p:nvSpPr>
+        <p:spPr>
+          <a:xfrm>
+            <a:off x="2767578" y="971842"/>
+            <a:ext cx="399494" cy="258802"/>
+          </a:xfrm>
+          <a:prstGeom prst="rect">
+            <a:avLst/>
+          </a:prstGeom>
+          <a:noFill/>
+          <a:ln>
+            <a:noFill/>
+          </a:ln>
+        </p:spPr>
+        <p:style>
+          <a:lnRef idx="2">
+            <a:schemeClr val="accent1">
+              <a:shade val="50000"/>
+            </a:schemeClr>
+          </a:lnRef>
+          <a:fillRef idx="1">
+            <a:schemeClr val="accent1"/>
+          </a:fillRef>
+          <a:effectRef idx="0">
+            <a:schemeClr val="accent1"/>
+          </a:effectRef>
+          <a:fontRef idx="minor">
+            <a:schemeClr val="lt1"/>
+          </a:fontRef>
+        </p:style>
+        <p:txBody>
+          <a:bodyPr rtlCol="0" anchor="ctr"/>
+          <a:lstStyle/>
+          <a:p>
+            <a:pPr algn="ctr"/>
+            <a:r>
+              <a:rPr lang="en-US" altLang="ko-KR" dirty="0">
+                <a:solidFill>
+                  <a:schemeClr val="tx1"/>
+                </a:solidFill>
+              </a:rPr>
+              <a:t>1</a:t>
+            </a:r>
+            <a:endParaRPr lang="ko-KR" altLang="en-US" dirty="0">
+              <a:solidFill>
+                <a:schemeClr val="tx1"/>
+              </a:solidFill>
+            </a:endParaRPr>
+          </a:p>
+        </p:txBody>
+      </p:sp>
+      <p:sp>
+        <p:nvSpPr>
+          <p:cNvPr id="103" name="직사각형 102">
+            <a:extLst>
+              <a:ext uri="{FF2B5EF4-FFF2-40B4-BE49-F238E27FC236}">
+                <a16:creationId xmlns:a16="http://schemas.microsoft.com/office/drawing/2014/main" id="{BEDA2D04-DF67-48A3-9132-1C525C2B4BA9}"/>
+              </a:ext>
+            </a:extLst>
+          </p:cNvPr>
+          <p:cNvSpPr/>
+          <p:nvPr/>
+        </p:nvSpPr>
+        <p:spPr>
+          <a:xfrm>
+            <a:off x="2330669" y="1814880"/>
+            <a:ext cx="399494" cy="452761"/>
+          </a:xfrm>
+          <a:prstGeom prst="rect">
+            <a:avLst/>
+          </a:prstGeom>
+          <a:noFill/>
+        </p:spPr>
+        <p:style>
+          <a:lnRef idx="2">
+            <a:schemeClr val="accent1">
+              <a:shade val="50000"/>
+            </a:schemeClr>
+          </a:lnRef>
+          <a:fillRef idx="1">
+            <a:schemeClr val="accent1"/>
+          </a:fillRef>
+          <a:effectRef idx="0">
+            <a:schemeClr val="accent1"/>
+          </a:effectRef>
+          <a:fontRef idx="minor">
+            <a:schemeClr val="lt1"/>
+          </a:fontRef>
+        </p:style>
+        <p:txBody>
+          <a:bodyPr rtlCol="0" anchor="ctr"/>
+          <a:lstStyle/>
+          <a:p>
+            <a:pPr algn="ctr"/>
+            <a:r>
+              <a:rPr lang="en-US" altLang="ko-KR">
+                <a:solidFill>
+                  <a:schemeClr val="tx1"/>
+                </a:solidFill>
+              </a:rPr>
+              <a:t>1</a:t>
+            </a:r>
+            <a:endParaRPr lang="ko-KR" altLang="en-US" dirty="0">
+              <a:solidFill>
+                <a:schemeClr val="tx1"/>
+              </a:solidFill>
+            </a:endParaRPr>
+          </a:p>
+        </p:txBody>
+      </p:sp>
+      <p:sp>
+        <p:nvSpPr>
+          <p:cNvPr id="104" name="직사각형 103">
+            <a:extLst>
+              <a:ext uri="{FF2B5EF4-FFF2-40B4-BE49-F238E27FC236}">
+                <a16:creationId xmlns:a16="http://schemas.microsoft.com/office/drawing/2014/main" id="{3B9E0F6B-741A-4DFC-AEB5-CBBAF7C9F53A}"/>
+              </a:ext>
+            </a:extLst>
+          </p:cNvPr>
+          <p:cNvSpPr/>
+          <p:nvPr/>
+        </p:nvSpPr>
+        <p:spPr>
+          <a:xfrm>
+            <a:off x="2801186" y="1814880"/>
+            <a:ext cx="399494" cy="452761"/>
+          </a:xfrm>
+          <a:prstGeom prst="rect">
+            <a:avLst/>
+          </a:prstGeom>
+          <a:noFill/>
+        </p:spPr>
+        <p:style>
+          <a:lnRef idx="2">
+            <a:schemeClr val="accent1">
+              <a:shade val="50000"/>
+            </a:schemeClr>
+          </a:lnRef>
+          <a:fillRef idx="1">
+            <a:schemeClr val="accent1"/>
+          </a:fillRef>
+          <a:effectRef idx="0">
+            <a:schemeClr val="accent1"/>
+          </a:effectRef>
+          <a:fontRef idx="minor">
+            <a:schemeClr val="lt1"/>
+          </a:fontRef>
+        </p:style>
+        <p:txBody>
+          <a:bodyPr rtlCol="0" anchor="ctr"/>
+          <a:lstStyle/>
+          <a:p>
+            <a:pPr algn="ctr"/>
+            <a:r>
+              <a:rPr lang="en-US" altLang="ko-KR">
+                <a:solidFill>
+                  <a:srgbClr val="FF0000"/>
+                </a:solidFill>
+              </a:rPr>
+              <a:t>2</a:t>
+            </a:r>
+            <a:endParaRPr lang="ko-KR" altLang="en-US" dirty="0">
+              <a:solidFill>
+                <a:srgbClr val="FF0000"/>
+              </a:solidFill>
+            </a:endParaRPr>
+          </a:p>
+        </p:txBody>
+      </p:sp>
+      <p:sp>
+        <p:nvSpPr>
+          <p:cNvPr id="105" name="직사각형 104">
+            <a:extLst>
+              <a:ext uri="{FF2B5EF4-FFF2-40B4-BE49-F238E27FC236}">
+                <a16:creationId xmlns:a16="http://schemas.microsoft.com/office/drawing/2014/main" id="{223DBBEF-FE02-47A7-8896-35827D9706D9}"/>
+              </a:ext>
+            </a:extLst>
+          </p:cNvPr>
+          <p:cNvSpPr/>
+          <p:nvPr/>
+        </p:nvSpPr>
+        <p:spPr>
+          <a:xfrm>
+            <a:off x="1846314" y="1789597"/>
+            <a:ext cx="399494" cy="452761"/>
+          </a:xfrm>
+          <a:prstGeom prst="rect">
+            <a:avLst/>
+          </a:prstGeom>
+          <a:noFill/>
+          <a:ln>
+            <a:noFill/>
+          </a:ln>
+        </p:spPr>
+        <p:style>
+          <a:lnRef idx="2">
+            <a:schemeClr val="accent1">
+              <a:shade val="50000"/>
+            </a:schemeClr>
+          </a:lnRef>
+          <a:fillRef idx="1">
+            <a:schemeClr val="accent1"/>
+          </a:fillRef>
+          <a:effectRef idx="0">
+            <a:schemeClr val="accent1"/>
+          </a:effectRef>
+          <a:fontRef idx="minor">
+            <a:schemeClr val="lt1"/>
+          </a:fontRef>
+        </p:style>
+        <p:txBody>
+          <a:bodyPr rtlCol="0" anchor="ctr"/>
+          <a:lstStyle/>
+          <a:p>
+            <a:pPr algn="r"/>
+            <a:r>
+              <a:rPr lang="en-US" altLang="ko-KR" dirty="0">
+                <a:solidFill>
+                  <a:schemeClr val="tx1"/>
+                </a:solidFill>
+              </a:rPr>
+              <a:t>A</a:t>
+            </a:r>
+            <a:endParaRPr lang="ko-KR" altLang="en-US" dirty="0">
+              <a:solidFill>
+                <a:schemeClr val="tx1"/>
+              </a:solidFill>
+            </a:endParaRPr>
+          </a:p>
+        </p:txBody>
+      </p:sp>
+      <p:sp>
+        <p:nvSpPr>
+          <p:cNvPr id="106" name="직사각형 105">
+            <a:extLst>
+              <a:ext uri="{FF2B5EF4-FFF2-40B4-BE49-F238E27FC236}">
+                <a16:creationId xmlns:a16="http://schemas.microsoft.com/office/drawing/2014/main" id="{D5A143A2-C799-4623-81D9-C5A3D2C00654}"/>
+              </a:ext>
+            </a:extLst>
+          </p:cNvPr>
+          <p:cNvSpPr/>
+          <p:nvPr/>
+        </p:nvSpPr>
+        <p:spPr>
+          <a:xfrm>
+            <a:off x="849707" y="1258413"/>
+            <a:ext cx="399494" cy="452761"/>
+          </a:xfrm>
+          <a:prstGeom prst="rect">
+            <a:avLst/>
+          </a:prstGeom>
+          <a:noFill/>
+        </p:spPr>
+        <p:style>
+          <a:lnRef idx="2">
+            <a:schemeClr val="accent1">
+              <a:shade val="50000"/>
+            </a:schemeClr>
+          </a:lnRef>
+          <a:fillRef idx="1">
+            <a:schemeClr val="accent1"/>
+          </a:fillRef>
+          <a:effectRef idx="0">
+            <a:schemeClr val="accent1"/>
+          </a:effectRef>
+          <a:fontRef idx="minor">
+            <a:schemeClr val="lt1"/>
+          </a:fontRef>
+        </p:style>
+        <p:txBody>
+          <a:bodyPr rtlCol="0" anchor="ctr"/>
+          <a:lstStyle/>
+          <a:p>
+            <a:pPr algn="ctr"/>
+            <a:r>
+              <a:rPr lang="en-US" altLang="ko-KR">
+                <a:solidFill>
+                  <a:srgbClr val="FF0000"/>
+                </a:solidFill>
+              </a:rPr>
+              <a:t>1</a:t>
+            </a:r>
+            <a:endParaRPr lang="ko-KR" altLang="en-US" dirty="0">
+              <a:solidFill>
+                <a:srgbClr val="FF0000"/>
+              </a:solidFill>
+            </a:endParaRPr>
+          </a:p>
+        </p:txBody>
+      </p:sp>
+      <p:sp>
+        <p:nvSpPr>
+          <p:cNvPr id="107" name="직사각형 106">
+            <a:extLst>
+              <a:ext uri="{FF2B5EF4-FFF2-40B4-BE49-F238E27FC236}">
+                <a16:creationId xmlns:a16="http://schemas.microsoft.com/office/drawing/2014/main" id="{2D27D32A-4D8E-4879-BA95-774319FE5751}"/>
+              </a:ext>
+            </a:extLst>
+          </p:cNvPr>
+          <p:cNvSpPr/>
+          <p:nvPr/>
+        </p:nvSpPr>
+        <p:spPr>
+          <a:xfrm>
+            <a:off x="365352" y="1233130"/>
+            <a:ext cx="399494" cy="452761"/>
+          </a:xfrm>
+          <a:prstGeom prst="rect">
+            <a:avLst/>
+          </a:prstGeom>
+          <a:noFill/>
+          <a:ln>
+            <a:noFill/>
+          </a:ln>
+        </p:spPr>
+        <p:style>
+          <a:lnRef idx="2">
+            <a:schemeClr val="accent1">
+              <a:shade val="50000"/>
+            </a:schemeClr>
+          </a:lnRef>
+          <a:fillRef idx="1">
+            <a:schemeClr val="accent1"/>
+          </a:fillRef>
+          <a:effectRef idx="0">
+            <a:schemeClr val="accent1"/>
+          </a:effectRef>
+          <a:fontRef idx="minor">
+            <a:schemeClr val="lt1"/>
+          </a:fontRef>
+        </p:style>
+        <p:txBody>
+          <a:bodyPr rtlCol="0" anchor="ctr"/>
+          <a:lstStyle/>
+          <a:p>
+            <a:pPr algn="r"/>
+            <a:r>
+              <a:rPr lang="en-US" altLang="ko-KR" dirty="0">
+                <a:solidFill>
+                  <a:schemeClr val="tx1"/>
+                </a:solidFill>
+              </a:rPr>
+              <a:t>A</a:t>
+            </a:r>
+            <a:endParaRPr lang="ko-KR" altLang="en-US" dirty="0">
+              <a:solidFill>
+                <a:schemeClr val="tx1"/>
+              </a:solidFill>
+            </a:endParaRPr>
+          </a:p>
+        </p:txBody>
+      </p:sp>
+      <p:sp>
+        <p:nvSpPr>
+          <p:cNvPr id="108" name="직사각형 107">
+            <a:extLst>
+              <a:ext uri="{FF2B5EF4-FFF2-40B4-BE49-F238E27FC236}">
+                <a16:creationId xmlns:a16="http://schemas.microsoft.com/office/drawing/2014/main" id="{FD58C6D0-4466-4470-BED7-EF86B14A1E73}"/>
+              </a:ext>
+            </a:extLst>
+          </p:cNvPr>
+          <p:cNvSpPr/>
+          <p:nvPr/>
+        </p:nvSpPr>
+        <p:spPr>
+          <a:xfrm>
+            <a:off x="816099" y="971842"/>
+            <a:ext cx="399494" cy="258802"/>
+          </a:xfrm>
+          <a:prstGeom prst="rect">
+            <a:avLst/>
+          </a:prstGeom>
+          <a:noFill/>
+          <a:ln>
+            <a:noFill/>
+          </a:ln>
+        </p:spPr>
+        <p:style>
+          <a:lnRef idx="2">
+            <a:schemeClr val="accent1">
+              <a:shade val="50000"/>
+            </a:schemeClr>
+          </a:lnRef>
+          <a:fillRef idx="1">
+            <a:schemeClr val="accent1"/>
+          </a:fillRef>
+          <a:effectRef idx="0">
+            <a:schemeClr val="accent1"/>
+          </a:effectRef>
+          <a:fontRef idx="minor">
+            <a:schemeClr val="lt1"/>
+          </a:fontRef>
+        </p:style>
+        <p:txBody>
+          <a:bodyPr rtlCol="0" anchor="ctr"/>
+          <a:lstStyle/>
+          <a:p>
+            <a:pPr algn="ctr"/>
+            <a:r>
+              <a:rPr lang="en-US" altLang="ko-KR" dirty="0">
+                <a:solidFill>
+                  <a:schemeClr val="tx1"/>
+                </a:solidFill>
+              </a:rPr>
+              <a:t>0</a:t>
+            </a:r>
+            <a:endParaRPr lang="ko-KR" altLang="en-US" dirty="0">
+              <a:solidFill>
+                <a:schemeClr val="tx1"/>
+              </a:solidFill>
+            </a:endParaRPr>
+          </a:p>
+        </p:txBody>
+      </p:sp>
+      <p:sp>
+        <p:nvSpPr>
+          <p:cNvPr id="114" name="화살표: 왼쪽 113">
+            <a:extLst>
+              <a:ext uri="{FF2B5EF4-FFF2-40B4-BE49-F238E27FC236}">
+                <a16:creationId xmlns:a16="http://schemas.microsoft.com/office/drawing/2014/main" id="{B8710672-1D32-47DC-AEE8-B70A5CA05422}"/>
+              </a:ext>
+            </a:extLst>
+          </p:cNvPr>
+          <p:cNvSpPr/>
+          <p:nvPr/>
+        </p:nvSpPr>
+        <p:spPr>
+          <a:xfrm>
+            <a:off x="8739963" y="1281422"/>
+            <a:ext cx="399494" cy="327868"/>
+          </a:xfrm>
+          <a:prstGeom prst="leftArrow">
+            <a:avLst/>
+          </a:prstGeom>
+        </p:spPr>
+        <p:style>
+          <a:lnRef idx="2">
+            <a:schemeClr val="accent1">
+              <a:shade val="50000"/>
+            </a:schemeClr>
+          </a:lnRef>
+          <a:fillRef idx="1">
+            <a:schemeClr val="accent1"/>
+          </a:fillRef>
+          <a:effectRef idx="0">
+            <a:schemeClr val="accent1"/>
+          </a:effectRef>
+          <a:fontRef idx="minor">
+            <a:schemeClr val="lt1"/>
+          </a:fontRef>
+        </p:style>
+        <p:txBody>
+          <a:bodyPr rtlCol="0" anchor="ctr"/>
+          <a:lstStyle/>
+          <a:p>
+            <a:pPr algn="ctr"/>
+            <a:endParaRPr lang="ko-KR" altLang="en-US"/>
+          </a:p>
+        </p:txBody>
+      </p:sp>
+      <p:sp>
+        <p:nvSpPr>
+          <p:cNvPr id="115" name="화살표: 왼쪽 114">
+            <a:extLst>
+              <a:ext uri="{FF2B5EF4-FFF2-40B4-BE49-F238E27FC236}">
+                <a16:creationId xmlns:a16="http://schemas.microsoft.com/office/drawing/2014/main" id="{86F64FD6-3C07-431E-B58F-47BA72A78FCA}"/>
+              </a:ext>
+            </a:extLst>
+          </p:cNvPr>
+          <p:cNvSpPr/>
+          <p:nvPr/>
+        </p:nvSpPr>
+        <p:spPr>
+          <a:xfrm>
+            <a:off x="5820816" y="1281422"/>
+            <a:ext cx="399494" cy="327868"/>
+          </a:xfrm>
+          <a:prstGeom prst="leftArrow">
+            <a:avLst/>
+          </a:prstGeom>
+        </p:spPr>
+        <p:style>
+          <a:lnRef idx="2">
+            <a:schemeClr val="accent1">
+              <a:shade val="50000"/>
+            </a:schemeClr>
+          </a:lnRef>
+          <a:fillRef idx="1">
+            <a:schemeClr val="accent1"/>
+          </a:fillRef>
+          <a:effectRef idx="0">
+            <a:schemeClr val="accent1"/>
+          </a:effectRef>
+          <a:fontRef idx="minor">
+            <a:schemeClr val="lt1"/>
+          </a:fontRef>
+        </p:style>
+        <p:txBody>
+          <a:bodyPr rtlCol="0" anchor="ctr"/>
+          <a:lstStyle/>
+          <a:p>
+            <a:pPr algn="ctr"/>
+            <a:endParaRPr lang="ko-KR" altLang="en-US"/>
+          </a:p>
+        </p:txBody>
+      </p:sp>
+      <p:sp>
+        <p:nvSpPr>
+          <p:cNvPr id="116" name="화살표: 왼쪽 115">
+            <a:extLst>
+              <a:ext uri="{FF2B5EF4-FFF2-40B4-BE49-F238E27FC236}">
+                <a16:creationId xmlns:a16="http://schemas.microsoft.com/office/drawing/2014/main" id="{C0789CDE-A894-4943-82D1-53D6D4D700B3}"/>
+              </a:ext>
+            </a:extLst>
+          </p:cNvPr>
+          <p:cNvSpPr/>
+          <p:nvPr/>
+        </p:nvSpPr>
+        <p:spPr>
+          <a:xfrm>
+            <a:off x="3348578" y="1281422"/>
+            <a:ext cx="399494" cy="327868"/>
+          </a:xfrm>
+          <a:prstGeom prst="leftArrow">
+            <a:avLst/>
+          </a:prstGeom>
+        </p:spPr>
+        <p:style>
+          <a:lnRef idx="2">
+            <a:schemeClr val="accent1">
+              <a:shade val="50000"/>
+            </a:schemeClr>
+          </a:lnRef>
+          <a:fillRef idx="1">
+            <a:schemeClr val="accent1"/>
+          </a:fillRef>
+          <a:effectRef idx="0">
+            <a:schemeClr val="accent1"/>
+          </a:effectRef>
+          <a:fontRef idx="minor">
+            <a:schemeClr val="lt1"/>
+          </a:fontRef>
+        </p:style>
+        <p:txBody>
+          <a:bodyPr rtlCol="0" anchor="ctr"/>
+          <a:lstStyle/>
+          <a:p>
+            <a:pPr algn="ctr"/>
+            <a:endParaRPr lang="ko-KR" altLang="en-US"/>
+          </a:p>
+        </p:txBody>
+      </p:sp>
+      <p:sp>
+        <p:nvSpPr>
+          <p:cNvPr id="117" name="화살표: 왼쪽 116">
+            <a:extLst>
+              <a:ext uri="{FF2B5EF4-FFF2-40B4-BE49-F238E27FC236}">
+                <a16:creationId xmlns:a16="http://schemas.microsoft.com/office/drawing/2014/main" id="{EA74B32C-A174-46E4-98EA-146D29568AD7}"/>
+              </a:ext>
+            </a:extLst>
+          </p:cNvPr>
+          <p:cNvSpPr/>
+          <p:nvPr/>
+        </p:nvSpPr>
+        <p:spPr>
+          <a:xfrm>
+            <a:off x="1354930" y="1281422"/>
+            <a:ext cx="399494" cy="327868"/>
+          </a:xfrm>
+          <a:prstGeom prst="leftArrow">
+            <a:avLst/>
+          </a:prstGeom>
+        </p:spPr>
+        <p:style>
+          <a:lnRef idx="2">
+            <a:schemeClr val="accent1">
+              <a:shade val="50000"/>
+            </a:schemeClr>
+          </a:lnRef>
+          <a:fillRef idx="1">
+            <a:schemeClr val="accent1"/>
+          </a:fillRef>
+          <a:effectRef idx="0">
+            <a:schemeClr val="accent1"/>
+          </a:effectRef>
+          <a:fontRef idx="minor">
+            <a:schemeClr val="lt1"/>
+          </a:fontRef>
+        </p:style>
+        <p:txBody>
+          <a:bodyPr rtlCol="0" anchor="ctr"/>
+          <a:lstStyle/>
+          <a:p>
+            <a:pPr algn="ctr"/>
+            <a:endParaRPr lang="ko-KR" altLang="en-US"/>
+          </a:p>
+        </p:txBody>
+      </p:sp>
+      <p:sp>
+        <p:nvSpPr>
+          <p:cNvPr id="118" name="TextBox 117">
+            <a:extLst>
+              <a:ext uri="{FF2B5EF4-FFF2-40B4-BE49-F238E27FC236}">
+                <a16:creationId xmlns:a16="http://schemas.microsoft.com/office/drawing/2014/main" id="{05DB8D0B-347C-4B85-B1B1-F6C370DC3AD6}"/>
+              </a:ext>
+            </a:extLst>
+          </p:cNvPr>
+          <p:cNvSpPr txBox="1"/>
+          <p:nvPr/>
+        </p:nvSpPr>
+        <p:spPr>
+          <a:xfrm>
+            <a:off x="9636610" y="446315"/>
+            <a:ext cx="1270876" cy="369332"/>
+          </a:xfrm>
+          <a:prstGeom prst="rect">
+            <a:avLst/>
+          </a:prstGeom>
+          <a:noFill/>
+        </p:spPr>
+        <p:txBody>
+          <a:bodyPr wrap="square" rtlCol="0">
+            <a:spAutoFit/>
+          </a:bodyPr>
+          <a:lstStyle/>
+          <a:p>
+            <a:r>
+              <a:rPr lang="en-US" altLang="ko-KR"/>
+              <a:t>1 round</a:t>
+            </a:r>
+            <a:endParaRPr lang="ko-KR" altLang="en-US"/>
+          </a:p>
+        </p:txBody>
+      </p:sp>
+      <p:sp>
+        <p:nvSpPr>
+          <p:cNvPr id="119" name="TextBox 118">
+            <a:extLst>
+              <a:ext uri="{FF2B5EF4-FFF2-40B4-BE49-F238E27FC236}">
+                <a16:creationId xmlns:a16="http://schemas.microsoft.com/office/drawing/2014/main" id="{D1C9CAA7-87BD-4C70-96C7-295BFE7FEAAB}"/>
+              </a:ext>
+            </a:extLst>
+          </p:cNvPr>
+          <p:cNvSpPr txBox="1"/>
+          <p:nvPr/>
+        </p:nvSpPr>
+        <p:spPr>
+          <a:xfrm>
+            <a:off x="6717461" y="468086"/>
+            <a:ext cx="1270876" cy="369332"/>
+          </a:xfrm>
+          <a:prstGeom prst="rect">
+            <a:avLst/>
+          </a:prstGeom>
+          <a:noFill/>
+        </p:spPr>
+        <p:txBody>
+          <a:bodyPr wrap="square" rtlCol="0">
+            <a:spAutoFit/>
+          </a:bodyPr>
+          <a:lstStyle/>
+          <a:p>
+            <a:r>
+              <a:rPr lang="en-US" altLang="ko-KR"/>
+              <a:t>2 round</a:t>
+            </a:r>
+            <a:endParaRPr lang="ko-KR" altLang="en-US"/>
+          </a:p>
+        </p:txBody>
+      </p:sp>
+      <p:sp>
+        <p:nvSpPr>
+          <p:cNvPr id="120" name="TextBox 119">
+            <a:extLst>
+              <a:ext uri="{FF2B5EF4-FFF2-40B4-BE49-F238E27FC236}">
+                <a16:creationId xmlns:a16="http://schemas.microsoft.com/office/drawing/2014/main" id="{8B7EDE15-A69E-4A8C-A8F4-43FAD3C1AAB5}"/>
+              </a:ext>
+            </a:extLst>
+          </p:cNvPr>
+          <p:cNvSpPr txBox="1"/>
+          <p:nvPr/>
+        </p:nvSpPr>
+        <p:spPr>
+          <a:xfrm>
+            <a:off x="4283366" y="468086"/>
+            <a:ext cx="1270876" cy="369332"/>
+          </a:xfrm>
+          <a:prstGeom prst="rect">
+            <a:avLst/>
+          </a:prstGeom>
+          <a:noFill/>
+        </p:spPr>
+        <p:txBody>
+          <a:bodyPr wrap="square" rtlCol="0">
+            <a:spAutoFit/>
+          </a:bodyPr>
+          <a:lstStyle/>
+          <a:p>
+            <a:r>
+              <a:rPr lang="en-US" altLang="ko-KR"/>
+              <a:t>3 round</a:t>
+            </a:r>
+            <a:endParaRPr lang="ko-KR" altLang="en-US"/>
+          </a:p>
+        </p:txBody>
+      </p:sp>
+      <p:sp>
+        <p:nvSpPr>
+          <p:cNvPr id="121" name="TextBox 120">
+            <a:extLst>
+              <a:ext uri="{FF2B5EF4-FFF2-40B4-BE49-F238E27FC236}">
+                <a16:creationId xmlns:a16="http://schemas.microsoft.com/office/drawing/2014/main" id="{EA2B61E4-D8BC-4631-8C6B-67A6DFD9E8F6}"/>
+              </a:ext>
+            </a:extLst>
+          </p:cNvPr>
+          <p:cNvSpPr txBox="1"/>
+          <p:nvPr/>
+        </p:nvSpPr>
+        <p:spPr>
+          <a:xfrm>
+            <a:off x="2245808" y="468086"/>
+            <a:ext cx="1270876" cy="369332"/>
+          </a:xfrm>
+          <a:prstGeom prst="rect">
+            <a:avLst/>
+          </a:prstGeom>
+          <a:noFill/>
+        </p:spPr>
+        <p:txBody>
+          <a:bodyPr wrap="square" rtlCol="0">
+            <a:spAutoFit/>
+          </a:bodyPr>
+          <a:lstStyle/>
+          <a:p>
+            <a:r>
+              <a:rPr lang="en-US" altLang="ko-KR"/>
+              <a:t>4 round</a:t>
+            </a:r>
+            <a:endParaRPr lang="ko-KR" altLang="en-US"/>
+          </a:p>
+        </p:txBody>
+      </p:sp>
+      <p:sp>
+        <p:nvSpPr>
+          <p:cNvPr id="122" name="직사각형 121">
+            <a:extLst>
+              <a:ext uri="{FF2B5EF4-FFF2-40B4-BE49-F238E27FC236}">
+                <a16:creationId xmlns:a16="http://schemas.microsoft.com/office/drawing/2014/main" id="{11B26C6C-6A3B-4582-9E03-B2E2DC2E38D8}"/>
+              </a:ext>
+            </a:extLst>
+          </p:cNvPr>
+          <p:cNvSpPr/>
+          <p:nvPr/>
+        </p:nvSpPr>
+        <p:spPr>
+          <a:xfrm>
+            <a:off x="4629459" y="4637343"/>
+            <a:ext cx="399494" cy="452761"/>
+          </a:xfrm>
+          <a:prstGeom prst="rect">
+            <a:avLst/>
+          </a:prstGeom>
+          <a:noFill/>
+        </p:spPr>
+        <p:style>
+          <a:lnRef idx="2">
+            <a:schemeClr val="accent1">
+              <a:shade val="50000"/>
+            </a:schemeClr>
+          </a:lnRef>
+          <a:fillRef idx="1">
+            <a:schemeClr val="accent1"/>
+          </a:fillRef>
+          <a:effectRef idx="0">
+            <a:schemeClr val="accent1"/>
+          </a:effectRef>
+          <a:fontRef idx="minor">
+            <a:schemeClr val="lt1"/>
+          </a:fontRef>
+        </p:style>
+        <p:txBody>
+          <a:bodyPr rtlCol="0" anchor="ctr"/>
+          <a:lstStyle/>
+          <a:p>
+            <a:pPr algn="ctr"/>
+            <a:r>
+              <a:rPr lang="en-US" altLang="ko-KR">
+                <a:solidFill>
+                  <a:schemeClr val="tx1"/>
+                </a:solidFill>
+              </a:rPr>
+              <a:t>1</a:t>
+            </a:r>
+            <a:endParaRPr lang="ko-KR" altLang="en-US" dirty="0">
+              <a:solidFill>
+                <a:schemeClr val="tx1"/>
+              </a:solidFill>
+            </a:endParaRPr>
+          </a:p>
+        </p:txBody>
+      </p:sp>
+      <p:sp>
+        <p:nvSpPr>
+          <p:cNvPr id="123" name="직사각형 122">
+            <a:extLst>
+              <a:ext uri="{FF2B5EF4-FFF2-40B4-BE49-F238E27FC236}">
+                <a16:creationId xmlns:a16="http://schemas.microsoft.com/office/drawing/2014/main" id="{5D8C7FF9-71CF-4964-9837-1BA095251533}"/>
+              </a:ext>
+            </a:extLst>
+          </p:cNvPr>
+          <p:cNvSpPr/>
+          <p:nvPr/>
+        </p:nvSpPr>
+        <p:spPr>
+          <a:xfrm>
+            <a:off x="5099976" y="4637343"/>
+            <a:ext cx="399494" cy="452761"/>
+          </a:xfrm>
+          <a:prstGeom prst="rect">
+            <a:avLst/>
+          </a:prstGeom>
+          <a:noFill/>
+        </p:spPr>
+        <p:style>
+          <a:lnRef idx="2">
+            <a:schemeClr val="accent1">
+              <a:shade val="50000"/>
+            </a:schemeClr>
+          </a:lnRef>
+          <a:fillRef idx="1">
+            <a:schemeClr val="accent1"/>
+          </a:fillRef>
+          <a:effectRef idx="0">
+            <a:schemeClr val="accent1"/>
+          </a:effectRef>
+          <a:fontRef idx="minor">
+            <a:schemeClr val="lt1"/>
+          </a:fontRef>
+        </p:style>
+        <p:txBody>
+          <a:bodyPr rtlCol="0" anchor="ctr"/>
+          <a:lstStyle/>
+          <a:p>
+            <a:pPr algn="ctr"/>
+            <a:r>
+              <a:rPr lang="en-US" altLang="ko-KR" dirty="0">
+                <a:solidFill>
+                  <a:schemeClr val="tx1"/>
+                </a:solidFill>
+              </a:rPr>
+              <a:t>2</a:t>
+            </a:r>
+            <a:endParaRPr lang="ko-KR" altLang="en-US" dirty="0">
+              <a:solidFill>
+                <a:schemeClr val="tx1"/>
+              </a:solidFill>
+            </a:endParaRPr>
+          </a:p>
+        </p:txBody>
+      </p:sp>
+      <p:sp>
+        <p:nvSpPr>
+          <p:cNvPr id="124" name="직사각형 123">
+            <a:extLst>
+              <a:ext uri="{FF2B5EF4-FFF2-40B4-BE49-F238E27FC236}">
+                <a16:creationId xmlns:a16="http://schemas.microsoft.com/office/drawing/2014/main" id="{12B53C2B-13EC-4DEA-93ED-36F2783C9034}"/>
+              </a:ext>
+            </a:extLst>
+          </p:cNvPr>
+          <p:cNvSpPr/>
+          <p:nvPr/>
+        </p:nvSpPr>
+        <p:spPr>
+          <a:xfrm>
+            <a:off x="5583810" y="4637343"/>
+            <a:ext cx="399494" cy="452761"/>
+          </a:xfrm>
+          <a:prstGeom prst="rect">
+            <a:avLst/>
+          </a:prstGeom>
+          <a:noFill/>
+        </p:spPr>
+        <p:style>
+          <a:lnRef idx="2">
+            <a:schemeClr val="accent1">
+              <a:shade val="50000"/>
+            </a:schemeClr>
+          </a:lnRef>
+          <a:fillRef idx="1">
+            <a:schemeClr val="accent1"/>
+          </a:fillRef>
+          <a:effectRef idx="0">
+            <a:schemeClr val="accent1"/>
+          </a:effectRef>
+          <a:fontRef idx="minor">
+            <a:schemeClr val="lt1"/>
+          </a:fontRef>
+        </p:style>
+        <p:txBody>
+          <a:bodyPr rtlCol="0" anchor="ctr"/>
+          <a:lstStyle/>
+          <a:p>
+            <a:pPr algn="ctr"/>
+            <a:r>
+              <a:rPr lang="en-US" altLang="ko-KR">
+                <a:solidFill>
+                  <a:schemeClr val="tx1"/>
+                </a:solidFill>
+              </a:rPr>
+              <a:t>3</a:t>
+            </a:r>
+            <a:endParaRPr lang="ko-KR" altLang="en-US" dirty="0">
+              <a:solidFill>
+                <a:schemeClr val="tx1"/>
+              </a:solidFill>
+            </a:endParaRPr>
+          </a:p>
+        </p:txBody>
+      </p:sp>
+      <p:sp>
+        <p:nvSpPr>
+          <p:cNvPr id="125" name="직사각형 124">
+            <a:extLst>
+              <a:ext uri="{FF2B5EF4-FFF2-40B4-BE49-F238E27FC236}">
+                <a16:creationId xmlns:a16="http://schemas.microsoft.com/office/drawing/2014/main" id="{7D11FAD0-7110-4D0D-AB8E-DF31A3583E2A}"/>
+              </a:ext>
+            </a:extLst>
+          </p:cNvPr>
+          <p:cNvSpPr/>
+          <p:nvPr/>
+        </p:nvSpPr>
+        <p:spPr>
+          <a:xfrm>
+            <a:off x="6067644" y="4637343"/>
+            <a:ext cx="399494" cy="452761"/>
+          </a:xfrm>
+          <a:prstGeom prst="rect">
+            <a:avLst/>
+          </a:prstGeom>
+          <a:noFill/>
+        </p:spPr>
+        <p:style>
+          <a:lnRef idx="2">
+            <a:schemeClr val="accent1">
+              <a:shade val="50000"/>
+            </a:schemeClr>
+          </a:lnRef>
+          <a:fillRef idx="1">
+            <a:schemeClr val="accent1"/>
+          </a:fillRef>
+          <a:effectRef idx="0">
+            <a:schemeClr val="accent1"/>
+          </a:effectRef>
+          <a:fontRef idx="minor">
+            <a:schemeClr val="lt1"/>
+          </a:fontRef>
+        </p:style>
+        <p:txBody>
+          <a:bodyPr rtlCol="0" anchor="ctr"/>
+          <a:lstStyle/>
+          <a:p>
+            <a:pPr algn="ctr"/>
+            <a:r>
+              <a:rPr lang="en-US" altLang="ko-KR" dirty="0">
+                <a:solidFill>
+                  <a:schemeClr val="tx1"/>
+                </a:solidFill>
+              </a:rPr>
+              <a:t>5</a:t>
+            </a:r>
+            <a:endParaRPr lang="ko-KR" altLang="en-US" dirty="0">
+              <a:solidFill>
+                <a:schemeClr val="tx1"/>
+              </a:solidFill>
+            </a:endParaRPr>
+          </a:p>
+        </p:txBody>
+      </p:sp>
+      <p:sp>
+        <p:nvSpPr>
+          <p:cNvPr id="126" name="직사각형 125">
+            <a:extLst>
+              <a:ext uri="{FF2B5EF4-FFF2-40B4-BE49-F238E27FC236}">
+                <a16:creationId xmlns:a16="http://schemas.microsoft.com/office/drawing/2014/main" id="{0AF902B5-34F6-487A-BE26-1F8509D56209}"/>
+              </a:ext>
+            </a:extLst>
+          </p:cNvPr>
+          <p:cNvSpPr/>
+          <p:nvPr/>
+        </p:nvSpPr>
+        <p:spPr>
+          <a:xfrm>
+            <a:off x="6551478" y="4637343"/>
+            <a:ext cx="399494" cy="452761"/>
+          </a:xfrm>
+          <a:prstGeom prst="rect">
+            <a:avLst/>
+          </a:prstGeom>
+          <a:noFill/>
+        </p:spPr>
+        <p:style>
+          <a:lnRef idx="2">
+            <a:schemeClr val="accent1">
+              <a:shade val="50000"/>
+            </a:schemeClr>
+          </a:lnRef>
+          <a:fillRef idx="1">
+            <a:schemeClr val="accent1"/>
+          </a:fillRef>
+          <a:effectRef idx="0">
+            <a:schemeClr val="accent1"/>
+          </a:effectRef>
+          <a:fontRef idx="minor">
+            <a:schemeClr val="lt1"/>
+          </a:fontRef>
+        </p:style>
+        <p:txBody>
+          <a:bodyPr rtlCol="0" anchor="ctr"/>
+          <a:lstStyle/>
+          <a:p>
+            <a:pPr algn="ctr"/>
+            <a:r>
+              <a:rPr lang="en-US" altLang="ko-KR" dirty="0">
+                <a:solidFill>
+                  <a:schemeClr val="tx1"/>
+                </a:solidFill>
+              </a:rPr>
+              <a:t>6</a:t>
+            </a:r>
+            <a:endParaRPr lang="ko-KR" altLang="en-US" dirty="0">
+              <a:solidFill>
+                <a:schemeClr val="tx1"/>
+              </a:solidFill>
+            </a:endParaRPr>
+          </a:p>
+        </p:txBody>
+      </p:sp>
+      <p:sp>
+        <p:nvSpPr>
+          <p:cNvPr id="127" name="직사각형 126">
+            <a:extLst>
+              <a:ext uri="{FF2B5EF4-FFF2-40B4-BE49-F238E27FC236}">
+                <a16:creationId xmlns:a16="http://schemas.microsoft.com/office/drawing/2014/main" id="{5969A7F3-2C38-4EEA-BDE5-E3E71F1CD96E}"/>
+              </a:ext>
+            </a:extLst>
+          </p:cNvPr>
+          <p:cNvSpPr/>
+          <p:nvPr/>
+        </p:nvSpPr>
+        <p:spPr>
+          <a:xfrm>
+            <a:off x="4145104" y="4612060"/>
+            <a:ext cx="399494" cy="452761"/>
+          </a:xfrm>
+          <a:prstGeom prst="rect">
+            <a:avLst/>
+          </a:prstGeom>
+          <a:noFill/>
+          <a:ln>
+            <a:noFill/>
+          </a:ln>
+        </p:spPr>
+        <p:style>
+          <a:lnRef idx="2">
+            <a:schemeClr val="accent1">
+              <a:shade val="50000"/>
+            </a:schemeClr>
+          </a:lnRef>
+          <a:fillRef idx="1">
+            <a:schemeClr val="accent1"/>
+          </a:fillRef>
+          <a:effectRef idx="0">
+            <a:schemeClr val="accent1"/>
+          </a:effectRef>
+          <a:fontRef idx="minor">
+            <a:schemeClr val="lt1"/>
+          </a:fontRef>
+        </p:style>
+        <p:txBody>
+          <a:bodyPr rtlCol="0" anchor="ctr"/>
+          <a:lstStyle/>
+          <a:p>
+            <a:pPr algn="r"/>
+            <a:r>
+              <a:rPr lang="en-US" altLang="ko-KR" dirty="0">
+                <a:solidFill>
+                  <a:schemeClr val="tx1"/>
+                </a:solidFill>
+              </a:rPr>
+              <a:t>A</a:t>
+            </a:r>
+            <a:endParaRPr lang="ko-KR" altLang="en-US" dirty="0">
+              <a:solidFill>
+                <a:schemeClr val="tx1"/>
+              </a:solidFill>
+            </a:endParaRPr>
+          </a:p>
+        </p:txBody>
+      </p:sp>
+      <p:sp>
+        <p:nvSpPr>
+          <p:cNvPr id="128" name="직사각형 127">
+            <a:extLst>
+              <a:ext uri="{FF2B5EF4-FFF2-40B4-BE49-F238E27FC236}">
+                <a16:creationId xmlns:a16="http://schemas.microsoft.com/office/drawing/2014/main" id="{6C9A4D6F-6F35-4862-86E3-A34BC3A05AFE}"/>
+              </a:ext>
+            </a:extLst>
+          </p:cNvPr>
+          <p:cNvSpPr/>
+          <p:nvPr/>
+        </p:nvSpPr>
+        <p:spPr>
+          <a:xfrm>
+            <a:off x="4629459" y="4353258"/>
+            <a:ext cx="399494" cy="258802"/>
+          </a:xfrm>
+          <a:prstGeom prst="rect">
+            <a:avLst/>
+          </a:prstGeom>
+          <a:noFill/>
+          <a:ln>
+            <a:noFill/>
+          </a:ln>
+        </p:spPr>
+        <p:style>
+          <a:lnRef idx="2">
+            <a:schemeClr val="accent1">
+              <a:shade val="50000"/>
+            </a:schemeClr>
+          </a:lnRef>
+          <a:fillRef idx="1">
+            <a:schemeClr val="accent1"/>
+          </a:fillRef>
+          <a:effectRef idx="0">
+            <a:schemeClr val="accent1"/>
+          </a:effectRef>
+          <a:fontRef idx="minor">
+            <a:schemeClr val="lt1"/>
+          </a:fontRef>
+        </p:style>
+        <p:txBody>
+          <a:bodyPr rtlCol="0" anchor="ctr"/>
+          <a:lstStyle/>
+          <a:p>
+            <a:pPr algn="ctr"/>
+            <a:r>
+              <a:rPr lang="en-US" altLang="ko-KR" dirty="0">
+                <a:solidFill>
+                  <a:schemeClr val="tx1"/>
+                </a:solidFill>
+              </a:rPr>
+              <a:t>0</a:t>
+            </a:r>
+            <a:endParaRPr lang="ko-KR" altLang="en-US" dirty="0">
+              <a:solidFill>
+                <a:schemeClr val="tx1"/>
+              </a:solidFill>
+            </a:endParaRPr>
+          </a:p>
+        </p:txBody>
+      </p:sp>
+      <p:sp>
+        <p:nvSpPr>
+          <p:cNvPr id="129" name="직사각형 128">
+            <a:extLst>
+              <a:ext uri="{FF2B5EF4-FFF2-40B4-BE49-F238E27FC236}">
+                <a16:creationId xmlns:a16="http://schemas.microsoft.com/office/drawing/2014/main" id="{2A55E128-2897-41AD-9CFA-0C03F5E53B49}"/>
+              </a:ext>
+            </a:extLst>
+          </p:cNvPr>
+          <p:cNvSpPr/>
+          <p:nvPr/>
+        </p:nvSpPr>
+        <p:spPr>
+          <a:xfrm>
+            <a:off x="5099976" y="4353258"/>
+            <a:ext cx="399494" cy="258802"/>
+          </a:xfrm>
+          <a:prstGeom prst="rect">
+            <a:avLst/>
+          </a:prstGeom>
+          <a:noFill/>
+          <a:ln>
+            <a:noFill/>
+          </a:ln>
+        </p:spPr>
+        <p:style>
+          <a:lnRef idx="2">
+            <a:schemeClr val="accent1">
+              <a:shade val="50000"/>
+            </a:schemeClr>
+          </a:lnRef>
+          <a:fillRef idx="1">
+            <a:schemeClr val="accent1"/>
+          </a:fillRef>
+          <a:effectRef idx="0">
+            <a:schemeClr val="accent1"/>
+          </a:effectRef>
+          <a:fontRef idx="minor">
+            <a:schemeClr val="lt1"/>
+          </a:fontRef>
+        </p:style>
+        <p:txBody>
+          <a:bodyPr rtlCol="0" anchor="ctr"/>
+          <a:lstStyle/>
+          <a:p>
+            <a:pPr algn="ctr"/>
+            <a:r>
+              <a:rPr lang="en-US" altLang="ko-KR" dirty="0">
+                <a:solidFill>
+                  <a:schemeClr val="tx1"/>
+                </a:solidFill>
+              </a:rPr>
+              <a:t>1</a:t>
+            </a:r>
+            <a:endParaRPr lang="ko-KR" altLang="en-US" dirty="0">
+              <a:solidFill>
+                <a:schemeClr val="tx1"/>
+              </a:solidFill>
+            </a:endParaRPr>
+          </a:p>
+        </p:txBody>
+      </p:sp>
+      <p:sp>
+        <p:nvSpPr>
+          <p:cNvPr id="130" name="직사각형 129">
+            <a:extLst>
+              <a:ext uri="{FF2B5EF4-FFF2-40B4-BE49-F238E27FC236}">
+                <a16:creationId xmlns:a16="http://schemas.microsoft.com/office/drawing/2014/main" id="{EF22F553-BFF5-48A2-B2D6-3D54306A2185}"/>
+              </a:ext>
+            </a:extLst>
+          </p:cNvPr>
+          <p:cNvSpPr/>
+          <p:nvPr/>
+        </p:nvSpPr>
+        <p:spPr>
+          <a:xfrm>
+            <a:off x="5583810" y="4353258"/>
+            <a:ext cx="399494" cy="258802"/>
+          </a:xfrm>
+          <a:prstGeom prst="rect">
+            <a:avLst/>
+          </a:prstGeom>
+          <a:noFill/>
+          <a:ln>
+            <a:noFill/>
+          </a:ln>
+        </p:spPr>
+        <p:style>
+          <a:lnRef idx="2">
+            <a:schemeClr val="accent1">
+              <a:shade val="50000"/>
+            </a:schemeClr>
+          </a:lnRef>
+          <a:fillRef idx="1">
+            <a:schemeClr val="accent1"/>
+          </a:fillRef>
+          <a:effectRef idx="0">
+            <a:schemeClr val="accent1"/>
+          </a:effectRef>
+          <a:fontRef idx="minor">
+            <a:schemeClr val="lt1"/>
+          </a:fontRef>
+        </p:style>
+        <p:txBody>
+          <a:bodyPr rtlCol="0" anchor="ctr"/>
+          <a:lstStyle/>
+          <a:p>
+            <a:pPr algn="ctr"/>
+            <a:r>
+              <a:rPr lang="en-US" altLang="ko-KR" dirty="0">
+                <a:solidFill>
+                  <a:schemeClr val="tx1"/>
+                </a:solidFill>
+              </a:rPr>
+              <a:t>2</a:t>
+            </a:r>
+            <a:endParaRPr lang="ko-KR" altLang="en-US" dirty="0">
+              <a:solidFill>
+                <a:schemeClr val="tx1"/>
+              </a:solidFill>
+            </a:endParaRPr>
+          </a:p>
+        </p:txBody>
+      </p:sp>
+      <p:sp>
+        <p:nvSpPr>
+          <p:cNvPr id="131" name="직사각형 130">
+            <a:extLst>
+              <a:ext uri="{FF2B5EF4-FFF2-40B4-BE49-F238E27FC236}">
+                <a16:creationId xmlns:a16="http://schemas.microsoft.com/office/drawing/2014/main" id="{B3D8F747-E0A8-41D4-89F6-BC12FCBEE9E4}"/>
+              </a:ext>
+            </a:extLst>
+          </p:cNvPr>
+          <p:cNvSpPr/>
+          <p:nvPr/>
+        </p:nvSpPr>
+        <p:spPr>
+          <a:xfrm>
+            <a:off x="6067644" y="4353258"/>
+            <a:ext cx="399494" cy="258802"/>
+          </a:xfrm>
+          <a:prstGeom prst="rect">
+            <a:avLst/>
+          </a:prstGeom>
+          <a:noFill/>
+          <a:ln>
+            <a:noFill/>
+          </a:ln>
+        </p:spPr>
+        <p:style>
+          <a:lnRef idx="2">
+            <a:schemeClr val="accent1">
+              <a:shade val="50000"/>
+            </a:schemeClr>
+          </a:lnRef>
+          <a:fillRef idx="1">
+            <a:schemeClr val="accent1"/>
+          </a:fillRef>
+          <a:effectRef idx="0">
+            <a:schemeClr val="accent1"/>
+          </a:effectRef>
+          <a:fontRef idx="minor">
+            <a:schemeClr val="lt1"/>
+          </a:fontRef>
+        </p:style>
+        <p:txBody>
+          <a:bodyPr rtlCol="0" anchor="ctr"/>
+          <a:lstStyle/>
+          <a:p>
+            <a:pPr algn="ctr"/>
+            <a:r>
+              <a:rPr lang="en-US" altLang="ko-KR" dirty="0">
+                <a:solidFill>
+                  <a:schemeClr val="tx1"/>
+                </a:solidFill>
+              </a:rPr>
+              <a:t>3</a:t>
+            </a:r>
+            <a:endParaRPr lang="ko-KR" altLang="en-US" dirty="0">
+              <a:solidFill>
+                <a:schemeClr val="tx1"/>
+              </a:solidFill>
+            </a:endParaRPr>
+          </a:p>
+        </p:txBody>
+      </p:sp>
+      <p:sp>
+        <p:nvSpPr>
+          <p:cNvPr id="132" name="직사각형 131">
+            <a:extLst>
+              <a:ext uri="{FF2B5EF4-FFF2-40B4-BE49-F238E27FC236}">
+                <a16:creationId xmlns:a16="http://schemas.microsoft.com/office/drawing/2014/main" id="{DB78C877-CB45-4567-BB12-34E8298288E1}"/>
+              </a:ext>
+            </a:extLst>
+          </p:cNvPr>
+          <p:cNvSpPr/>
+          <p:nvPr/>
+        </p:nvSpPr>
+        <p:spPr>
+          <a:xfrm>
+            <a:off x="6551478" y="4353258"/>
+            <a:ext cx="399494" cy="258802"/>
+          </a:xfrm>
+          <a:prstGeom prst="rect">
+            <a:avLst/>
+          </a:prstGeom>
+          <a:noFill/>
+          <a:ln>
+            <a:noFill/>
+          </a:ln>
+        </p:spPr>
+        <p:style>
+          <a:lnRef idx="2">
+            <a:schemeClr val="accent1">
+              <a:shade val="50000"/>
+            </a:schemeClr>
+          </a:lnRef>
+          <a:fillRef idx="1">
+            <a:schemeClr val="accent1"/>
+          </a:fillRef>
+          <a:effectRef idx="0">
+            <a:schemeClr val="accent1"/>
+          </a:effectRef>
+          <a:fontRef idx="minor">
+            <a:schemeClr val="lt1"/>
+          </a:fontRef>
+        </p:style>
+        <p:txBody>
+          <a:bodyPr rtlCol="0" anchor="ctr"/>
+          <a:lstStyle/>
+          <a:p>
+            <a:pPr algn="ctr"/>
+            <a:r>
+              <a:rPr lang="en-US" altLang="ko-KR" dirty="0">
+                <a:solidFill>
+                  <a:schemeClr val="tx1"/>
+                </a:solidFill>
+              </a:rPr>
+              <a:t>4</a:t>
+            </a:r>
+            <a:endParaRPr lang="ko-KR" altLang="en-US" dirty="0">
+              <a:solidFill>
+                <a:schemeClr val="tx1"/>
+              </a:solidFill>
+            </a:endParaRPr>
+          </a:p>
+        </p:txBody>
+      </p:sp>
+      <p:cxnSp>
+        <p:nvCxnSpPr>
+          <p:cNvPr id="134" name="연결선: 꺾임 133">
+            <a:extLst>
+              <a:ext uri="{FF2B5EF4-FFF2-40B4-BE49-F238E27FC236}">
+                <a16:creationId xmlns:a16="http://schemas.microsoft.com/office/drawing/2014/main" id="{45C66EE9-0E5F-419F-90E3-B30191CF9C50}"/>
+              </a:ext>
+            </a:extLst>
+          </p:cNvPr>
+          <p:cNvCxnSpPr>
+            <a:stCxn id="35" idx="2"/>
+            <a:endCxn id="132" idx="0"/>
+          </p:cNvCxnSpPr>
+          <p:nvPr/>
+        </p:nvCxnSpPr>
+        <p:spPr>
+          <a:xfrm rot="5400000">
+            <a:off x="8978083" y="1572965"/>
+            <a:ext cx="553436" cy="5007151"/>
+          </a:xfrm>
+          <a:prstGeom prst="bentConnector3">
+            <a:avLst/>
+          </a:prstGeom>
+          <a:ln>
+            <a:tailEnd type="triangle"/>
+          </a:ln>
+        </p:spPr>
+        <p:style>
+          <a:lnRef idx="1">
+            <a:schemeClr val="accent1"/>
+          </a:lnRef>
+          <a:fillRef idx="0">
+            <a:schemeClr val="accent1"/>
+          </a:fillRef>
+          <a:effectRef idx="0">
+            <a:schemeClr val="accent1"/>
+          </a:effectRef>
+          <a:fontRef idx="minor">
+            <a:schemeClr val="tx1"/>
+          </a:fontRef>
+        </p:style>
+      </p:cxnSp>
+      <p:cxnSp>
+        <p:nvCxnSpPr>
+          <p:cNvPr id="136" name="연결선: 꺾임 135">
+            <a:extLst>
+              <a:ext uri="{FF2B5EF4-FFF2-40B4-BE49-F238E27FC236}">
+                <a16:creationId xmlns:a16="http://schemas.microsoft.com/office/drawing/2014/main" id="{C64E4FF3-8552-4768-8634-1506094A54CD}"/>
+              </a:ext>
+            </a:extLst>
+          </p:cNvPr>
+          <p:cNvCxnSpPr>
+            <a:stCxn id="55" idx="2"/>
+            <a:endCxn id="131" idx="0"/>
+          </p:cNvCxnSpPr>
+          <p:nvPr/>
+        </p:nvCxnSpPr>
+        <p:spPr>
+          <a:xfrm rot="5400000">
+            <a:off x="6780284" y="2778148"/>
+            <a:ext cx="1062217" cy="2088002"/>
+          </a:xfrm>
+          <a:prstGeom prst="bentConnector3">
+            <a:avLst/>
+          </a:prstGeom>
+          <a:ln>
+            <a:tailEnd type="triangle"/>
+          </a:ln>
+        </p:spPr>
+        <p:style>
+          <a:lnRef idx="1">
+            <a:schemeClr val="accent1"/>
+          </a:lnRef>
+          <a:fillRef idx="0">
+            <a:schemeClr val="accent1"/>
+          </a:fillRef>
+          <a:effectRef idx="0">
+            <a:schemeClr val="accent1"/>
+          </a:effectRef>
+          <a:fontRef idx="minor">
+            <a:schemeClr val="tx1"/>
+          </a:fontRef>
+        </p:style>
+      </p:cxnSp>
+      <p:cxnSp>
+        <p:nvCxnSpPr>
+          <p:cNvPr id="138" name="연결선: 꺾임 137">
+            <a:extLst>
+              <a:ext uri="{FF2B5EF4-FFF2-40B4-BE49-F238E27FC236}">
+                <a16:creationId xmlns:a16="http://schemas.microsoft.com/office/drawing/2014/main" id="{8AF11E4A-DAE9-48AB-8615-C0B9C0B2198F}"/>
+              </a:ext>
+            </a:extLst>
+          </p:cNvPr>
+          <p:cNvCxnSpPr>
+            <a:stCxn id="67" idx="2"/>
+            <a:endCxn id="130" idx="0"/>
+          </p:cNvCxnSpPr>
+          <p:nvPr/>
+        </p:nvCxnSpPr>
+        <p:spPr>
+          <a:xfrm rot="16200000" flipH="1">
+            <a:off x="4822109" y="3391810"/>
+            <a:ext cx="1575584" cy="347311"/>
+          </a:xfrm>
+          <a:prstGeom prst="bentConnector3">
+            <a:avLst/>
+          </a:prstGeom>
+          <a:ln>
+            <a:tailEnd type="triangle"/>
+          </a:ln>
+        </p:spPr>
+        <p:style>
+          <a:lnRef idx="1">
+            <a:schemeClr val="accent1"/>
+          </a:lnRef>
+          <a:fillRef idx="0">
+            <a:schemeClr val="accent1"/>
+          </a:fillRef>
+          <a:effectRef idx="0">
+            <a:schemeClr val="accent1"/>
+          </a:effectRef>
+          <a:fontRef idx="minor">
+            <a:schemeClr val="tx1"/>
+          </a:fontRef>
+        </p:style>
+      </p:cxnSp>
+      <p:cxnSp>
+        <p:nvCxnSpPr>
+          <p:cNvPr id="140" name="연결선: 꺾임 139">
+            <a:extLst>
+              <a:ext uri="{FF2B5EF4-FFF2-40B4-BE49-F238E27FC236}">
+                <a16:creationId xmlns:a16="http://schemas.microsoft.com/office/drawing/2014/main" id="{794928F4-9EDE-4441-A124-116F293D44BD}"/>
+              </a:ext>
+            </a:extLst>
+          </p:cNvPr>
+          <p:cNvCxnSpPr>
+            <a:stCxn id="104" idx="2"/>
+            <a:endCxn id="129" idx="0"/>
+          </p:cNvCxnSpPr>
+          <p:nvPr/>
+        </p:nvCxnSpPr>
+        <p:spPr>
+          <a:xfrm rot="16200000" flipH="1">
+            <a:off x="3107520" y="2161054"/>
+            <a:ext cx="2085617" cy="2298790"/>
+          </a:xfrm>
+          <a:prstGeom prst="bentConnector3">
+            <a:avLst>
+              <a:gd name="adj1" fmla="val 74009"/>
+            </a:avLst>
+          </a:prstGeom>
+          <a:ln>
+            <a:tailEnd type="triangle"/>
+          </a:ln>
+        </p:spPr>
+        <p:style>
+          <a:lnRef idx="1">
+            <a:schemeClr val="accent1"/>
+          </a:lnRef>
+          <a:fillRef idx="0">
+            <a:schemeClr val="accent1"/>
+          </a:fillRef>
+          <a:effectRef idx="0">
+            <a:schemeClr val="accent1"/>
+          </a:effectRef>
+          <a:fontRef idx="minor">
+            <a:schemeClr val="tx1"/>
+          </a:fontRef>
+        </p:style>
+      </p:cxnSp>
+      <p:cxnSp>
+        <p:nvCxnSpPr>
+          <p:cNvPr id="142" name="연결선: 꺾임 141">
+            <a:extLst>
+              <a:ext uri="{FF2B5EF4-FFF2-40B4-BE49-F238E27FC236}">
+                <a16:creationId xmlns:a16="http://schemas.microsoft.com/office/drawing/2014/main" id="{C1AB0BEC-ADED-4E1D-A4E8-2A9AB0437205}"/>
+              </a:ext>
+            </a:extLst>
+          </p:cNvPr>
+          <p:cNvCxnSpPr>
+            <a:stCxn id="106" idx="2"/>
+            <a:endCxn id="128" idx="0"/>
+          </p:cNvCxnSpPr>
+          <p:nvPr/>
+        </p:nvCxnSpPr>
+        <p:spPr>
+          <a:xfrm rot="16200000" flipH="1">
+            <a:off x="1618288" y="1142340"/>
+            <a:ext cx="2642084" cy="3779752"/>
+          </a:xfrm>
+          <a:prstGeom prst="bentConnector3">
+            <a:avLst>
+              <a:gd name="adj1" fmla="val 89965"/>
+            </a:avLst>
+          </a:prstGeom>
+          <a:ln>
+            <a:tailEnd type="triangle"/>
+          </a:ln>
+        </p:spPr>
+        <p:style>
+          <a:lnRef idx="1">
+            <a:schemeClr val="accent1"/>
+          </a:lnRef>
+          <a:fillRef idx="0">
+            <a:schemeClr val="accent1"/>
+          </a:fillRef>
+          <a:effectRef idx="0">
+            <a:schemeClr val="accent1"/>
+          </a:effectRef>
+          <a:fontRef idx="minor">
+            <a:schemeClr val="tx1"/>
+          </a:fontRef>
+        </p:style>
+      </p:cxnSp>
+    </p:spTree>
+    <p:extLst>
+      <p:ext uri="{BB962C8B-B14F-4D97-AF65-F5344CB8AC3E}">
+        <p14:creationId xmlns:p14="http://schemas.microsoft.com/office/powerpoint/2010/main" val="1602686451"/>
+      </p:ext>
+    </p:extLst>
+  </p:cSld>
+  <p:clrMapOvr>
+    <a:masterClrMapping/>
+  </p:clrMapOvr>
+</p:sld>
+</file>
+
+<file path=ppt/slides/slide8.xml><?xml version="1.0" encoding="utf-8"?>
+<p:sld xmlns:a="http://schemas.openxmlformats.org/drawingml/2006/main" xmlns:r="http://schemas.openxmlformats.org/officeDocument/2006/relationships" xmlns:p="http://schemas.openxmlformats.org/presentationml/2006/main">
+  <p:cSld>
+    <p:spTree>
+      <p:nvGrpSpPr>
+        <p:cNvPr id="1" name=""/>
+        <p:cNvGrpSpPr/>
+        <p:nvPr/>
+      </p:nvGrpSpPr>
+      <p:grpSpPr>
+        <a:xfrm>
+          <a:off x="0" y="0"/>
+          <a:ext cx="0" cy="0"/>
+          <a:chOff x="0" y="0"/>
+          <a:chExt cx="0" cy="0"/>
+        </a:xfrm>
+      </p:grpSpPr>
+      <p:pic>
+        <p:nvPicPr>
+          <p:cNvPr id="2" name="그림 1">
+            <a:extLst>
+              <a:ext uri="{FF2B5EF4-FFF2-40B4-BE49-F238E27FC236}">
+                <a16:creationId xmlns:a16="http://schemas.microsoft.com/office/drawing/2014/main" id="{0D8B2CEB-2A16-455E-A3E5-6C1D29258CF9}"/>
+              </a:ext>
+            </a:extLst>
+          </p:cNvPr>
+          <p:cNvPicPr>
+            <a:picLocks noChangeAspect="1"/>
+          </p:cNvPicPr>
+          <p:nvPr/>
+        </p:nvPicPr>
+        <p:blipFill>
+          <a:blip r:embed="rId2"/>
+          <a:stretch>
+            <a:fillRect/>
+          </a:stretch>
+        </p:blipFill>
+        <p:spPr>
+          <a:xfrm>
+            <a:off x="164524" y="1172404"/>
+            <a:ext cx="11601694" cy="4730906"/>
+          </a:xfrm>
+          <a:prstGeom prst="rect">
+            <a:avLst/>
+          </a:prstGeom>
+        </p:spPr>
+      </p:pic>
+    </p:spTree>
+    <p:extLst>
+      <p:ext uri="{BB962C8B-B14F-4D97-AF65-F5344CB8AC3E}">
+        <p14:creationId xmlns:p14="http://schemas.microsoft.com/office/powerpoint/2010/main" val="1062481222"/>
+      </p:ext>
+    </p:extLst>
+  </p:cSld>
+  <p:clrMapOvr>
+    <a:masterClrMapping/>
+  </p:clrMapOvr>
+</p:sld>
+</file>
+
 <file path=ppt/theme/theme1.xml><?xml version="1.0" encoding="utf-8"?>
 <a:theme xmlns:a="http://schemas.openxmlformats.org/drawingml/2006/main" name="Office 테마">
   <a:themeElements>
